--- a/PPTs/Quiz/Deleted.pptx
+++ b/PPTs/Quiz/Deleted.pptx
@@ -5,11 +5,14 @@
     <p:sldMasterId id="2147483648" r:id="rId1"/>
   </p:sldMasterIdLst>
   <p:notesMasterIdLst>
-    <p:notesMasterId r:id="rId4"/>
+    <p:notesMasterId r:id="rId7"/>
   </p:notesMasterIdLst>
   <p:sldIdLst>
     <p:sldId id="256" r:id="rId2"/>
-    <p:sldId id="369" r:id="rId3"/>
+    <p:sldId id="442" r:id="rId3"/>
+    <p:sldId id="443" r:id="rId4"/>
+    <p:sldId id="369" r:id="rId5"/>
+    <p:sldId id="417" r:id="rId6"/>
   </p:sldIdLst>
   <p:sldSz cx="9144000" cy="6858000" type="screen4x3"/>
   <p:notesSz cx="6858000" cy="9144000"/>
@@ -209,7 +212,7 @@
           <a:p>
             <a:fld id="{1B0CF57B-C747-FC49-8C8F-81AE37C96CA4}" type="datetimeFigureOut">
               <a:rPr lang="en-US" smtClean="0"/>
-              <a:t>10/30/2024</a:t>
+              <a:t>11/11/2024</a:t>
             </a:fld>
             <a:endParaRPr lang="en-US"/>
           </a:p>
@@ -474,6 +477,257 @@
     </a:lvl9pPr>
   </p:notesStyle>
 </p:notesMaster>
+</file>
+
+<file path=ppt/notesSlides/notesSlide1.xml><?xml version="1.0" encoding="utf-8"?>
+<p:notes xmlns:a="http://schemas.openxmlformats.org/drawingml/2006/main" xmlns:r="http://schemas.openxmlformats.org/officeDocument/2006/relationships" xmlns:p="http://schemas.openxmlformats.org/presentationml/2006/main">
+  <p:cSld>
+    <p:spTree>
+      <p:nvGrpSpPr>
+        <p:cNvPr id="1" name=""/>
+        <p:cNvGrpSpPr/>
+        <p:nvPr/>
+      </p:nvGrpSpPr>
+      <p:grpSpPr>
+        <a:xfrm>
+          <a:off x="0" y="0"/>
+          <a:ext cx="0" cy="0"/>
+          <a:chOff x="0" y="0"/>
+          <a:chExt cx="0" cy="0"/>
+        </a:xfrm>
+      </p:grpSpPr>
+      <p:sp>
+        <p:nvSpPr>
+          <p:cNvPr id="2" name="Slide Image Placeholder 1"/>
+          <p:cNvSpPr>
+            <a:spLocks noGrp="1" noRot="1" noChangeAspect="1"/>
+          </p:cNvSpPr>
+          <p:nvPr>
+            <p:ph type="sldImg"/>
+          </p:nvPr>
+        </p:nvSpPr>
+        <p:spPr/>
+      </p:sp>
+      <p:sp>
+        <p:nvSpPr>
+          <p:cNvPr id="3" name="Notes Placeholder 2"/>
+          <p:cNvSpPr>
+            <a:spLocks noGrp="1"/>
+          </p:cNvSpPr>
+          <p:nvPr>
+            <p:ph type="body" idx="1"/>
+          </p:nvPr>
+        </p:nvSpPr>
+        <p:spPr/>
+        <p:txBody>
+          <a:bodyPr/>
+          <a:lstStyle/>
+          <a:p>
+            <a:r>
+              <a:rPr lang="en-GB" sz="1200" kern="0" dirty="0">
+                <a:solidFill>
+                  <a:srgbClr val="000000"/>
+                </a:solidFill>
+                <a:latin typeface="Arial" panose="020B0604020202020204" pitchFamily="34" charset="0"/>
+                <a:cs typeface="+mn-cs"/>
+              </a:rPr>
+              <a:t>Run Dijkstra’s algorithm on this graph, starting from node A. Run it anyway.</a:t>
+            </a:r>
+          </a:p>
+          <a:p>
+            <a:r>
+              <a:rPr lang="en-GB" sz="1200" kern="0" dirty="0">
+                <a:solidFill>
+                  <a:srgbClr val="000000"/>
+                </a:solidFill>
+                <a:latin typeface="Arial" panose="020B0604020202020204" pitchFamily="34" charset="0"/>
+                <a:cs typeface="+mn-cs"/>
+              </a:rPr>
+              <a:t>• A → B: 10</a:t>
+            </a:r>
+          </a:p>
+          <a:p>
+            <a:r>
+              <a:rPr lang="en-GB" sz="1200" kern="0" dirty="0">
+                <a:solidFill>
+                  <a:srgbClr val="000000"/>
+                </a:solidFill>
+                <a:latin typeface="Arial" panose="020B0604020202020204" pitchFamily="34" charset="0"/>
+                <a:cs typeface="+mn-cs"/>
+              </a:rPr>
+              <a:t>• A → C: 1</a:t>
+            </a:r>
+          </a:p>
+          <a:p>
+            <a:r>
+              <a:rPr lang="en-GB" sz="1200" kern="0" dirty="0">
+                <a:solidFill>
+                  <a:srgbClr val="000000"/>
+                </a:solidFill>
+                <a:latin typeface="Arial" panose="020B0604020202020204" pitchFamily="34" charset="0"/>
+                <a:cs typeface="+mn-cs"/>
+              </a:rPr>
+              <a:t>• B → D: -20</a:t>
+            </a:r>
+          </a:p>
+          <a:p>
+            <a:r>
+              <a:rPr lang="en-GB" sz="1200" kern="0" dirty="0">
+                <a:solidFill>
+                  <a:srgbClr val="000000"/>
+                </a:solidFill>
+                <a:latin typeface="Arial" panose="020B0604020202020204" pitchFamily="34" charset="0"/>
+                <a:cs typeface="+mn-cs"/>
+              </a:rPr>
+              <a:t>• C → D: 1</a:t>
+            </a:r>
+          </a:p>
+          <a:p>
+            <a:r>
+              <a:rPr lang="en-GB" sz="1200" kern="0" dirty="0">
+                <a:solidFill>
+                  <a:srgbClr val="000000"/>
+                </a:solidFill>
+                <a:latin typeface="Arial" panose="020B0604020202020204" pitchFamily="34" charset="0"/>
+                <a:cs typeface="+mn-cs"/>
+              </a:rPr>
+              <a:t>Since Dijkstra’s Algorithm is a greedy algorithm, it visits A, C, D, then finishes. I</a:t>
+            </a:r>
+            <a:endParaRPr lang="en-SE" sz="1200" kern="0" dirty="0">
+              <a:solidFill>
+                <a:srgbClr val="000000"/>
+              </a:solidFill>
+              <a:latin typeface="Arial" panose="020B0604020202020204" pitchFamily="34" charset="0"/>
+              <a:cs typeface="+mn-cs"/>
+            </a:endParaRPr>
+          </a:p>
+          <a:p>
+            <a:endParaRPr lang="en-SE" dirty="0"/>
+          </a:p>
+        </p:txBody>
+      </p:sp>
+      <p:sp>
+        <p:nvSpPr>
+          <p:cNvPr id="4" name="Slide Number Placeholder 3"/>
+          <p:cNvSpPr>
+            <a:spLocks noGrp="1"/>
+          </p:cNvSpPr>
+          <p:nvPr>
+            <p:ph type="sldNum" sz="quarter" idx="5"/>
+          </p:nvPr>
+        </p:nvSpPr>
+        <p:spPr/>
+        <p:txBody>
+          <a:bodyPr/>
+          <a:lstStyle/>
+          <a:p>
+            <a:fld id="{13F62E29-99FC-EB40-923F-D38E4FE7BE7E}" type="slidenum">
+              <a:rPr lang="en-US" smtClean="0"/>
+              <a:t>2</a:t>
+            </a:fld>
+            <a:endParaRPr lang="en-US"/>
+          </a:p>
+        </p:txBody>
+      </p:sp>
+    </p:spTree>
+    <p:extLst>
+      <p:ext uri="{BB962C8B-B14F-4D97-AF65-F5344CB8AC3E}">
+        <p14:creationId xmlns:p14="http://schemas.microsoft.com/office/powerpoint/2010/main" val="109871594"/>
+      </p:ext>
+    </p:extLst>
+  </p:cSld>
+  <p:clrMapOvr>
+    <a:masterClrMapping/>
+  </p:clrMapOvr>
+</p:notes>
+</file>
+
+<file path=ppt/notesSlides/notesSlide2.xml><?xml version="1.0" encoding="utf-8"?>
+<p:notes xmlns:a="http://schemas.openxmlformats.org/drawingml/2006/main" xmlns:r="http://schemas.openxmlformats.org/officeDocument/2006/relationships" xmlns:p="http://schemas.openxmlformats.org/presentationml/2006/main">
+  <p:cSld>
+    <p:spTree>
+      <p:nvGrpSpPr>
+        <p:cNvPr id="1" name=""/>
+        <p:cNvGrpSpPr/>
+        <p:nvPr/>
+      </p:nvGrpSpPr>
+      <p:grpSpPr>
+        <a:xfrm>
+          <a:off x="0" y="0"/>
+          <a:ext cx="0" cy="0"/>
+          <a:chOff x="0" y="0"/>
+          <a:chExt cx="0" cy="0"/>
+        </a:xfrm>
+      </p:grpSpPr>
+      <p:sp>
+        <p:nvSpPr>
+          <p:cNvPr id="2" name="Slide Image Placeholder 1"/>
+          <p:cNvSpPr>
+            <a:spLocks noGrp="1" noRot="1" noChangeAspect="1"/>
+          </p:cNvSpPr>
+          <p:nvPr>
+            <p:ph type="sldImg"/>
+          </p:nvPr>
+        </p:nvSpPr>
+        <p:spPr/>
+      </p:sp>
+      <p:sp>
+        <p:nvSpPr>
+          <p:cNvPr id="3" name="Notes Placeholder 2"/>
+          <p:cNvSpPr>
+            <a:spLocks noGrp="1"/>
+          </p:cNvSpPr>
+          <p:nvPr>
+            <p:ph type="body" idx="1"/>
+          </p:nvPr>
+        </p:nvSpPr>
+        <p:spPr/>
+        <p:txBody>
+          <a:bodyPr/>
+          <a:lstStyle/>
+          <a:p>
+            <a:r>
+              <a:rPr lang="en-GB" dirty="0"/>
+              <a:t>The shortest path from node A to node D goes through node B with a total cost of -10. </a:t>
+            </a:r>
+            <a:endParaRPr lang="en-SE" dirty="0"/>
+          </a:p>
+        </p:txBody>
+      </p:sp>
+      <p:sp>
+        <p:nvSpPr>
+          <p:cNvPr id="4" name="Slide Number Placeholder 3"/>
+          <p:cNvSpPr>
+            <a:spLocks noGrp="1"/>
+          </p:cNvSpPr>
+          <p:nvPr>
+            <p:ph type="sldNum" sz="quarter" idx="5"/>
+          </p:nvPr>
+        </p:nvSpPr>
+        <p:spPr/>
+        <p:txBody>
+          <a:bodyPr/>
+          <a:lstStyle/>
+          <a:p>
+            <a:fld id="{13F62E29-99FC-EB40-923F-D38E4FE7BE7E}" type="slidenum">
+              <a:rPr lang="en-US" smtClean="0"/>
+              <a:t>3</a:t>
+            </a:fld>
+            <a:endParaRPr lang="en-US"/>
+          </a:p>
+        </p:txBody>
+      </p:sp>
+    </p:spTree>
+    <p:extLst>
+      <p:ext uri="{BB962C8B-B14F-4D97-AF65-F5344CB8AC3E}">
+        <p14:creationId xmlns:p14="http://schemas.microsoft.com/office/powerpoint/2010/main" val="2953218687"/>
+      </p:ext>
+    </p:extLst>
+  </p:cSld>
+  <p:clrMapOvr>
+    <a:masterClrMapping/>
+  </p:clrMapOvr>
+</p:notes>
 </file>
 
 <file path=ppt/slideLayouts/slideLayout1.xml><?xml version="1.0" encoding="utf-8"?>
@@ -663,7 +917,7 @@
           <a:p>
             <a:fld id="{FB221443-D73C-634A-A910-7320408C156D}" type="datetimeFigureOut">
               <a:rPr lang="en-US" smtClean="0"/>
-              <a:t>10/30/2024</a:t>
+              <a:t>11/11/2024</a:t>
             </a:fld>
             <a:endParaRPr lang="en-US"/>
           </a:p>
@@ -833,7 +1087,7 @@
           <a:p>
             <a:fld id="{FB221443-D73C-634A-A910-7320408C156D}" type="datetimeFigureOut">
               <a:rPr lang="en-US" smtClean="0"/>
-              <a:t>10/30/2024</a:t>
+              <a:t>11/11/2024</a:t>
             </a:fld>
             <a:endParaRPr lang="en-US"/>
           </a:p>
@@ -1013,7 +1267,7 @@
           <a:p>
             <a:fld id="{FB221443-D73C-634A-A910-7320408C156D}" type="datetimeFigureOut">
               <a:rPr lang="en-US" smtClean="0"/>
-              <a:t>10/30/2024</a:t>
+              <a:t>11/11/2024</a:t>
             </a:fld>
             <a:endParaRPr lang="en-US"/>
           </a:p>
@@ -1183,7 +1437,7 @@
           <a:p>
             <a:fld id="{FB221443-D73C-634A-A910-7320408C156D}" type="datetimeFigureOut">
               <a:rPr lang="en-US" smtClean="0"/>
-              <a:t>10/30/2024</a:t>
+              <a:t>11/11/2024</a:t>
             </a:fld>
             <a:endParaRPr lang="en-US"/>
           </a:p>
@@ -1429,7 +1683,7 @@
           <a:p>
             <a:fld id="{FB221443-D73C-634A-A910-7320408C156D}" type="datetimeFigureOut">
               <a:rPr lang="en-US" smtClean="0"/>
-              <a:t>10/30/2024</a:t>
+              <a:t>11/11/2024</a:t>
             </a:fld>
             <a:endParaRPr lang="en-US"/>
           </a:p>
@@ -1717,7 +1971,7 @@
           <a:p>
             <a:fld id="{FB221443-D73C-634A-A910-7320408C156D}" type="datetimeFigureOut">
               <a:rPr lang="en-US" smtClean="0"/>
-              <a:t>10/30/2024</a:t>
+              <a:t>11/11/2024</a:t>
             </a:fld>
             <a:endParaRPr lang="en-US"/>
           </a:p>
@@ -2139,7 +2393,7 @@
           <a:p>
             <a:fld id="{FB221443-D73C-634A-A910-7320408C156D}" type="datetimeFigureOut">
               <a:rPr lang="en-US" smtClean="0"/>
-              <a:t>10/30/2024</a:t>
+              <a:t>11/11/2024</a:t>
             </a:fld>
             <a:endParaRPr lang="en-US"/>
           </a:p>
@@ -2257,7 +2511,7 @@
           <a:p>
             <a:fld id="{FB221443-D73C-634A-A910-7320408C156D}" type="datetimeFigureOut">
               <a:rPr lang="en-US" smtClean="0"/>
-              <a:t>10/30/2024</a:t>
+              <a:t>11/11/2024</a:t>
             </a:fld>
             <a:endParaRPr lang="en-US"/>
           </a:p>
@@ -2352,7 +2606,7 @@
           <a:p>
             <a:fld id="{FB221443-D73C-634A-A910-7320408C156D}" type="datetimeFigureOut">
               <a:rPr lang="en-US" smtClean="0"/>
-              <a:t>10/30/2024</a:t>
+              <a:t>11/11/2024</a:t>
             </a:fld>
             <a:endParaRPr lang="en-US"/>
           </a:p>
@@ -2629,7 +2883,7 @@
           <a:p>
             <a:fld id="{FB221443-D73C-634A-A910-7320408C156D}" type="datetimeFigureOut">
               <a:rPr lang="en-US" smtClean="0"/>
-              <a:t>10/30/2024</a:t>
+              <a:t>11/11/2024</a:t>
             </a:fld>
             <a:endParaRPr lang="en-US"/>
           </a:p>
@@ -2882,7 +3136,7 @@
           <a:p>
             <a:fld id="{FB221443-D73C-634A-A910-7320408C156D}" type="datetimeFigureOut">
               <a:rPr lang="en-US" smtClean="0"/>
-              <a:t>10/30/2024</a:t>
+              <a:t>11/11/2024</a:t>
             </a:fld>
             <a:endParaRPr lang="en-US"/>
           </a:p>
@@ -3095,7 +3349,7 @@
           <a:p>
             <a:fld id="{FB221443-D73C-634A-A910-7320408C156D}" type="datetimeFigureOut">
               <a:rPr lang="en-US" smtClean="0"/>
-              <a:t>10/30/2024</a:t>
+              <a:t>11/11/2024</a:t>
             </a:fld>
             <a:endParaRPr lang="en-US"/>
           </a:p>
@@ -3697,6 +3951,8494 @@
           <p:cNvPr id="2" name="Title 1">
             <a:extLst>
               <a:ext uri="{FF2B5EF4-FFF2-40B4-BE49-F238E27FC236}">
+                <a16:creationId xmlns:a16="http://schemas.microsoft.com/office/drawing/2014/main" id="{A37C615F-FA15-18EF-B919-E32810AB8BB0}"/>
+              </a:ext>
+            </a:extLst>
+          </p:cNvPr>
+          <p:cNvSpPr>
+            <a:spLocks noGrp="1"/>
+          </p:cNvSpPr>
+          <p:nvPr>
+            <p:ph type="title"/>
+          </p:nvPr>
+        </p:nvSpPr>
+        <p:spPr/>
+        <p:txBody>
+          <a:bodyPr>
+            <a:normAutofit fontScale="90000"/>
+          </a:bodyPr>
+          <a:lstStyle/>
+          <a:p>
+            <a:r>
+              <a:rPr lang="en-GB" dirty="0"/>
+              <a:t>Dijkstra’s Algorithm does not work for Negative Edge Weights</a:t>
+            </a:r>
+            <a:endParaRPr lang="en-SE" dirty="0"/>
+          </a:p>
+        </p:txBody>
+      </p:sp>
+      <p:sp>
+        <p:nvSpPr>
+          <p:cNvPr id="3" name="Content Placeholder 2">
+            <a:extLst>
+              <a:ext uri="{FF2B5EF4-FFF2-40B4-BE49-F238E27FC236}">
+                <a16:creationId xmlns:a16="http://schemas.microsoft.com/office/drawing/2014/main" id="{38382669-1732-C441-9BE0-68115E116589}"/>
+              </a:ext>
+            </a:extLst>
+          </p:cNvPr>
+          <p:cNvSpPr>
+            <a:spLocks noGrp="1"/>
+          </p:cNvSpPr>
+          <p:nvPr>
+            <p:ph idx="1"/>
+          </p:nvPr>
+        </p:nvSpPr>
+        <p:spPr>
+          <a:xfrm>
+            <a:off x="432109" y="1306017"/>
+            <a:ext cx="8109857" cy="4708525"/>
+          </a:xfrm>
+        </p:spPr>
+        <p:txBody>
+          <a:bodyPr>
+            <a:normAutofit/>
+          </a:bodyPr>
+          <a:lstStyle/>
+          <a:p>
+            <a:r>
+              <a:rPr lang="en-GB" sz="1600" kern="0" dirty="0">
+                <a:solidFill>
+                  <a:srgbClr val="000000"/>
+                </a:solidFill>
+                <a:latin typeface="Arial" panose="020B0604020202020204" pitchFamily="34" charset="0"/>
+                <a:cs typeface="+mn-cs"/>
+              </a:rPr>
+              <a:t>Dijkstra’s Algorithm is greedy and optimal: any node that has been visited should have its shortest distance to the source. After visiting A, C, D, we have got D’s shortest distance to A is 2, but after visiting D, D’s distance to A is updated to -10, which violates the greedy optimal assumption of Dijkstra’s Algorithm.</a:t>
+            </a:r>
+            <a:endParaRPr lang="en-SE" sz="1600" kern="0" dirty="0">
+              <a:solidFill>
+                <a:srgbClr val="000000"/>
+              </a:solidFill>
+              <a:latin typeface="Arial" panose="020B0604020202020204" pitchFamily="34" charset="0"/>
+              <a:cs typeface="+mn-cs"/>
+            </a:endParaRPr>
+          </a:p>
+        </p:txBody>
+      </p:sp>
+      <p:grpSp>
+        <p:nvGrpSpPr>
+          <p:cNvPr id="4" name="Group 4">
+            <a:extLst>
+              <a:ext uri="{FF2B5EF4-FFF2-40B4-BE49-F238E27FC236}">
+                <a16:creationId xmlns:a16="http://schemas.microsoft.com/office/drawing/2014/main" id="{BD866E93-A718-80C1-4D39-F190F6C0CD59}"/>
+              </a:ext>
+            </a:extLst>
+          </p:cNvPr>
+          <p:cNvGrpSpPr>
+            <a:grpSpLocks/>
+          </p:cNvGrpSpPr>
+          <p:nvPr/>
+        </p:nvGrpSpPr>
+        <p:grpSpPr bwMode="auto">
+          <a:xfrm>
+            <a:off x="4682404" y="5556588"/>
+            <a:ext cx="533400" cy="533400"/>
+            <a:chOff x="1824" y="2736"/>
+            <a:chExt cx="336" cy="336"/>
+          </a:xfrm>
+        </p:grpSpPr>
+        <p:sp>
+          <p:nvSpPr>
+            <p:cNvPr id="5" name="Oval 5">
+              <a:extLst>
+                <a:ext uri="{FF2B5EF4-FFF2-40B4-BE49-F238E27FC236}">
+                  <a16:creationId xmlns:a16="http://schemas.microsoft.com/office/drawing/2014/main" id="{31B07F61-3B52-324C-CCDA-DC918E1B44FF}"/>
+                </a:ext>
+              </a:extLst>
+            </p:cNvPr>
+            <p:cNvSpPr>
+              <a:spLocks noChangeArrowheads="1"/>
+            </p:cNvSpPr>
+            <p:nvPr/>
+          </p:nvSpPr>
+          <p:spPr bwMode="auto">
+            <a:xfrm>
+              <a:off x="1824" y="2736"/>
+              <a:ext cx="336" cy="336"/>
+            </a:xfrm>
+            <a:prstGeom prst="ellipse">
+              <a:avLst/>
+            </a:prstGeom>
+            <a:solidFill>
+              <a:srgbClr val="669999"/>
+            </a:solidFill>
+            <a:ln w="9525">
+              <a:solidFill>
+                <a:srgbClr val="000000"/>
+              </a:solidFill>
+              <a:round/>
+              <a:headEnd/>
+              <a:tailEnd/>
+            </a:ln>
+            <a:effectLst/>
+            <a:extLst>
+              <a:ext uri="{AF507438-7753-43E0-B8FC-AC1667EBCBE1}">
+                <a14:hiddenEffects xmlns:a14="http://schemas.microsoft.com/office/drawing/2010/main">
+                  <a:effectLst>
+                    <a:outerShdw dist="35921" dir="2700000" algn="ctr" rotWithShape="0">
+                      <a:schemeClr val="bg2"/>
+                    </a:outerShdw>
+                  </a:effectLst>
+                </a14:hiddenEffects>
+              </a:ext>
+            </a:extLst>
+          </p:spPr>
+          <p:txBody>
+            <a:bodyPr wrap="none" anchor="ctr"/>
+            <a:lstStyle/>
+            <a:p>
+              <a:pPr marL="0" marR="0" lvl="0" indent="0" defTabSz="914400" eaLnBrk="1" fontAlgn="base" latinLnBrk="0" hangingPunct="1">
+                <a:lnSpc>
+                  <a:spcPct val="100000"/>
+                </a:lnSpc>
+                <a:spcBef>
+                  <a:spcPct val="0"/>
+                </a:spcBef>
+                <a:spcAft>
+                  <a:spcPct val="0"/>
+                </a:spcAft>
+                <a:buClrTx/>
+                <a:buSzTx/>
+                <a:buFontTx/>
+                <a:buNone/>
+                <a:tabLst/>
+                <a:defRPr/>
+              </a:pPr>
+              <a:endParaRPr kumimoji="0" lang="en-SE" sz="1800" b="0" i="0" u="none" strike="noStrike" kern="0" cap="none" spc="0" normalizeH="0" baseline="0" noProof="0">
+                <a:ln>
+                  <a:noFill/>
+                </a:ln>
+                <a:solidFill>
+                  <a:srgbClr val="000000"/>
+                </a:solidFill>
+                <a:effectLst/>
+                <a:uLnTx/>
+                <a:uFillTx/>
+                <a:latin typeface="Arial" panose="020B0604020202020204" pitchFamily="34" charset="0"/>
+              </a:endParaRPr>
+            </a:p>
+          </p:txBody>
+        </p:sp>
+        <p:sp>
+          <p:nvSpPr>
+            <p:cNvPr id="6" name="Text Box 6">
+              <a:extLst>
+                <a:ext uri="{FF2B5EF4-FFF2-40B4-BE49-F238E27FC236}">
+                  <a16:creationId xmlns:a16="http://schemas.microsoft.com/office/drawing/2014/main" id="{68C6E6C6-D140-99A0-325A-DBA4E81C8032}"/>
+                </a:ext>
+              </a:extLst>
+            </p:cNvPr>
+            <p:cNvSpPr txBox="1">
+              <a:spLocks noChangeArrowheads="1"/>
+            </p:cNvSpPr>
+            <p:nvPr/>
+          </p:nvSpPr>
+          <p:spPr bwMode="auto">
+            <a:xfrm>
+              <a:off x="1872" y="2736"/>
+              <a:ext cx="288" cy="288"/>
+            </a:xfrm>
+            <a:prstGeom prst="rect">
+              <a:avLst/>
+            </a:prstGeom>
+            <a:noFill/>
+            <a:ln>
+              <a:noFill/>
+            </a:ln>
+            <a:effectLst/>
+            <a:extLst>
+              <a:ext uri="{909E8E84-426E-40DD-AFC4-6F175D3DCCD1}">
+                <a14:hiddenFill xmlns:a14="http://schemas.microsoft.com/office/drawing/2010/main">
+                  <a:solidFill>
+                    <a:schemeClr val="accent1"/>
+                  </a:solidFill>
+                </a14:hiddenFill>
+              </a:ext>
+              <a:ext uri="{91240B29-F687-4F45-9708-019B960494DF}">
+                <a14:hiddenLine xmlns:a14="http://schemas.microsoft.com/office/drawing/2010/main" w="9525">
+                  <a:solidFill>
+                    <a:schemeClr val="tx1"/>
+                  </a:solidFill>
+                  <a:miter lim="800000"/>
+                  <a:headEnd/>
+                  <a:tailEnd/>
+                </a14:hiddenLine>
+              </a:ext>
+              <a:ext uri="{AF507438-7753-43E0-B8FC-AC1667EBCBE1}">
+                <a14:hiddenEffects xmlns:a14="http://schemas.microsoft.com/office/drawing/2010/main">
+                  <a:effectLst>
+                    <a:outerShdw dist="35921" dir="2700000" algn="ctr" rotWithShape="0">
+                      <a:schemeClr val="bg2"/>
+                    </a:outerShdw>
+                  </a:effectLst>
+                </a14:hiddenEffects>
+              </a:ext>
+            </a:extLst>
+          </p:spPr>
+          <p:txBody>
+            <a:bodyPr>
+              <a:spAutoFit/>
+            </a:bodyPr>
+            <a:lstStyle/>
+            <a:p>
+              <a:pPr marL="0" marR="0" lvl="0" indent="0" defTabSz="914400" eaLnBrk="1" fontAlgn="base" latinLnBrk="0" hangingPunct="1">
+                <a:lnSpc>
+                  <a:spcPct val="100000"/>
+                </a:lnSpc>
+                <a:spcBef>
+                  <a:spcPct val="50000"/>
+                </a:spcBef>
+                <a:spcAft>
+                  <a:spcPct val="0"/>
+                </a:spcAft>
+                <a:buClrTx/>
+                <a:buSzTx/>
+                <a:buFontTx/>
+                <a:buNone/>
+                <a:tabLst/>
+                <a:defRPr/>
+              </a:pPr>
+              <a:r>
+                <a:rPr kumimoji="0" lang="en-US" altLang="en-SE" sz="2400" b="0" i="0" u="none" strike="noStrike" kern="0" cap="none" spc="0" normalizeH="0" baseline="0" noProof="0">
+                  <a:ln>
+                    <a:noFill/>
+                  </a:ln>
+                  <a:solidFill>
+                    <a:srgbClr val="000000"/>
+                  </a:solidFill>
+                  <a:effectLst/>
+                  <a:uLnTx/>
+                  <a:uFillTx/>
+                  <a:latin typeface="Arial" panose="020B0604020202020204" pitchFamily="34" charset="0"/>
+                </a:rPr>
+                <a:t>A</a:t>
+              </a:r>
+            </a:p>
+          </p:txBody>
+        </p:sp>
+      </p:grpSp>
+      <p:grpSp>
+        <p:nvGrpSpPr>
+          <p:cNvPr id="7" name="Group 7">
+            <a:extLst>
+              <a:ext uri="{FF2B5EF4-FFF2-40B4-BE49-F238E27FC236}">
+                <a16:creationId xmlns:a16="http://schemas.microsoft.com/office/drawing/2014/main" id="{9DE3090A-98F7-59A5-5D99-E51D4FB43F05}"/>
+              </a:ext>
+            </a:extLst>
+          </p:cNvPr>
+          <p:cNvGrpSpPr>
+            <a:grpSpLocks/>
+          </p:cNvGrpSpPr>
+          <p:nvPr/>
+        </p:nvGrpSpPr>
+        <p:grpSpPr bwMode="auto">
+          <a:xfrm>
+            <a:off x="5825404" y="4642188"/>
+            <a:ext cx="533400" cy="533400"/>
+            <a:chOff x="1824" y="2736"/>
+            <a:chExt cx="336" cy="336"/>
+          </a:xfrm>
+        </p:grpSpPr>
+        <p:sp>
+          <p:nvSpPr>
+            <p:cNvPr id="8" name="Oval 8">
+              <a:extLst>
+                <a:ext uri="{FF2B5EF4-FFF2-40B4-BE49-F238E27FC236}">
+                  <a16:creationId xmlns:a16="http://schemas.microsoft.com/office/drawing/2014/main" id="{8F2CB763-335D-E907-C9BB-4614EF4DA102}"/>
+                </a:ext>
+              </a:extLst>
+            </p:cNvPr>
+            <p:cNvSpPr>
+              <a:spLocks noChangeArrowheads="1"/>
+            </p:cNvSpPr>
+            <p:nvPr/>
+          </p:nvSpPr>
+          <p:spPr bwMode="auto">
+            <a:xfrm>
+              <a:off x="1824" y="2736"/>
+              <a:ext cx="336" cy="336"/>
+            </a:xfrm>
+            <a:prstGeom prst="ellipse">
+              <a:avLst/>
+            </a:prstGeom>
+            <a:solidFill>
+              <a:srgbClr val="669999"/>
+            </a:solidFill>
+            <a:ln w="9525">
+              <a:solidFill>
+                <a:srgbClr val="000000"/>
+              </a:solidFill>
+              <a:round/>
+              <a:headEnd/>
+              <a:tailEnd/>
+            </a:ln>
+            <a:effectLst/>
+            <a:extLst>
+              <a:ext uri="{AF507438-7753-43E0-B8FC-AC1667EBCBE1}">
+                <a14:hiddenEffects xmlns:a14="http://schemas.microsoft.com/office/drawing/2010/main">
+                  <a:effectLst>
+                    <a:outerShdw dist="35921" dir="2700000" algn="ctr" rotWithShape="0">
+                      <a:schemeClr val="bg2"/>
+                    </a:outerShdw>
+                  </a:effectLst>
+                </a14:hiddenEffects>
+              </a:ext>
+            </a:extLst>
+          </p:spPr>
+          <p:txBody>
+            <a:bodyPr wrap="none" anchor="ctr"/>
+            <a:lstStyle/>
+            <a:p>
+              <a:pPr marL="0" marR="0" lvl="0" indent="0" defTabSz="914400" eaLnBrk="1" fontAlgn="base" latinLnBrk="0" hangingPunct="1">
+                <a:lnSpc>
+                  <a:spcPct val="100000"/>
+                </a:lnSpc>
+                <a:spcBef>
+                  <a:spcPct val="0"/>
+                </a:spcBef>
+                <a:spcAft>
+                  <a:spcPct val="0"/>
+                </a:spcAft>
+                <a:buClrTx/>
+                <a:buSzTx/>
+                <a:buFontTx/>
+                <a:buNone/>
+                <a:tabLst/>
+                <a:defRPr/>
+              </a:pPr>
+              <a:endParaRPr kumimoji="0" lang="en-SE" sz="1800" b="0" i="0" u="none" strike="noStrike" kern="0" cap="none" spc="0" normalizeH="0" baseline="0" noProof="0">
+                <a:ln>
+                  <a:noFill/>
+                </a:ln>
+                <a:solidFill>
+                  <a:srgbClr val="000000"/>
+                </a:solidFill>
+                <a:effectLst/>
+                <a:uLnTx/>
+                <a:uFillTx/>
+                <a:latin typeface="Arial" panose="020B0604020202020204" pitchFamily="34" charset="0"/>
+              </a:endParaRPr>
+            </a:p>
+          </p:txBody>
+        </p:sp>
+        <p:sp>
+          <p:nvSpPr>
+            <p:cNvPr id="9" name="Text Box 9">
+              <a:extLst>
+                <a:ext uri="{FF2B5EF4-FFF2-40B4-BE49-F238E27FC236}">
+                  <a16:creationId xmlns:a16="http://schemas.microsoft.com/office/drawing/2014/main" id="{B9DB3977-430E-99A0-FCE6-8511D9FD11B0}"/>
+                </a:ext>
+              </a:extLst>
+            </p:cNvPr>
+            <p:cNvSpPr txBox="1">
+              <a:spLocks noChangeArrowheads="1"/>
+            </p:cNvSpPr>
+            <p:nvPr/>
+          </p:nvSpPr>
+          <p:spPr bwMode="auto">
+            <a:xfrm>
+              <a:off x="1872" y="2736"/>
+              <a:ext cx="288" cy="288"/>
+            </a:xfrm>
+            <a:prstGeom prst="rect">
+              <a:avLst/>
+            </a:prstGeom>
+            <a:noFill/>
+            <a:ln>
+              <a:noFill/>
+            </a:ln>
+            <a:effectLst/>
+            <a:extLst>
+              <a:ext uri="{909E8E84-426E-40DD-AFC4-6F175D3DCCD1}">
+                <a14:hiddenFill xmlns:a14="http://schemas.microsoft.com/office/drawing/2010/main">
+                  <a:solidFill>
+                    <a:schemeClr val="accent1"/>
+                  </a:solidFill>
+                </a14:hiddenFill>
+              </a:ext>
+              <a:ext uri="{91240B29-F687-4F45-9708-019B960494DF}">
+                <a14:hiddenLine xmlns:a14="http://schemas.microsoft.com/office/drawing/2010/main" w="9525">
+                  <a:solidFill>
+                    <a:schemeClr val="tx1"/>
+                  </a:solidFill>
+                  <a:miter lim="800000"/>
+                  <a:headEnd/>
+                  <a:tailEnd/>
+                </a14:hiddenLine>
+              </a:ext>
+              <a:ext uri="{AF507438-7753-43E0-B8FC-AC1667EBCBE1}">
+                <a14:hiddenEffects xmlns:a14="http://schemas.microsoft.com/office/drawing/2010/main">
+                  <a:effectLst>
+                    <a:outerShdw dist="35921" dir="2700000" algn="ctr" rotWithShape="0">
+                      <a:schemeClr val="bg2"/>
+                    </a:outerShdw>
+                  </a:effectLst>
+                </a14:hiddenEffects>
+              </a:ext>
+            </a:extLst>
+          </p:spPr>
+          <p:txBody>
+            <a:bodyPr>
+              <a:spAutoFit/>
+            </a:bodyPr>
+            <a:lstStyle/>
+            <a:p>
+              <a:pPr marL="0" marR="0" lvl="0" indent="0" defTabSz="914400" eaLnBrk="1" fontAlgn="base" latinLnBrk="0" hangingPunct="1">
+                <a:lnSpc>
+                  <a:spcPct val="100000"/>
+                </a:lnSpc>
+                <a:spcBef>
+                  <a:spcPct val="50000"/>
+                </a:spcBef>
+                <a:spcAft>
+                  <a:spcPct val="0"/>
+                </a:spcAft>
+                <a:buClrTx/>
+                <a:buSzTx/>
+                <a:buFontTx/>
+                <a:buNone/>
+                <a:tabLst/>
+                <a:defRPr/>
+              </a:pPr>
+              <a:r>
+                <a:rPr kumimoji="0" lang="en-US" altLang="en-SE" sz="2400" b="0" i="0" u="none" strike="noStrike" kern="0" cap="none" spc="0" normalizeH="0" baseline="0" noProof="0">
+                  <a:ln>
+                    <a:noFill/>
+                  </a:ln>
+                  <a:solidFill>
+                    <a:srgbClr val="000000"/>
+                  </a:solidFill>
+                  <a:effectLst/>
+                  <a:uLnTx/>
+                  <a:uFillTx/>
+                  <a:latin typeface="Arial" panose="020B0604020202020204" pitchFamily="34" charset="0"/>
+                </a:rPr>
+                <a:t>B</a:t>
+              </a:r>
+            </a:p>
+          </p:txBody>
+        </p:sp>
+      </p:grpSp>
+      <p:grpSp>
+        <p:nvGrpSpPr>
+          <p:cNvPr id="10" name="Group 10">
+            <a:extLst>
+              <a:ext uri="{FF2B5EF4-FFF2-40B4-BE49-F238E27FC236}">
+                <a16:creationId xmlns:a16="http://schemas.microsoft.com/office/drawing/2014/main" id="{097362F2-288C-E431-AA78-BDA2B8237DB2}"/>
+              </a:ext>
+            </a:extLst>
+          </p:cNvPr>
+          <p:cNvGrpSpPr>
+            <a:grpSpLocks/>
+          </p:cNvGrpSpPr>
+          <p:nvPr/>
+        </p:nvGrpSpPr>
+        <p:grpSpPr bwMode="auto">
+          <a:xfrm>
+            <a:off x="5825404" y="6318588"/>
+            <a:ext cx="533400" cy="533400"/>
+            <a:chOff x="1824" y="2736"/>
+            <a:chExt cx="336" cy="336"/>
+          </a:xfrm>
+        </p:grpSpPr>
+        <p:sp>
+          <p:nvSpPr>
+            <p:cNvPr id="11" name="Oval 11">
+              <a:extLst>
+                <a:ext uri="{FF2B5EF4-FFF2-40B4-BE49-F238E27FC236}">
+                  <a16:creationId xmlns:a16="http://schemas.microsoft.com/office/drawing/2014/main" id="{CFAB477C-C16D-770B-64FB-2841243744A3}"/>
+                </a:ext>
+              </a:extLst>
+            </p:cNvPr>
+            <p:cNvSpPr>
+              <a:spLocks noChangeArrowheads="1"/>
+            </p:cNvSpPr>
+            <p:nvPr/>
+          </p:nvSpPr>
+          <p:spPr bwMode="auto">
+            <a:xfrm>
+              <a:off x="1824" y="2736"/>
+              <a:ext cx="336" cy="336"/>
+            </a:xfrm>
+            <a:prstGeom prst="ellipse">
+              <a:avLst/>
+            </a:prstGeom>
+            <a:solidFill>
+              <a:srgbClr val="669999"/>
+            </a:solidFill>
+            <a:ln w="9525">
+              <a:solidFill>
+                <a:srgbClr val="000000"/>
+              </a:solidFill>
+              <a:round/>
+              <a:headEnd/>
+              <a:tailEnd/>
+            </a:ln>
+            <a:effectLst/>
+            <a:extLst>
+              <a:ext uri="{AF507438-7753-43E0-B8FC-AC1667EBCBE1}">
+                <a14:hiddenEffects xmlns:a14="http://schemas.microsoft.com/office/drawing/2010/main">
+                  <a:effectLst>
+                    <a:outerShdw dist="35921" dir="2700000" algn="ctr" rotWithShape="0">
+                      <a:schemeClr val="bg2"/>
+                    </a:outerShdw>
+                  </a:effectLst>
+                </a14:hiddenEffects>
+              </a:ext>
+            </a:extLst>
+          </p:spPr>
+          <p:txBody>
+            <a:bodyPr wrap="none" anchor="ctr"/>
+            <a:lstStyle/>
+            <a:p>
+              <a:pPr marL="0" marR="0" lvl="0" indent="0" defTabSz="914400" eaLnBrk="1" fontAlgn="base" latinLnBrk="0" hangingPunct="1">
+                <a:lnSpc>
+                  <a:spcPct val="100000"/>
+                </a:lnSpc>
+                <a:spcBef>
+                  <a:spcPct val="0"/>
+                </a:spcBef>
+                <a:spcAft>
+                  <a:spcPct val="0"/>
+                </a:spcAft>
+                <a:buClrTx/>
+                <a:buSzTx/>
+                <a:buFontTx/>
+                <a:buNone/>
+                <a:tabLst/>
+                <a:defRPr/>
+              </a:pPr>
+              <a:endParaRPr kumimoji="0" lang="en-SE" sz="1800" b="0" i="0" u="none" strike="noStrike" kern="0" cap="none" spc="0" normalizeH="0" baseline="0" noProof="0">
+                <a:ln>
+                  <a:noFill/>
+                </a:ln>
+                <a:solidFill>
+                  <a:srgbClr val="000000"/>
+                </a:solidFill>
+                <a:effectLst/>
+                <a:uLnTx/>
+                <a:uFillTx/>
+                <a:latin typeface="Arial" panose="020B0604020202020204" pitchFamily="34" charset="0"/>
+              </a:endParaRPr>
+            </a:p>
+          </p:txBody>
+        </p:sp>
+        <p:sp>
+          <p:nvSpPr>
+            <p:cNvPr id="12" name="Text Box 12">
+              <a:extLst>
+                <a:ext uri="{FF2B5EF4-FFF2-40B4-BE49-F238E27FC236}">
+                  <a16:creationId xmlns:a16="http://schemas.microsoft.com/office/drawing/2014/main" id="{2DC49CC8-B32A-4FA0-4C0F-C05B5D596E5D}"/>
+                </a:ext>
+              </a:extLst>
+            </p:cNvPr>
+            <p:cNvSpPr txBox="1">
+              <a:spLocks noChangeArrowheads="1"/>
+            </p:cNvSpPr>
+            <p:nvPr/>
+          </p:nvSpPr>
+          <p:spPr bwMode="auto">
+            <a:xfrm>
+              <a:off x="1872" y="2736"/>
+              <a:ext cx="288" cy="288"/>
+            </a:xfrm>
+            <a:prstGeom prst="rect">
+              <a:avLst/>
+            </a:prstGeom>
+            <a:noFill/>
+            <a:ln>
+              <a:noFill/>
+            </a:ln>
+            <a:effectLst/>
+            <a:extLst>
+              <a:ext uri="{909E8E84-426E-40DD-AFC4-6F175D3DCCD1}">
+                <a14:hiddenFill xmlns:a14="http://schemas.microsoft.com/office/drawing/2010/main">
+                  <a:solidFill>
+                    <a:schemeClr val="accent1"/>
+                  </a:solidFill>
+                </a14:hiddenFill>
+              </a:ext>
+              <a:ext uri="{91240B29-F687-4F45-9708-019B960494DF}">
+                <a14:hiddenLine xmlns:a14="http://schemas.microsoft.com/office/drawing/2010/main" w="9525">
+                  <a:solidFill>
+                    <a:schemeClr val="tx1"/>
+                  </a:solidFill>
+                  <a:miter lim="800000"/>
+                  <a:headEnd/>
+                  <a:tailEnd/>
+                </a14:hiddenLine>
+              </a:ext>
+              <a:ext uri="{AF507438-7753-43E0-B8FC-AC1667EBCBE1}">
+                <a14:hiddenEffects xmlns:a14="http://schemas.microsoft.com/office/drawing/2010/main">
+                  <a:effectLst>
+                    <a:outerShdw dist="35921" dir="2700000" algn="ctr" rotWithShape="0">
+                      <a:schemeClr val="bg2"/>
+                    </a:outerShdw>
+                  </a:effectLst>
+                </a14:hiddenEffects>
+              </a:ext>
+            </a:extLst>
+          </p:spPr>
+          <p:txBody>
+            <a:bodyPr>
+              <a:spAutoFit/>
+            </a:bodyPr>
+            <a:lstStyle/>
+            <a:p>
+              <a:pPr marL="0" marR="0" lvl="0" indent="0" defTabSz="914400" eaLnBrk="1" fontAlgn="base" latinLnBrk="0" hangingPunct="1">
+                <a:lnSpc>
+                  <a:spcPct val="100000"/>
+                </a:lnSpc>
+                <a:spcBef>
+                  <a:spcPct val="50000"/>
+                </a:spcBef>
+                <a:spcAft>
+                  <a:spcPct val="0"/>
+                </a:spcAft>
+                <a:buClrTx/>
+                <a:buSzTx/>
+                <a:buFontTx/>
+                <a:buNone/>
+                <a:tabLst/>
+                <a:defRPr/>
+              </a:pPr>
+              <a:r>
+                <a:rPr kumimoji="0" lang="en-US" altLang="en-SE" sz="2400" b="0" i="0" u="none" strike="noStrike" kern="0" cap="none" spc="0" normalizeH="0" baseline="0" noProof="0">
+                  <a:ln>
+                    <a:noFill/>
+                  </a:ln>
+                  <a:solidFill>
+                    <a:srgbClr val="000000"/>
+                  </a:solidFill>
+                  <a:effectLst/>
+                  <a:uLnTx/>
+                  <a:uFillTx/>
+                  <a:latin typeface="Arial" panose="020B0604020202020204" pitchFamily="34" charset="0"/>
+                </a:rPr>
+                <a:t>C</a:t>
+              </a:r>
+            </a:p>
+          </p:txBody>
+        </p:sp>
+      </p:grpSp>
+      <p:sp>
+        <p:nvSpPr>
+          <p:cNvPr id="19" name="Line 19">
+            <a:extLst>
+              <a:ext uri="{FF2B5EF4-FFF2-40B4-BE49-F238E27FC236}">
+                <a16:creationId xmlns:a16="http://schemas.microsoft.com/office/drawing/2014/main" id="{E1D896A2-FFD9-8D5B-8F99-562DB32DE686}"/>
+              </a:ext>
+            </a:extLst>
+          </p:cNvPr>
+          <p:cNvSpPr>
+            <a:spLocks noChangeShapeType="1"/>
+          </p:cNvSpPr>
+          <p:nvPr/>
+        </p:nvSpPr>
+        <p:spPr bwMode="auto">
+          <a:xfrm flipV="1">
+            <a:off x="5139604" y="5099388"/>
+            <a:ext cx="762000" cy="533400"/>
+          </a:xfrm>
+          <a:prstGeom prst="line">
+            <a:avLst/>
+          </a:prstGeom>
+          <a:ln w="19050" cap="flat" cmpd="sng" algn="ctr">
+            <a:solidFill>
+              <a:schemeClr val="dk1"/>
+            </a:solidFill>
+            <a:prstDash val="solid"/>
+            <a:round/>
+            <a:headEnd type="none" w="med" len="med"/>
+            <a:tailEnd type="arrow" w="med" len="med"/>
+          </a:ln>
+        </p:spPr>
+        <p:style>
+          <a:lnRef idx="0">
+            <a:scrgbClr r="0" g="0" b="0"/>
+          </a:lnRef>
+          <a:fillRef idx="0">
+            <a:scrgbClr r="0" g="0" b="0"/>
+          </a:fillRef>
+          <a:effectRef idx="0">
+            <a:scrgbClr r="0" g="0" b="0"/>
+          </a:effectRef>
+          <a:fontRef idx="minor">
+            <a:schemeClr val="tx1"/>
+          </a:fontRef>
+        </p:style>
+        <p:txBody>
+          <a:bodyPr/>
+          <a:lstStyle/>
+          <a:p>
+            <a:pPr marL="0" marR="0" lvl="0" indent="0" defTabSz="914400" eaLnBrk="1" fontAlgn="base" latinLnBrk="0" hangingPunct="1">
+              <a:lnSpc>
+                <a:spcPct val="100000"/>
+              </a:lnSpc>
+              <a:spcBef>
+                <a:spcPct val="0"/>
+              </a:spcBef>
+              <a:spcAft>
+                <a:spcPct val="0"/>
+              </a:spcAft>
+              <a:buClrTx/>
+              <a:buSzTx/>
+              <a:buFontTx/>
+              <a:buNone/>
+              <a:tabLst/>
+              <a:defRPr/>
+            </a:pPr>
+            <a:endParaRPr kumimoji="0" lang="en-SE" sz="1800" b="0" i="0" u="none" strike="noStrike" kern="0" cap="none" spc="0" normalizeH="0" baseline="0" noProof="0" dirty="0">
+              <a:ln>
+                <a:noFill/>
+              </a:ln>
+              <a:solidFill>
+                <a:srgbClr val="000000"/>
+              </a:solidFill>
+              <a:effectLst/>
+              <a:uLnTx/>
+              <a:uFillTx/>
+              <a:latin typeface="Arial" panose="020B0604020202020204" pitchFamily="34" charset="0"/>
+            </a:endParaRPr>
+          </a:p>
+        </p:txBody>
+      </p:sp>
+      <p:sp>
+        <p:nvSpPr>
+          <p:cNvPr id="20" name="Line 20">
+            <a:extLst>
+              <a:ext uri="{FF2B5EF4-FFF2-40B4-BE49-F238E27FC236}">
+                <a16:creationId xmlns:a16="http://schemas.microsoft.com/office/drawing/2014/main" id="{11F951D5-7269-2393-1DF0-49B437A6E520}"/>
+              </a:ext>
+            </a:extLst>
+          </p:cNvPr>
+          <p:cNvSpPr>
+            <a:spLocks noChangeShapeType="1"/>
+          </p:cNvSpPr>
+          <p:nvPr/>
+        </p:nvSpPr>
+        <p:spPr bwMode="auto">
+          <a:xfrm>
+            <a:off x="5139604" y="6013788"/>
+            <a:ext cx="723900" cy="493940"/>
+          </a:xfrm>
+          <a:prstGeom prst="line">
+            <a:avLst/>
+          </a:prstGeom>
+          <a:ln w="19050" cap="flat" cmpd="sng" algn="ctr">
+            <a:solidFill>
+              <a:schemeClr val="dk1"/>
+            </a:solidFill>
+            <a:prstDash val="solid"/>
+            <a:round/>
+            <a:headEnd type="none" w="med" len="med"/>
+            <a:tailEnd type="arrow" w="med" len="med"/>
+          </a:ln>
+        </p:spPr>
+        <p:style>
+          <a:lnRef idx="0">
+            <a:scrgbClr r="0" g="0" b="0"/>
+          </a:lnRef>
+          <a:fillRef idx="0">
+            <a:scrgbClr r="0" g="0" b="0"/>
+          </a:fillRef>
+          <a:effectRef idx="0">
+            <a:scrgbClr r="0" g="0" b="0"/>
+          </a:effectRef>
+          <a:fontRef idx="minor">
+            <a:schemeClr val="tx1"/>
+          </a:fontRef>
+        </p:style>
+        <p:txBody>
+          <a:bodyPr/>
+          <a:lstStyle/>
+          <a:p>
+            <a:pPr defTabSz="914400" fontAlgn="base">
+              <a:spcBef>
+                <a:spcPct val="0"/>
+              </a:spcBef>
+              <a:spcAft>
+                <a:spcPct val="0"/>
+              </a:spcAft>
+            </a:pPr>
+            <a:endParaRPr lang="en-SE" kern="0">
+              <a:solidFill>
+                <a:srgbClr val="000000"/>
+              </a:solidFill>
+              <a:latin typeface="Arial" panose="020B0604020202020204" pitchFamily="34" charset="0"/>
+            </a:endParaRPr>
+          </a:p>
+        </p:txBody>
+      </p:sp>
+      <p:sp>
+        <p:nvSpPr>
+          <p:cNvPr id="26" name="Text Box 26">
+            <a:extLst>
+              <a:ext uri="{FF2B5EF4-FFF2-40B4-BE49-F238E27FC236}">
+                <a16:creationId xmlns:a16="http://schemas.microsoft.com/office/drawing/2014/main" id="{39E05857-BD90-7742-76C3-BE6F76A57264}"/>
+              </a:ext>
+            </a:extLst>
+          </p:cNvPr>
+          <p:cNvSpPr txBox="1">
+            <a:spLocks noChangeArrowheads="1"/>
+          </p:cNvSpPr>
+          <p:nvPr/>
+        </p:nvSpPr>
+        <p:spPr bwMode="auto">
+          <a:xfrm>
+            <a:off x="5283465" y="6180476"/>
+            <a:ext cx="399803" cy="366712"/>
+          </a:xfrm>
+          <a:prstGeom prst="rect">
+            <a:avLst/>
+          </a:prstGeom>
+          <a:noFill/>
+          <a:ln>
+            <a:noFill/>
+          </a:ln>
+          <a:effectLst/>
+          <a:extLst>
+            <a:ext uri="{909E8E84-426E-40DD-AFC4-6F175D3DCCD1}">
+              <a14:hiddenFill xmlns:a14="http://schemas.microsoft.com/office/drawing/2010/main">
+                <a:solidFill>
+                  <a:schemeClr val="accent1"/>
+                </a:solidFill>
+              </a14:hiddenFill>
+            </a:ext>
+            <a:ext uri="{91240B29-F687-4F45-9708-019B960494DF}">
+              <a14:hiddenLine xmlns:a14="http://schemas.microsoft.com/office/drawing/2010/main" w="9525">
+                <a:solidFill>
+                  <a:schemeClr val="tx1"/>
+                </a:solidFill>
+                <a:miter lim="800000"/>
+                <a:headEnd/>
+                <a:tailEnd/>
+              </a14:hiddenLine>
+            </a:ext>
+            <a:ext uri="{AF507438-7753-43E0-B8FC-AC1667EBCBE1}">
+              <a14:hiddenEffects xmlns:a14="http://schemas.microsoft.com/office/drawing/2010/main">
+                <a:effectLst>
+                  <a:outerShdw dist="35921" dir="2700000" algn="ctr" rotWithShape="0">
+                    <a:schemeClr val="bg2"/>
+                  </a:outerShdw>
+                </a:effectLst>
+              </a14:hiddenEffects>
+            </a:ext>
+          </a:extLst>
+        </p:spPr>
+        <p:txBody>
+          <a:bodyPr wrap="square">
+            <a:spAutoFit/>
+          </a:bodyPr>
+          <a:lstStyle/>
+          <a:p>
+            <a:pPr defTabSz="914400" fontAlgn="base">
+              <a:spcBef>
+                <a:spcPct val="50000"/>
+              </a:spcBef>
+              <a:spcAft>
+                <a:spcPct val="0"/>
+              </a:spcAft>
+            </a:pPr>
+            <a:r>
+              <a:rPr lang="en-US" altLang="en-SE">
+                <a:solidFill>
+                  <a:srgbClr val="000000"/>
+                </a:solidFill>
+                <a:latin typeface="Arial" panose="020B0604020202020204" pitchFamily="34" charset="0"/>
+              </a:rPr>
+              <a:t>1</a:t>
+            </a:r>
+          </a:p>
+        </p:txBody>
+      </p:sp>
+      <p:sp>
+        <p:nvSpPr>
+          <p:cNvPr id="28" name="Text Box 28">
+            <a:extLst>
+              <a:ext uri="{FF2B5EF4-FFF2-40B4-BE49-F238E27FC236}">
+                <a16:creationId xmlns:a16="http://schemas.microsoft.com/office/drawing/2014/main" id="{405DA325-6E89-11D2-31E6-90608363C596}"/>
+              </a:ext>
+            </a:extLst>
+          </p:cNvPr>
+          <p:cNvSpPr txBox="1">
+            <a:spLocks noChangeArrowheads="1"/>
+          </p:cNvSpPr>
+          <p:nvPr/>
+        </p:nvSpPr>
+        <p:spPr bwMode="auto">
+          <a:xfrm>
+            <a:off x="5139604" y="5020568"/>
+            <a:ext cx="571499" cy="369332"/>
+          </a:xfrm>
+          <a:prstGeom prst="rect">
+            <a:avLst/>
+          </a:prstGeom>
+          <a:noFill/>
+          <a:ln>
+            <a:noFill/>
+          </a:ln>
+          <a:effectLst/>
+          <a:extLst>
+            <a:ext uri="{909E8E84-426E-40DD-AFC4-6F175D3DCCD1}">
+              <a14:hiddenFill xmlns:a14="http://schemas.microsoft.com/office/drawing/2010/main">
+                <a:solidFill>
+                  <a:schemeClr val="accent1"/>
+                </a:solidFill>
+              </a14:hiddenFill>
+            </a:ext>
+            <a:ext uri="{91240B29-F687-4F45-9708-019B960494DF}">
+              <a14:hiddenLine xmlns:a14="http://schemas.microsoft.com/office/drawing/2010/main" w="9525">
+                <a:solidFill>
+                  <a:schemeClr val="tx1"/>
+                </a:solidFill>
+                <a:miter lim="800000"/>
+                <a:headEnd/>
+                <a:tailEnd/>
+              </a14:hiddenLine>
+            </a:ext>
+            <a:ext uri="{AF507438-7753-43E0-B8FC-AC1667EBCBE1}">
+              <a14:hiddenEffects xmlns:a14="http://schemas.microsoft.com/office/drawing/2010/main">
+                <a:effectLst>
+                  <a:outerShdw dist="35921" dir="2700000" algn="ctr" rotWithShape="0">
+                    <a:schemeClr val="bg2"/>
+                  </a:outerShdw>
+                </a:effectLst>
+              </a14:hiddenEffects>
+            </a:ext>
+          </a:extLst>
+        </p:spPr>
+        <p:txBody>
+          <a:bodyPr wrap="square">
+            <a:spAutoFit/>
+          </a:bodyPr>
+          <a:lstStyle/>
+          <a:p>
+            <a:pPr defTabSz="914400" fontAlgn="base">
+              <a:spcBef>
+                <a:spcPct val="50000"/>
+              </a:spcBef>
+              <a:spcAft>
+                <a:spcPct val="0"/>
+              </a:spcAft>
+            </a:pPr>
+            <a:r>
+              <a:rPr lang="en-US" altLang="en-SE" dirty="0">
+                <a:solidFill>
+                  <a:srgbClr val="000000"/>
+                </a:solidFill>
+                <a:latin typeface="Arial" panose="020B0604020202020204" pitchFamily="34" charset="0"/>
+              </a:rPr>
+              <a:t>10</a:t>
+            </a:r>
+          </a:p>
+        </p:txBody>
+      </p:sp>
+      <p:grpSp>
+        <p:nvGrpSpPr>
+          <p:cNvPr id="35" name="Group 7">
+            <a:extLst>
+              <a:ext uri="{FF2B5EF4-FFF2-40B4-BE49-F238E27FC236}">
+                <a16:creationId xmlns:a16="http://schemas.microsoft.com/office/drawing/2014/main" id="{D91363D7-10C2-5FDB-02D5-81D8AB342AAF}"/>
+              </a:ext>
+            </a:extLst>
+          </p:cNvPr>
+          <p:cNvGrpSpPr>
+            <a:grpSpLocks/>
+          </p:cNvGrpSpPr>
+          <p:nvPr/>
+        </p:nvGrpSpPr>
+        <p:grpSpPr bwMode="auto">
+          <a:xfrm>
+            <a:off x="7006504" y="5477634"/>
+            <a:ext cx="533400" cy="533400"/>
+            <a:chOff x="1824" y="2736"/>
+            <a:chExt cx="336" cy="336"/>
+          </a:xfrm>
+        </p:grpSpPr>
+        <p:sp>
+          <p:nvSpPr>
+            <p:cNvPr id="36" name="Oval 8">
+              <a:extLst>
+                <a:ext uri="{FF2B5EF4-FFF2-40B4-BE49-F238E27FC236}">
+                  <a16:creationId xmlns:a16="http://schemas.microsoft.com/office/drawing/2014/main" id="{38D1EA13-90E2-523D-6867-90104B16909D}"/>
+                </a:ext>
+              </a:extLst>
+            </p:cNvPr>
+            <p:cNvSpPr>
+              <a:spLocks noChangeArrowheads="1"/>
+            </p:cNvSpPr>
+            <p:nvPr/>
+          </p:nvSpPr>
+          <p:spPr bwMode="auto">
+            <a:xfrm>
+              <a:off x="1824" y="2736"/>
+              <a:ext cx="336" cy="336"/>
+            </a:xfrm>
+            <a:prstGeom prst="ellipse">
+              <a:avLst/>
+            </a:prstGeom>
+            <a:solidFill>
+              <a:srgbClr val="669999"/>
+            </a:solidFill>
+            <a:ln w="9525">
+              <a:solidFill>
+                <a:srgbClr val="000000"/>
+              </a:solidFill>
+              <a:round/>
+              <a:headEnd/>
+              <a:tailEnd/>
+            </a:ln>
+            <a:effectLst/>
+            <a:extLst>
+              <a:ext uri="{AF507438-7753-43E0-B8FC-AC1667EBCBE1}">
+                <a14:hiddenEffects xmlns:a14="http://schemas.microsoft.com/office/drawing/2010/main">
+                  <a:effectLst>
+                    <a:outerShdw dist="35921" dir="2700000" algn="ctr" rotWithShape="0">
+                      <a:schemeClr val="bg2"/>
+                    </a:outerShdw>
+                  </a:effectLst>
+                </a14:hiddenEffects>
+              </a:ext>
+            </a:extLst>
+          </p:spPr>
+          <p:txBody>
+            <a:bodyPr wrap="none" anchor="ctr"/>
+            <a:lstStyle/>
+            <a:p>
+              <a:pPr marL="0" marR="0" lvl="0" indent="0" defTabSz="914400" eaLnBrk="1" fontAlgn="base" latinLnBrk="0" hangingPunct="1">
+                <a:lnSpc>
+                  <a:spcPct val="100000"/>
+                </a:lnSpc>
+                <a:spcBef>
+                  <a:spcPct val="0"/>
+                </a:spcBef>
+                <a:spcAft>
+                  <a:spcPct val="0"/>
+                </a:spcAft>
+                <a:buClrTx/>
+                <a:buSzTx/>
+                <a:buFontTx/>
+                <a:buNone/>
+                <a:tabLst/>
+                <a:defRPr/>
+              </a:pPr>
+              <a:endParaRPr kumimoji="0" lang="en-SE" sz="1800" b="0" i="0" u="none" strike="noStrike" kern="0" cap="none" spc="0" normalizeH="0" baseline="0" noProof="0">
+                <a:ln>
+                  <a:noFill/>
+                </a:ln>
+                <a:solidFill>
+                  <a:srgbClr val="000000"/>
+                </a:solidFill>
+                <a:effectLst/>
+                <a:uLnTx/>
+                <a:uFillTx/>
+                <a:latin typeface="Arial" panose="020B0604020202020204" pitchFamily="34" charset="0"/>
+              </a:endParaRPr>
+            </a:p>
+          </p:txBody>
+        </p:sp>
+        <p:sp>
+          <p:nvSpPr>
+            <p:cNvPr id="37" name="Text Box 9">
+              <a:extLst>
+                <a:ext uri="{FF2B5EF4-FFF2-40B4-BE49-F238E27FC236}">
+                  <a16:creationId xmlns:a16="http://schemas.microsoft.com/office/drawing/2014/main" id="{92D0DF65-3E3B-5C83-0265-E6EDE4FF5ED0}"/>
+                </a:ext>
+              </a:extLst>
+            </p:cNvPr>
+            <p:cNvSpPr txBox="1">
+              <a:spLocks noChangeArrowheads="1"/>
+            </p:cNvSpPr>
+            <p:nvPr/>
+          </p:nvSpPr>
+          <p:spPr bwMode="auto">
+            <a:xfrm>
+              <a:off x="1872" y="2736"/>
+              <a:ext cx="288" cy="288"/>
+            </a:xfrm>
+            <a:prstGeom prst="rect">
+              <a:avLst/>
+            </a:prstGeom>
+            <a:noFill/>
+            <a:ln>
+              <a:noFill/>
+            </a:ln>
+            <a:effectLst/>
+            <a:extLst>
+              <a:ext uri="{909E8E84-426E-40DD-AFC4-6F175D3DCCD1}">
+                <a14:hiddenFill xmlns:a14="http://schemas.microsoft.com/office/drawing/2010/main">
+                  <a:solidFill>
+                    <a:schemeClr val="accent1"/>
+                  </a:solidFill>
+                </a14:hiddenFill>
+              </a:ext>
+              <a:ext uri="{91240B29-F687-4F45-9708-019B960494DF}">
+                <a14:hiddenLine xmlns:a14="http://schemas.microsoft.com/office/drawing/2010/main" w="9525">
+                  <a:solidFill>
+                    <a:schemeClr val="tx1"/>
+                  </a:solidFill>
+                  <a:miter lim="800000"/>
+                  <a:headEnd/>
+                  <a:tailEnd/>
+                </a14:hiddenLine>
+              </a:ext>
+              <a:ext uri="{AF507438-7753-43E0-B8FC-AC1667EBCBE1}">
+                <a14:hiddenEffects xmlns:a14="http://schemas.microsoft.com/office/drawing/2010/main">
+                  <a:effectLst>
+                    <a:outerShdw dist="35921" dir="2700000" algn="ctr" rotWithShape="0">
+                      <a:schemeClr val="bg2"/>
+                    </a:outerShdw>
+                  </a:effectLst>
+                </a14:hiddenEffects>
+              </a:ext>
+            </a:extLst>
+          </p:spPr>
+          <p:txBody>
+            <a:bodyPr>
+              <a:spAutoFit/>
+            </a:bodyPr>
+            <a:lstStyle/>
+            <a:p>
+              <a:pPr marL="0" marR="0" lvl="0" indent="0" defTabSz="914400" eaLnBrk="1" fontAlgn="base" latinLnBrk="0" hangingPunct="1">
+                <a:lnSpc>
+                  <a:spcPct val="100000"/>
+                </a:lnSpc>
+                <a:spcBef>
+                  <a:spcPct val="50000"/>
+                </a:spcBef>
+                <a:spcAft>
+                  <a:spcPct val="0"/>
+                </a:spcAft>
+                <a:buClrTx/>
+                <a:buSzTx/>
+                <a:buFontTx/>
+                <a:buNone/>
+                <a:tabLst/>
+                <a:defRPr/>
+              </a:pPr>
+              <a:r>
+                <a:rPr kumimoji="0" lang="en-US" altLang="en-SE" sz="2400" b="0" i="0" u="none" strike="noStrike" kern="0" cap="none" spc="0" normalizeH="0" baseline="0" noProof="0" dirty="0">
+                  <a:ln>
+                    <a:noFill/>
+                  </a:ln>
+                  <a:solidFill>
+                    <a:srgbClr val="000000"/>
+                  </a:solidFill>
+                  <a:effectLst/>
+                  <a:uLnTx/>
+                  <a:uFillTx/>
+                  <a:latin typeface="Arial" panose="020B0604020202020204" pitchFamily="34" charset="0"/>
+                </a:rPr>
+                <a:t>D</a:t>
+              </a:r>
+            </a:p>
+          </p:txBody>
+        </p:sp>
+      </p:grpSp>
+      <p:sp>
+        <p:nvSpPr>
+          <p:cNvPr id="38" name="Line 19">
+            <a:extLst>
+              <a:ext uri="{FF2B5EF4-FFF2-40B4-BE49-F238E27FC236}">
+                <a16:creationId xmlns:a16="http://schemas.microsoft.com/office/drawing/2014/main" id="{69E86FDC-58D3-2F5A-BE7D-4F2B0275C4D1}"/>
+              </a:ext>
+            </a:extLst>
+          </p:cNvPr>
+          <p:cNvSpPr>
+            <a:spLocks noChangeShapeType="1"/>
+          </p:cNvSpPr>
+          <p:nvPr/>
+        </p:nvSpPr>
+        <p:spPr bwMode="auto">
+          <a:xfrm>
+            <a:off x="6358804" y="5076374"/>
+            <a:ext cx="685801" cy="533399"/>
+          </a:xfrm>
+          <a:prstGeom prst="line">
+            <a:avLst/>
+          </a:prstGeom>
+          <a:ln w="19050" cap="flat" cmpd="sng" algn="ctr">
+            <a:solidFill>
+              <a:schemeClr val="dk1"/>
+            </a:solidFill>
+            <a:prstDash val="solid"/>
+            <a:round/>
+            <a:headEnd type="none" w="med" len="med"/>
+            <a:tailEnd type="arrow" w="med" len="med"/>
+          </a:ln>
+        </p:spPr>
+        <p:style>
+          <a:lnRef idx="0">
+            <a:scrgbClr r="0" g="0" b="0"/>
+          </a:lnRef>
+          <a:fillRef idx="0">
+            <a:scrgbClr r="0" g="0" b="0"/>
+          </a:fillRef>
+          <a:effectRef idx="0">
+            <a:scrgbClr r="0" g="0" b="0"/>
+          </a:effectRef>
+          <a:fontRef idx="minor">
+            <a:schemeClr val="tx1"/>
+          </a:fontRef>
+        </p:style>
+        <p:txBody>
+          <a:bodyPr/>
+          <a:lstStyle/>
+          <a:p>
+            <a:pPr marL="0" marR="0" lvl="0" indent="0" defTabSz="914400" eaLnBrk="1" fontAlgn="base" latinLnBrk="0" hangingPunct="1">
+              <a:lnSpc>
+                <a:spcPct val="100000"/>
+              </a:lnSpc>
+              <a:spcBef>
+                <a:spcPct val="0"/>
+              </a:spcBef>
+              <a:spcAft>
+                <a:spcPct val="0"/>
+              </a:spcAft>
+              <a:buClrTx/>
+              <a:buSzTx/>
+              <a:buFontTx/>
+              <a:buNone/>
+              <a:tabLst/>
+              <a:defRPr/>
+            </a:pPr>
+            <a:endParaRPr kumimoji="0" lang="en-SE" sz="1800" b="0" i="0" u="none" strike="noStrike" kern="0" cap="none" spc="0" normalizeH="0" baseline="0" noProof="0" dirty="0">
+              <a:ln>
+                <a:noFill/>
+              </a:ln>
+              <a:solidFill>
+                <a:srgbClr val="000000"/>
+              </a:solidFill>
+              <a:effectLst/>
+              <a:uLnTx/>
+              <a:uFillTx/>
+              <a:latin typeface="Arial" panose="020B0604020202020204" pitchFamily="34" charset="0"/>
+            </a:endParaRPr>
+          </a:p>
+        </p:txBody>
+      </p:sp>
+      <p:sp>
+        <p:nvSpPr>
+          <p:cNvPr id="39" name="Line 19">
+            <a:extLst>
+              <a:ext uri="{FF2B5EF4-FFF2-40B4-BE49-F238E27FC236}">
+                <a16:creationId xmlns:a16="http://schemas.microsoft.com/office/drawing/2014/main" id="{EBECEF27-8A9F-7A3D-421E-3591287904E8}"/>
+              </a:ext>
+            </a:extLst>
+          </p:cNvPr>
+          <p:cNvSpPr>
+            <a:spLocks noChangeShapeType="1"/>
+          </p:cNvSpPr>
+          <p:nvPr/>
+        </p:nvSpPr>
+        <p:spPr bwMode="auto">
+          <a:xfrm flipV="1">
+            <a:off x="6371094" y="5934835"/>
+            <a:ext cx="711610" cy="572893"/>
+          </a:xfrm>
+          <a:prstGeom prst="line">
+            <a:avLst/>
+          </a:prstGeom>
+          <a:ln w="19050" cap="flat" cmpd="sng" algn="ctr">
+            <a:solidFill>
+              <a:schemeClr val="dk1"/>
+            </a:solidFill>
+            <a:prstDash val="solid"/>
+            <a:round/>
+            <a:headEnd type="none" w="med" len="med"/>
+            <a:tailEnd type="arrow" w="med" len="med"/>
+          </a:ln>
+        </p:spPr>
+        <p:style>
+          <a:lnRef idx="0">
+            <a:scrgbClr r="0" g="0" b="0"/>
+          </a:lnRef>
+          <a:fillRef idx="0">
+            <a:scrgbClr r="0" g="0" b="0"/>
+          </a:fillRef>
+          <a:effectRef idx="0">
+            <a:scrgbClr r="0" g="0" b="0"/>
+          </a:effectRef>
+          <a:fontRef idx="minor">
+            <a:schemeClr val="tx1"/>
+          </a:fontRef>
+        </p:style>
+        <p:txBody>
+          <a:bodyPr/>
+          <a:lstStyle/>
+          <a:p>
+            <a:pPr marL="0" marR="0" lvl="0" indent="0" defTabSz="914400" eaLnBrk="1" fontAlgn="base" latinLnBrk="0" hangingPunct="1">
+              <a:lnSpc>
+                <a:spcPct val="100000"/>
+              </a:lnSpc>
+              <a:spcBef>
+                <a:spcPct val="0"/>
+              </a:spcBef>
+              <a:spcAft>
+                <a:spcPct val="0"/>
+              </a:spcAft>
+              <a:buClrTx/>
+              <a:buSzTx/>
+              <a:buFontTx/>
+              <a:buNone/>
+              <a:tabLst/>
+              <a:defRPr/>
+            </a:pPr>
+            <a:endParaRPr kumimoji="0" lang="en-SE" sz="1800" b="0" i="0" u="none" strike="noStrike" kern="0" cap="none" spc="0" normalizeH="0" baseline="0" noProof="0" dirty="0">
+              <a:ln>
+                <a:noFill/>
+              </a:ln>
+              <a:solidFill>
+                <a:srgbClr val="000000"/>
+              </a:solidFill>
+              <a:effectLst/>
+              <a:uLnTx/>
+              <a:uFillTx/>
+              <a:latin typeface="Arial" panose="020B0604020202020204" pitchFamily="34" charset="0"/>
+            </a:endParaRPr>
+          </a:p>
+        </p:txBody>
+      </p:sp>
+      <p:sp>
+        <p:nvSpPr>
+          <p:cNvPr id="40" name="Text Box 28">
+            <a:extLst>
+              <a:ext uri="{FF2B5EF4-FFF2-40B4-BE49-F238E27FC236}">
+                <a16:creationId xmlns:a16="http://schemas.microsoft.com/office/drawing/2014/main" id="{4FF21761-F022-3854-5FB2-EB7CB06A0C57}"/>
+              </a:ext>
+            </a:extLst>
+          </p:cNvPr>
+          <p:cNvSpPr txBox="1">
+            <a:spLocks noChangeArrowheads="1"/>
+          </p:cNvSpPr>
+          <p:nvPr/>
+        </p:nvSpPr>
+        <p:spPr bwMode="auto">
+          <a:xfrm>
+            <a:off x="6530254" y="5020568"/>
+            <a:ext cx="819150" cy="369332"/>
+          </a:xfrm>
+          <a:prstGeom prst="rect">
+            <a:avLst/>
+          </a:prstGeom>
+          <a:noFill/>
+          <a:ln>
+            <a:noFill/>
+          </a:ln>
+          <a:effectLst/>
+          <a:extLst>
+            <a:ext uri="{909E8E84-426E-40DD-AFC4-6F175D3DCCD1}">
+              <a14:hiddenFill xmlns:a14="http://schemas.microsoft.com/office/drawing/2010/main">
+                <a:solidFill>
+                  <a:schemeClr val="accent1"/>
+                </a:solidFill>
+              </a14:hiddenFill>
+            </a:ext>
+            <a:ext uri="{91240B29-F687-4F45-9708-019B960494DF}">
+              <a14:hiddenLine xmlns:a14="http://schemas.microsoft.com/office/drawing/2010/main" w="9525">
+                <a:solidFill>
+                  <a:schemeClr val="tx1"/>
+                </a:solidFill>
+                <a:miter lim="800000"/>
+                <a:headEnd/>
+                <a:tailEnd/>
+              </a14:hiddenLine>
+            </a:ext>
+            <a:ext uri="{AF507438-7753-43E0-B8FC-AC1667EBCBE1}">
+              <a14:hiddenEffects xmlns:a14="http://schemas.microsoft.com/office/drawing/2010/main">
+                <a:effectLst>
+                  <a:outerShdw dist="35921" dir="2700000" algn="ctr" rotWithShape="0">
+                    <a:schemeClr val="bg2"/>
+                  </a:outerShdw>
+                </a:effectLst>
+              </a14:hiddenEffects>
+            </a:ext>
+          </a:extLst>
+        </p:spPr>
+        <p:txBody>
+          <a:bodyPr wrap="square">
+            <a:spAutoFit/>
+          </a:bodyPr>
+          <a:lstStyle/>
+          <a:p>
+            <a:pPr defTabSz="914400" fontAlgn="base">
+              <a:spcBef>
+                <a:spcPct val="50000"/>
+              </a:spcBef>
+              <a:spcAft>
+                <a:spcPct val="0"/>
+              </a:spcAft>
+            </a:pPr>
+            <a:r>
+              <a:rPr lang="en-US" altLang="en-SE" dirty="0">
+                <a:solidFill>
+                  <a:srgbClr val="000000"/>
+                </a:solidFill>
+                <a:latin typeface="Arial" panose="020B0604020202020204" pitchFamily="34" charset="0"/>
+              </a:rPr>
+              <a:t>-20</a:t>
+            </a:r>
+          </a:p>
+        </p:txBody>
+      </p:sp>
+      <p:sp>
+        <p:nvSpPr>
+          <p:cNvPr id="41" name="Text Box 26">
+            <a:extLst>
+              <a:ext uri="{FF2B5EF4-FFF2-40B4-BE49-F238E27FC236}">
+                <a16:creationId xmlns:a16="http://schemas.microsoft.com/office/drawing/2014/main" id="{0BD494CE-007E-D248-D4F2-29C8B6D8847B}"/>
+              </a:ext>
+            </a:extLst>
+          </p:cNvPr>
+          <p:cNvSpPr txBox="1">
+            <a:spLocks noChangeArrowheads="1"/>
+          </p:cNvSpPr>
+          <p:nvPr/>
+        </p:nvSpPr>
+        <p:spPr bwMode="auto">
+          <a:xfrm>
+            <a:off x="6684250" y="6141016"/>
+            <a:ext cx="399803" cy="366712"/>
+          </a:xfrm>
+          <a:prstGeom prst="rect">
+            <a:avLst/>
+          </a:prstGeom>
+          <a:noFill/>
+          <a:ln>
+            <a:noFill/>
+          </a:ln>
+          <a:effectLst/>
+          <a:extLst>
+            <a:ext uri="{909E8E84-426E-40DD-AFC4-6F175D3DCCD1}">
+              <a14:hiddenFill xmlns:a14="http://schemas.microsoft.com/office/drawing/2010/main">
+                <a:solidFill>
+                  <a:schemeClr val="accent1"/>
+                </a:solidFill>
+              </a14:hiddenFill>
+            </a:ext>
+            <a:ext uri="{91240B29-F687-4F45-9708-019B960494DF}">
+              <a14:hiddenLine xmlns:a14="http://schemas.microsoft.com/office/drawing/2010/main" w="9525">
+                <a:solidFill>
+                  <a:schemeClr val="tx1"/>
+                </a:solidFill>
+                <a:miter lim="800000"/>
+                <a:headEnd/>
+                <a:tailEnd/>
+              </a14:hiddenLine>
+            </a:ext>
+            <a:ext uri="{AF507438-7753-43E0-B8FC-AC1667EBCBE1}">
+              <a14:hiddenEffects xmlns:a14="http://schemas.microsoft.com/office/drawing/2010/main">
+                <a:effectLst>
+                  <a:outerShdw dist="35921" dir="2700000" algn="ctr" rotWithShape="0">
+                    <a:schemeClr val="bg2"/>
+                  </a:outerShdw>
+                </a:effectLst>
+              </a14:hiddenEffects>
+            </a:ext>
+          </a:extLst>
+        </p:spPr>
+        <p:txBody>
+          <a:bodyPr wrap="square">
+            <a:spAutoFit/>
+          </a:bodyPr>
+          <a:lstStyle/>
+          <a:p>
+            <a:pPr defTabSz="914400" fontAlgn="base">
+              <a:spcBef>
+                <a:spcPct val="50000"/>
+              </a:spcBef>
+              <a:spcAft>
+                <a:spcPct val="0"/>
+              </a:spcAft>
+            </a:pPr>
+            <a:r>
+              <a:rPr lang="en-US" altLang="en-SE">
+                <a:solidFill>
+                  <a:srgbClr val="000000"/>
+                </a:solidFill>
+                <a:latin typeface="Arial" panose="020B0604020202020204" pitchFamily="34" charset="0"/>
+              </a:rPr>
+              <a:t>1</a:t>
+            </a:r>
+          </a:p>
+        </p:txBody>
+      </p:sp>
+      <mc:AlternateContent xmlns:mc="http://schemas.openxmlformats.org/markup-compatibility/2006" xmlns:a14="http://schemas.microsoft.com/office/drawing/2010/main">
+        <mc:Choice Requires="a14">
+          <p:graphicFrame>
+            <p:nvGraphicFramePr>
+              <p:cNvPr id="42" name="Content Placeholder 4">
+                <a:extLst>
+                  <a:ext uri="{FF2B5EF4-FFF2-40B4-BE49-F238E27FC236}">
+                    <a16:creationId xmlns:a16="http://schemas.microsoft.com/office/drawing/2014/main" id="{A9F9E979-2809-9B8C-8E83-9A51A48A2F7E}"/>
+                  </a:ext>
+                </a:extLst>
+              </p:cNvPr>
+              <p:cNvGraphicFramePr>
+                <a:graphicFrameLocks/>
+              </p:cNvGraphicFramePr>
+              <p:nvPr>
+                <p:extLst>
+                  <p:ext uri="{D42A27DB-BD31-4B8C-83A1-F6EECF244321}">
+                    <p14:modId xmlns:p14="http://schemas.microsoft.com/office/powerpoint/2010/main" val="1389903846"/>
+                  </p:ext>
+                </p:extLst>
+              </p:nvPr>
+            </p:nvGraphicFramePr>
+            <p:xfrm>
+              <a:off x="106929" y="2483936"/>
+              <a:ext cx="1408679" cy="1854200"/>
+            </p:xfrm>
+            <a:graphic>
+              <a:graphicData uri="http://schemas.openxmlformats.org/drawingml/2006/table">
+                <a:tbl>
+                  <a:tblPr firstRow="1" bandRow="1">
+                    <a:tableStyleId>{5C22544A-7EE6-4342-B048-85BDC9FD1C3A}</a:tableStyleId>
+                  </a:tblPr>
+                  <a:tblGrid>
+                    <a:gridCol w="461622">
+                      <a:extLst>
+                        <a:ext uri="{9D8B030D-6E8A-4147-A177-3AD203B41FA5}">
+                          <a16:colId xmlns:a16="http://schemas.microsoft.com/office/drawing/2014/main" val="1437393818"/>
+                        </a:ext>
+                      </a:extLst>
+                    </a:gridCol>
+                    <a:gridCol w="468086">
+                      <a:extLst>
+                        <a:ext uri="{9D8B030D-6E8A-4147-A177-3AD203B41FA5}">
+                          <a16:colId xmlns:a16="http://schemas.microsoft.com/office/drawing/2014/main" val="3865283362"/>
+                        </a:ext>
+                      </a:extLst>
+                    </a:gridCol>
+                    <a:gridCol w="478971">
+                      <a:extLst>
+                        <a:ext uri="{9D8B030D-6E8A-4147-A177-3AD203B41FA5}">
+                          <a16:colId xmlns:a16="http://schemas.microsoft.com/office/drawing/2014/main" val="2508205066"/>
+                        </a:ext>
+                      </a:extLst>
+                    </a:gridCol>
+                  </a:tblGrid>
+                  <a:tr h="370840">
+                    <a:tc>
+                      <a:txBody>
+                        <a:bodyPr/>
+                        <a:lstStyle/>
+                        <a:p>
+                          <a:pPr algn="ctr"/>
+                          <a:r>
+                            <a:rPr lang="en-US" dirty="0"/>
+                            <a:t>N</a:t>
+                          </a:r>
+                          <a:endParaRPr lang="en-SE" dirty="0"/>
+                        </a:p>
+                      </a:txBody>
+                      <a:tcPr/>
+                    </a:tc>
+                    <a:tc>
+                      <a:txBody>
+                        <a:bodyPr/>
+                        <a:lstStyle/>
+                        <a:p>
+                          <a:pPr algn="ctr"/>
+                          <a:r>
+                            <a:rPr lang="en-US" dirty="0"/>
+                            <a:t>SD</a:t>
+                          </a:r>
+                          <a:endParaRPr lang="en-SE" dirty="0"/>
+                        </a:p>
+                      </a:txBody>
+                      <a:tcPr/>
+                    </a:tc>
+                    <a:tc>
+                      <a:txBody>
+                        <a:bodyPr/>
+                        <a:lstStyle/>
+                        <a:p>
+                          <a:pPr algn="ctr"/>
+                          <a:r>
+                            <a:rPr lang="en-US" dirty="0"/>
+                            <a:t>PN</a:t>
+                          </a:r>
+                          <a:endParaRPr lang="en-SE" dirty="0"/>
+                        </a:p>
+                      </a:txBody>
+                      <a:tcPr/>
+                    </a:tc>
+                    <a:extLst>
+                      <a:ext uri="{0D108BD9-81ED-4DB2-BD59-A6C34878D82A}">
+                        <a16:rowId xmlns:a16="http://schemas.microsoft.com/office/drawing/2014/main" val="3515259906"/>
+                      </a:ext>
+                    </a:extLst>
+                  </a:tr>
+                  <a:tr h="370840">
+                    <a:tc>
+                      <a:txBody>
+                        <a:bodyPr/>
+                        <a:lstStyle/>
+                        <a:p>
+                          <a:pPr algn="ctr"/>
+                          <a:r>
+                            <a:rPr lang="en-US" altLang="zh-CN" dirty="0"/>
+                            <a:t>A</a:t>
+                          </a:r>
+                          <a:endParaRPr lang="en-SE" dirty="0"/>
+                        </a:p>
+                      </a:txBody>
+                      <a:tcPr/>
+                    </a:tc>
+                    <a:tc>
+                      <a:txBody>
+                        <a:bodyPr/>
+                        <a:lstStyle/>
+                        <a:p>
+                          <a:pPr algn="ctr"/>
+                          <a:r>
+                            <a:rPr lang="en-US" dirty="0"/>
+                            <a:t>0</a:t>
+                          </a:r>
+                          <a:endParaRPr lang="en-SE" dirty="0"/>
+                        </a:p>
+                      </a:txBody>
+                      <a:tcPr/>
+                    </a:tc>
+                    <a:tc>
+                      <a:txBody>
+                        <a:bodyPr/>
+                        <a:lstStyle/>
+                        <a:p>
+                          <a:pPr algn="ctr"/>
+                          <a:endParaRPr lang="en-SE" dirty="0"/>
+                        </a:p>
+                      </a:txBody>
+                      <a:tcPr/>
+                    </a:tc>
+                    <a:extLst>
+                      <a:ext uri="{0D108BD9-81ED-4DB2-BD59-A6C34878D82A}">
+                        <a16:rowId xmlns:a16="http://schemas.microsoft.com/office/drawing/2014/main" val="3762638117"/>
+                      </a:ext>
+                    </a:extLst>
+                  </a:tr>
+                  <a:tr h="370840">
+                    <a:tc>
+                      <a:txBody>
+                        <a:bodyPr/>
+                        <a:lstStyle/>
+                        <a:p>
+                          <a:pPr algn="ctr"/>
+                          <a:r>
+                            <a:rPr lang="en-US" dirty="0"/>
+                            <a:t>B</a:t>
+                          </a:r>
+                          <a:endParaRPr lang="en-SE" dirty="0"/>
+                        </a:p>
+                      </a:txBody>
+                      <a:tcPr/>
+                    </a:tc>
+                    <a:tc>
+                      <a:txBody>
+                        <a:bodyPr/>
+                        <a:lstStyle/>
+                        <a:p>
+                          <a:pPr algn="ctr"/>
+                          <a14:m>
+                            <m:oMathPara xmlns:m="http://schemas.openxmlformats.org/officeDocument/2006/math">
+                              <m:oMathParaPr>
+                                <m:jc m:val="centerGroup"/>
+                              </m:oMathParaPr>
+                              <m:oMath xmlns:m="http://schemas.openxmlformats.org/officeDocument/2006/math">
+                                <m:r>
+                                  <a:rPr lang="en-GB" b="0" i="1" smtClean="0">
+                                    <a:latin typeface="Cambria Math" panose="02040503050406030204" pitchFamily="18" charset="0"/>
+                                  </a:rPr>
+                                  <m:t>∞</m:t>
+                                </m:r>
+                              </m:oMath>
+                            </m:oMathPara>
+                          </a14:m>
+                          <a:endParaRPr lang="en-SE" dirty="0"/>
+                        </a:p>
+                      </a:txBody>
+                      <a:tcPr/>
+                    </a:tc>
+                    <a:tc>
+                      <a:txBody>
+                        <a:bodyPr/>
+                        <a:lstStyle/>
+                        <a:p>
+                          <a:pPr algn="ctr"/>
+                          <a:endParaRPr lang="en-SE"/>
+                        </a:p>
+                      </a:txBody>
+                      <a:tcPr/>
+                    </a:tc>
+                    <a:extLst>
+                      <a:ext uri="{0D108BD9-81ED-4DB2-BD59-A6C34878D82A}">
+                        <a16:rowId xmlns:a16="http://schemas.microsoft.com/office/drawing/2014/main" val="616934466"/>
+                      </a:ext>
+                    </a:extLst>
+                  </a:tr>
+                  <a:tr h="370840">
+                    <a:tc>
+                      <a:txBody>
+                        <a:bodyPr/>
+                        <a:lstStyle/>
+                        <a:p>
+                          <a:pPr algn="ctr"/>
+                          <a:r>
+                            <a:rPr lang="en-US" dirty="0"/>
+                            <a:t>C</a:t>
+                          </a:r>
+                          <a:endParaRPr lang="en-SE" dirty="0"/>
+                        </a:p>
+                      </a:txBody>
+                      <a:tcPr/>
+                    </a:tc>
+                    <a:tc>
+                      <a:txBody>
+                        <a:bodyPr/>
+                        <a:lstStyle/>
+                        <a:p>
+                          <a:pPr algn="ctr"/>
+                          <a14:m>
+                            <m:oMathPara xmlns:m="http://schemas.openxmlformats.org/officeDocument/2006/math">
+                              <m:oMathParaPr>
+                                <m:jc m:val="centerGroup"/>
+                              </m:oMathParaPr>
+                              <m:oMath xmlns:m="http://schemas.openxmlformats.org/officeDocument/2006/math">
+                                <m:r>
+                                  <a:rPr lang="en-GB" b="0" i="1" smtClean="0">
+                                    <a:latin typeface="Cambria Math" panose="02040503050406030204" pitchFamily="18" charset="0"/>
+                                  </a:rPr>
+                                  <m:t>∞</m:t>
+                                </m:r>
+                              </m:oMath>
+                            </m:oMathPara>
+                          </a14:m>
+                          <a:endParaRPr lang="en-SE" dirty="0"/>
+                        </a:p>
+                      </a:txBody>
+                      <a:tcPr/>
+                    </a:tc>
+                    <a:tc>
+                      <a:txBody>
+                        <a:bodyPr/>
+                        <a:lstStyle/>
+                        <a:p>
+                          <a:pPr algn="ctr"/>
+                          <a:endParaRPr lang="en-SE" dirty="0"/>
+                        </a:p>
+                      </a:txBody>
+                      <a:tcPr/>
+                    </a:tc>
+                    <a:extLst>
+                      <a:ext uri="{0D108BD9-81ED-4DB2-BD59-A6C34878D82A}">
+                        <a16:rowId xmlns:a16="http://schemas.microsoft.com/office/drawing/2014/main" val="3586663048"/>
+                      </a:ext>
+                    </a:extLst>
+                  </a:tr>
+                  <a:tr h="370840">
+                    <a:tc>
+                      <a:txBody>
+                        <a:bodyPr/>
+                        <a:lstStyle/>
+                        <a:p>
+                          <a:pPr algn="ctr"/>
+                          <a:r>
+                            <a:rPr lang="en-US" dirty="0"/>
+                            <a:t>D</a:t>
+                          </a:r>
+                          <a:endParaRPr lang="en-SE" dirty="0"/>
+                        </a:p>
+                      </a:txBody>
+                      <a:tcPr/>
+                    </a:tc>
+                    <a:tc>
+                      <a:txBody>
+                        <a:bodyPr/>
+                        <a:lstStyle/>
+                        <a:p>
+                          <a:pPr algn="ctr"/>
+                          <a14:m>
+                            <m:oMathPara xmlns:m="http://schemas.openxmlformats.org/officeDocument/2006/math">
+                              <m:oMathParaPr>
+                                <m:jc m:val="centerGroup"/>
+                              </m:oMathParaPr>
+                              <m:oMath xmlns:m="http://schemas.openxmlformats.org/officeDocument/2006/math">
+                                <m:r>
+                                  <a:rPr lang="en-GB" b="0" i="1" smtClean="0">
+                                    <a:latin typeface="Cambria Math" panose="02040503050406030204" pitchFamily="18" charset="0"/>
+                                  </a:rPr>
+                                  <m:t>∞</m:t>
+                                </m:r>
+                              </m:oMath>
+                            </m:oMathPara>
+                          </a14:m>
+                          <a:endParaRPr lang="en-SE" dirty="0"/>
+                        </a:p>
+                      </a:txBody>
+                      <a:tcPr/>
+                    </a:tc>
+                    <a:tc>
+                      <a:txBody>
+                        <a:bodyPr/>
+                        <a:lstStyle/>
+                        <a:p>
+                          <a:pPr algn="ctr"/>
+                          <a:endParaRPr lang="en-SE" dirty="0"/>
+                        </a:p>
+                      </a:txBody>
+                      <a:tcPr/>
+                    </a:tc>
+                    <a:extLst>
+                      <a:ext uri="{0D108BD9-81ED-4DB2-BD59-A6C34878D82A}">
+                        <a16:rowId xmlns:a16="http://schemas.microsoft.com/office/drawing/2014/main" val="2443210191"/>
+                      </a:ext>
+                    </a:extLst>
+                  </a:tr>
+                </a:tbl>
+              </a:graphicData>
+            </a:graphic>
+          </p:graphicFrame>
+        </mc:Choice>
+        <mc:Fallback xmlns="">
+          <p:graphicFrame>
+            <p:nvGraphicFramePr>
+              <p:cNvPr id="42" name="Content Placeholder 4">
+                <a:extLst>
+                  <a:ext uri="{FF2B5EF4-FFF2-40B4-BE49-F238E27FC236}">
+                    <a16:creationId xmlns:a16="http://schemas.microsoft.com/office/drawing/2014/main" id="{A9F9E979-2809-9B8C-8E83-9A51A48A2F7E}"/>
+                  </a:ext>
+                </a:extLst>
+              </p:cNvPr>
+              <p:cNvGraphicFramePr>
+                <a:graphicFrameLocks/>
+              </p:cNvGraphicFramePr>
+              <p:nvPr>
+                <p:extLst>
+                  <p:ext uri="{D42A27DB-BD31-4B8C-83A1-F6EECF244321}">
+                    <p14:modId xmlns:p14="http://schemas.microsoft.com/office/powerpoint/2010/main" val="1389903846"/>
+                  </p:ext>
+                </p:extLst>
+              </p:nvPr>
+            </p:nvGraphicFramePr>
+            <p:xfrm>
+              <a:off x="106929" y="2483936"/>
+              <a:ext cx="1408679" cy="1854200"/>
+            </p:xfrm>
+            <a:graphic>
+              <a:graphicData uri="http://schemas.openxmlformats.org/drawingml/2006/table">
+                <a:tbl>
+                  <a:tblPr firstRow="1" bandRow="1">
+                    <a:tableStyleId>{5C22544A-7EE6-4342-B048-85BDC9FD1C3A}</a:tableStyleId>
+                  </a:tblPr>
+                  <a:tblGrid>
+                    <a:gridCol w="461622">
+                      <a:extLst>
+                        <a:ext uri="{9D8B030D-6E8A-4147-A177-3AD203B41FA5}">
+                          <a16:colId xmlns:a16="http://schemas.microsoft.com/office/drawing/2014/main" val="1437393818"/>
+                        </a:ext>
+                      </a:extLst>
+                    </a:gridCol>
+                    <a:gridCol w="468086">
+                      <a:extLst>
+                        <a:ext uri="{9D8B030D-6E8A-4147-A177-3AD203B41FA5}">
+                          <a16:colId xmlns:a16="http://schemas.microsoft.com/office/drawing/2014/main" val="3865283362"/>
+                        </a:ext>
+                      </a:extLst>
+                    </a:gridCol>
+                    <a:gridCol w="478971">
+                      <a:extLst>
+                        <a:ext uri="{9D8B030D-6E8A-4147-A177-3AD203B41FA5}">
+                          <a16:colId xmlns:a16="http://schemas.microsoft.com/office/drawing/2014/main" val="2508205066"/>
+                        </a:ext>
+                      </a:extLst>
+                    </a:gridCol>
+                  </a:tblGrid>
+                  <a:tr h="370840">
+                    <a:tc>
+                      <a:txBody>
+                        <a:bodyPr/>
+                        <a:lstStyle/>
+                        <a:p>
+                          <a:pPr algn="ctr"/>
+                          <a:r>
+                            <a:rPr lang="en-US" dirty="0"/>
+                            <a:t>N</a:t>
+                          </a:r>
+                          <a:endParaRPr lang="en-SE" dirty="0"/>
+                        </a:p>
+                      </a:txBody>
+                      <a:tcPr/>
+                    </a:tc>
+                    <a:tc>
+                      <a:txBody>
+                        <a:bodyPr/>
+                        <a:lstStyle/>
+                        <a:p>
+                          <a:pPr algn="ctr"/>
+                          <a:r>
+                            <a:rPr lang="en-US" dirty="0"/>
+                            <a:t>SD</a:t>
+                          </a:r>
+                          <a:endParaRPr lang="en-SE" dirty="0"/>
+                        </a:p>
+                      </a:txBody>
+                      <a:tcPr/>
+                    </a:tc>
+                    <a:tc>
+                      <a:txBody>
+                        <a:bodyPr/>
+                        <a:lstStyle/>
+                        <a:p>
+                          <a:pPr algn="ctr"/>
+                          <a:r>
+                            <a:rPr lang="en-US" dirty="0"/>
+                            <a:t>PN</a:t>
+                          </a:r>
+                          <a:endParaRPr lang="en-SE" dirty="0"/>
+                        </a:p>
+                      </a:txBody>
+                      <a:tcPr/>
+                    </a:tc>
+                    <a:extLst>
+                      <a:ext uri="{0D108BD9-81ED-4DB2-BD59-A6C34878D82A}">
+                        <a16:rowId xmlns:a16="http://schemas.microsoft.com/office/drawing/2014/main" val="3515259906"/>
+                      </a:ext>
+                    </a:extLst>
+                  </a:tr>
+                  <a:tr h="370840">
+                    <a:tc>
+                      <a:txBody>
+                        <a:bodyPr/>
+                        <a:lstStyle/>
+                        <a:p>
+                          <a:pPr algn="ctr"/>
+                          <a:r>
+                            <a:rPr lang="en-US" altLang="zh-CN" dirty="0"/>
+                            <a:t>A</a:t>
+                          </a:r>
+                          <a:endParaRPr lang="en-SE" dirty="0"/>
+                        </a:p>
+                      </a:txBody>
+                      <a:tcPr/>
+                    </a:tc>
+                    <a:tc>
+                      <a:txBody>
+                        <a:bodyPr/>
+                        <a:lstStyle/>
+                        <a:p>
+                          <a:pPr algn="ctr"/>
+                          <a:r>
+                            <a:rPr lang="en-US" dirty="0"/>
+                            <a:t>0</a:t>
+                          </a:r>
+                          <a:endParaRPr lang="en-SE" dirty="0"/>
+                        </a:p>
+                      </a:txBody>
+                      <a:tcPr/>
+                    </a:tc>
+                    <a:tc>
+                      <a:txBody>
+                        <a:bodyPr/>
+                        <a:lstStyle/>
+                        <a:p>
+                          <a:pPr algn="ctr"/>
+                          <a:endParaRPr lang="en-SE" dirty="0"/>
+                        </a:p>
+                      </a:txBody>
+                      <a:tcPr/>
+                    </a:tc>
+                    <a:extLst>
+                      <a:ext uri="{0D108BD9-81ED-4DB2-BD59-A6C34878D82A}">
+                        <a16:rowId xmlns:a16="http://schemas.microsoft.com/office/drawing/2014/main" val="3762638117"/>
+                      </a:ext>
+                    </a:extLst>
+                  </a:tr>
+                  <a:tr h="370840">
+                    <a:tc>
+                      <a:txBody>
+                        <a:bodyPr/>
+                        <a:lstStyle/>
+                        <a:p>
+                          <a:pPr algn="ctr"/>
+                          <a:r>
+                            <a:rPr lang="en-US" dirty="0"/>
+                            <a:t>B</a:t>
+                          </a:r>
+                          <a:endParaRPr lang="en-SE" dirty="0"/>
+                        </a:p>
+                      </a:txBody>
+                      <a:tcPr/>
+                    </a:tc>
+                    <a:tc>
+                      <a:txBody>
+                        <a:bodyPr/>
+                        <a:lstStyle/>
+                        <a:p>
+                          <a:endParaRPr lang="en-SE"/>
+                        </a:p>
+                      </a:txBody>
+                      <a:tcPr>
+                        <a:blipFill>
+                          <a:blip r:embed="rId3"/>
+                          <a:stretch>
+                            <a:fillRect l="-100000" t="-208197" r="-107792" b="-224590"/>
+                          </a:stretch>
+                        </a:blipFill>
+                      </a:tcPr>
+                    </a:tc>
+                    <a:tc>
+                      <a:txBody>
+                        <a:bodyPr/>
+                        <a:lstStyle/>
+                        <a:p>
+                          <a:pPr algn="ctr"/>
+                          <a:endParaRPr lang="en-SE"/>
+                        </a:p>
+                      </a:txBody>
+                      <a:tcPr/>
+                    </a:tc>
+                    <a:extLst>
+                      <a:ext uri="{0D108BD9-81ED-4DB2-BD59-A6C34878D82A}">
+                        <a16:rowId xmlns:a16="http://schemas.microsoft.com/office/drawing/2014/main" val="616934466"/>
+                      </a:ext>
+                    </a:extLst>
+                  </a:tr>
+                  <a:tr h="370840">
+                    <a:tc>
+                      <a:txBody>
+                        <a:bodyPr/>
+                        <a:lstStyle/>
+                        <a:p>
+                          <a:pPr algn="ctr"/>
+                          <a:r>
+                            <a:rPr lang="en-US" dirty="0"/>
+                            <a:t>C</a:t>
+                          </a:r>
+                          <a:endParaRPr lang="en-SE" dirty="0"/>
+                        </a:p>
+                      </a:txBody>
+                      <a:tcPr/>
+                    </a:tc>
+                    <a:tc>
+                      <a:txBody>
+                        <a:bodyPr/>
+                        <a:lstStyle/>
+                        <a:p>
+                          <a:endParaRPr lang="en-SE"/>
+                        </a:p>
+                      </a:txBody>
+                      <a:tcPr>
+                        <a:blipFill>
+                          <a:blip r:embed="rId3"/>
+                          <a:stretch>
+                            <a:fillRect l="-100000" t="-308197" r="-107792" b="-124590"/>
+                          </a:stretch>
+                        </a:blipFill>
+                      </a:tcPr>
+                    </a:tc>
+                    <a:tc>
+                      <a:txBody>
+                        <a:bodyPr/>
+                        <a:lstStyle/>
+                        <a:p>
+                          <a:pPr algn="ctr"/>
+                          <a:endParaRPr lang="en-SE" dirty="0"/>
+                        </a:p>
+                      </a:txBody>
+                      <a:tcPr/>
+                    </a:tc>
+                    <a:extLst>
+                      <a:ext uri="{0D108BD9-81ED-4DB2-BD59-A6C34878D82A}">
+                        <a16:rowId xmlns:a16="http://schemas.microsoft.com/office/drawing/2014/main" val="3586663048"/>
+                      </a:ext>
+                    </a:extLst>
+                  </a:tr>
+                  <a:tr h="370840">
+                    <a:tc>
+                      <a:txBody>
+                        <a:bodyPr/>
+                        <a:lstStyle/>
+                        <a:p>
+                          <a:pPr algn="ctr"/>
+                          <a:r>
+                            <a:rPr lang="en-US" dirty="0"/>
+                            <a:t>D</a:t>
+                          </a:r>
+                          <a:endParaRPr lang="en-SE" dirty="0"/>
+                        </a:p>
+                      </a:txBody>
+                      <a:tcPr/>
+                    </a:tc>
+                    <a:tc>
+                      <a:txBody>
+                        <a:bodyPr/>
+                        <a:lstStyle/>
+                        <a:p>
+                          <a:endParaRPr lang="en-SE"/>
+                        </a:p>
+                      </a:txBody>
+                      <a:tcPr>
+                        <a:blipFill>
+                          <a:blip r:embed="rId3"/>
+                          <a:stretch>
+                            <a:fillRect l="-100000" t="-408197" r="-107792" b="-24590"/>
+                          </a:stretch>
+                        </a:blipFill>
+                      </a:tcPr>
+                    </a:tc>
+                    <a:tc>
+                      <a:txBody>
+                        <a:bodyPr/>
+                        <a:lstStyle/>
+                        <a:p>
+                          <a:pPr algn="ctr"/>
+                          <a:endParaRPr lang="en-SE" dirty="0"/>
+                        </a:p>
+                      </a:txBody>
+                      <a:tcPr/>
+                    </a:tc>
+                    <a:extLst>
+                      <a:ext uri="{0D108BD9-81ED-4DB2-BD59-A6C34878D82A}">
+                        <a16:rowId xmlns:a16="http://schemas.microsoft.com/office/drawing/2014/main" val="2443210191"/>
+                      </a:ext>
+                    </a:extLst>
+                  </a:tr>
+                </a:tbl>
+              </a:graphicData>
+            </a:graphic>
+          </p:graphicFrame>
+        </mc:Fallback>
+      </mc:AlternateContent>
+      <p:sp>
+        <p:nvSpPr>
+          <p:cNvPr id="43" name="Arrow: Right 42">
+            <a:extLst>
+              <a:ext uri="{FF2B5EF4-FFF2-40B4-BE49-F238E27FC236}">
+                <a16:creationId xmlns:a16="http://schemas.microsoft.com/office/drawing/2014/main" id="{2B953188-3A69-40A9-56EC-3E5082387659}"/>
+              </a:ext>
+            </a:extLst>
+          </p:cNvPr>
+          <p:cNvSpPr/>
+          <p:nvPr/>
+        </p:nvSpPr>
+        <p:spPr>
+          <a:xfrm>
+            <a:off x="1614206" y="3218224"/>
+            <a:ext cx="797013" cy="369332"/>
+          </a:xfrm>
+          <a:prstGeom prst="rightArrow">
+            <a:avLst/>
+          </a:prstGeom>
+        </p:spPr>
+        <p:style>
+          <a:lnRef idx="1">
+            <a:schemeClr val="accent1"/>
+          </a:lnRef>
+          <a:fillRef idx="3">
+            <a:schemeClr val="accent1"/>
+          </a:fillRef>
+          <a:effectRef idx="2">
+            <a:schemeClr val="accent1"/>
+          </a:effectRef>
+          <a:fontRef idx="minor">
+            <a:schemeClr val="lt1"/>
+          </a:fontRef>
+        </p:style>
+        <p:txBody>
+          <a:bodyPr rtlCol="0" anchor="ctr"/>
+          <a:lstStyle/>
+          <a:p>
+            <a:pPr algn="ctr"/>
+            <a:endParaRPr lang="en-SE"/>
+          </a:p>
+        </p:txBody>
+      </p:sp>
+      <p:sp>
+        <p:nvSpPr>
+          <p:cNvPr id="45" name="TextBox 44">
+            <a:extLst>
+              <a:ext uri="{FF2B5EF4-FFF2-40B4-BE49-F238E27FC236}">
+                <a16:creationId xmlns:a16="http://schemas.microsoft.com/office/drawing/2014/main" id="{0F70D71C-847C-AE8E-E015-7C6B7E54293F}"/>
+              </a:ext>
+            </a:extLst>
+          </p:cNvPr>
+          <p:cNvSpPr txBox="1"/>
+          <p:nvPr/>
+        </p:nvSpPr>
+        <p:spPr>
+          <a:xfrm>
+            <a:off x="1594905" y="2916166"/>
+            <a:ext cx="774571" cy="369332"/>
+          </a:xfrm>
+          <a:prstGeom prst="rect">
+            <a:avLst/>
+          </a:prstGeom>
+          <a:noFill/>
+        </p:spPr>
+        <p:txBody>
+          <a:bodyPr wrap="none" rtlCol="0">
+            <a:spAutoFit/>
+          </a:bodyPr>
+          <a:lstStyle/>
+          <a:p>
+            <a:pPr algn="ctr"/>
+            <a:r>
+              <a:rPr lang="en-GB" dirty="0"/>
+              <a:t>Visit A</a:t>
+            </a:r>
+            <a:endParaRPr lang="en-SE" dirty="0"/>
+          </a:p>
+        </p:txBody>
+      </p:sp>
+      <p:sp>
+        <p:nvSpPr>
+          <p:cNvPr id="46" name="Arrow: Right 45">
+            <a:extLst>
+              <a:ext uri="{FF2B5EF4-FFF2-40B4-BE49-F238E27FC236}">
+                <a16:creationId xmlns:a16="http://schemas.microsoft.com/office/drawing/2014/main" id="{45378056-4566-1E64-E4EB-0EA0F2531473}"/>
+              </a:ext>
+            </a:extLst>
+          </p:cNvPr>
+          <p:cNvSpPr/>
+          <p:nvPr/>
+        </p:nvSpPr>
+        <p:spPr>
+          <a:xfrm>
+            <a:off x="4100620" y="3218224"/>
+            <a:ext cx="797013" cy="369332"/>
+          </a:xfrm>
+          <a:prstGeom prst="rightArrow">
+            <a:avLst/>
+          </a:prstGeom>
+        </p:spPr>
+        <p:style>
+          <a:lnRef idx="1">
+            <a:schemeClr val="accent1"/>
+          </a:lnRef>
+          <a:fillRef idx="3">
+            <a:schemeClr val="accent1"/>
+          </a:fillRef>
+          <a:effectRef idx="2">
+            <a:schemeClr val="accent1"/>
+          </a:effectRef>
+          <a:fontRef idx="minor">
+            <a:schemeClr val="lt1"/>
+          </a:fontRef>
+        </p:style>
+        <p:txBody>
+          <a:bodyPr rtlCol="0" anchor="ctr"/>
+          <a:lstStyle/>
+          <a:p>
+            <a:pPr algn="ctr"/>
+            <a:endParaRPr lang="en-SE"/>
+          </a:p>
+        </p:txBody>
+      </p:sp>
+      <p:sp>
+        <p:nvSpPr>
+          <p:cNvPr id="48" name="TextBox 47">
+            <a:extLst>
+              <a:ext uri="{FF2B5EF4-FFF2-40B4-BE49-F238E27FC236}">
+                <a16:creationId xmlns:a16="http://schemas.microsoft.com/office/drawing/2014/main" id="{C14CE432-071E-FF5E-DA4A-A74A03E1465C}"/>
+              </a:ext>
+            </a:extLst>
+          </p:cNvPr>
+          <p:cNvSpPr txBox="1"/>
+          <p:nvPr/>
+        </p:nvSpPr>
+        <p:spPr>
+          <a:xfrm>
+            <a:off x="4104562" y="2916166"/>
+            <a:ext cx="764953" cy="369332"/>
+          </a:xfrm>
+          <a:prstGeom prst="rect">
+            <a:avLst/>
+          </a:prstGeom>
+          <a:noFill/>
+        </p:spPr>
+        <p:txBody>
+          <a:bodyPr wrap="none" rtlCol="0">
+            <a:spAutoFit/>
+          </a:bodyPr>
+          <a:lstStyle/>
+          <a:p>
+            <a:pPr algn="ctr"/>
+            <a:r>
+              <a:rPr lang="en-GB" dirty="0"/>
+              <a:t>Visit C</a:t>
+            </a:r>
+            <a:endParaRPr lang="en-SE" dirty="0"/>
+          </a:p>
+        </p:txBody>
+      </p:sp>
+      <mc:AlternateContent xmlns:mc="http://schemas.openxmlformats.org/markup-compatibility/2006" xmlns:a14="http://schemas.microsoft.com/office/drawing/2010/main">
+        <mc:Choice Requires="a14">
+          <p:graphicFrame>
+            <p:nvGraphicFramePr>
+              <p:cNvPr id="49" name="Content Placeholder 4">
+                <a:extLst>
+                  <a:ext uri="{FF2B5EF4-FFF2-40B4-BE49-F238E27FC236}">
+                    <a16:creationId xmlns:a16="http://schemas.microsoft.com/office/drawing/2014/main" id="{8670D5A9-C70D-9CDE-FC31-EDAD7E4180F4}"/>
+                  </a:ext>
+                </a:extLst>
+              </p:cNvPr>
+              <p:cNvGraphicFramePr>
+                <a:graphicFrameLocks/>
+              </p:cNvGraphicFramePr>
+              <p:nvPr>
+                <p:extLst>
+                  <p:ext uri="{D42A27DB-BD31-4B8C-83A1-F6EECF244321}">
+                    <p14:modId xmlns:p14="http://schemas.microsoft.com/office/powerpoint/2010/main" val="3399951804"/>
+                  </p:ext>
+                </p:extLst>
+              </p:nvPr>
+            </p:nvGraphicFramePr>
+            <p:xfrm>
+              <a:off x="2550700" y="2483936"/>
+              <a:ext cx="1408679" cy="1854200"/>
+            </p:xfrm>
+            <a:graphic>
+              <a:graphicData uri="http://schemas.openxmlformats.org/drawingml/2006/table">
+                <a:tbl>
+                  <a:tblPr firstRow="1" bandRow="1">
+                    <a:tableStyleId>{5C22544A-7EE6-4342-B048-85BDC9FD1C3A}</a:tableStyleId>
+                  </a:tblPr>
+                  <a:tblGrid>
+                    <a:gridCol w="461622">
+                      <a:extLst>
+                        <a:ext uri="{9D8B030D-6E8A-4147-A177-3AD203B41FA5}">
+                          <a16:colId xmlns:a16="http://schemas.microsoft.com/office/drawing/2014/main" val="1437393818"/>
+                        </a:ext>
+                      </a:extLst>
+                    </a:gridCol>
+                    <a:gridCol w="468086">
+                      <a:extLst>
+                        <a:ext uri="{9D8B030D-6E8A-4147-A177-3AD203B41FA5}">
+                          <a16:colId xmlns:a16="http://schemas.microsoft.com/office/drawing/2014/main" val="3865283362"/>
+                        </a:ext>
+                      </a:extLst>
+                    </a:gridCol>
+                    <a:gridCol w="478971">
+                      <a:extLst>
+                        <a:ext uri="{9D8B030D-6E8A-4147-A177-3AD203B41FA5}">
+                          <a16:colId xmlns:a16="http://schemas.microsoft.com/office/drawing/2014/main" val="2508205066"/>
+                        </a:ext>
+                      </a:extLst>
+                    </a:gridCol>
+                  </a:tblGrid>
+                  <a:tr h="370840">
+                    <a:tc>
+                      <a:txBody>
+                        <a:bodyPr/>
+                        <a:lstStyle/>
+                        <a:p>
+                          <a:pPr algn="ctr"/>
+                          <a:r>
+                            <a:rPr lang="en-US" dirty="0"/>
+                            <a:t>N</a:t>
+                          </a:r>
+                          <a:endParaRPr lang="en-SE" dirty="0"/>
+                        </a:p>
+                      </a:txBody>
+                      <a:tcPr/>
+                    </a:tc>
+                    <a:tc>
+                      <a:txBody>
+                        <a:bodyPr/>
+                        <a:lstStyle/>
+                        <a:p>
+                          <a:pPr algn="ctr"/>
+                          <a:r>
+                            <a:rPr lang="en-US" dirty="0"/>
+                            <a:t>SD</a:t>
+                          </a:r>
+                          <a:endParaRPr lang="en-SE" dirty="0"/>
+                        </a:p>
+                      </a:txBody>
+                      <a:tcPr/>
+                    </a:tc>
+                    <a:tc>
+                      <a:txBody>
+                        <a:bodyPr/>
+                        <a:lstStyle/>
+                        <a:p>
+                          <a:pPr algn="ctr"/>
+                          <a:r>
+                            <a:rPr lang="en-US" dirty="0"/>
+                            <a:t>PN</a:t>
+                          </a:r>
+                          <a:endParaRPr lang="en-SE" dirty="0"/>
+                        </a:p>
+                      </a:txBody>
+                      <a:tcPr/>
+                    </a:tc>
+                    <a:extLst>
+                      <a:ext uri="{0D108BD9-81ED-4DB2-BD59-A6C34878D82A}">
+                        <a16:rowId xmlns:a16="http://schemas.microsoft.com/office/drawing/2014/main" val="3515259906"/>
+                      </a:ext>
+                    </a:extLst>
+                  </a:tr>
+                  <a:tr h="370840">
+                    <a:tc>
+                      <a:txBody>
+                        <a:bodyPr/>
+                        <a:lstStyle/>
+                        <a:p>
+                          <a:pPr algn="ctr"/>
+                          <a:r>
+                            <a:rPr lang="en-US" altLang="zh-CN" dirty="0"/>
+                            <a:t>A</a:t>
+                          </a:r>
+                          <a:endParaRPr lang="en-SE" dirty="0"/>
+                        </a:p>
+                      </a:txBody>
+                      <a:tcPr/>
+                    </a:tc>
+                    <a:tc>
+                      <a:txBody>
+                        <a:bodyPr/>
+                        <a:lstStyle/>
+                        <a:p>
+                          <a:pPr algn="ctr"/>
+                          <a:r>
+                            <a:rPr lang="en-US" dirty="0"/>
+                            <a:t>0</a:t>
+                          </a:r>
+                          <a:endParaRPr lang="en-SE" dirty="0"/>
+                        </a:p>
+                      </a:txBody>
+                      <a:tcPr/>
+                    </a:tc>
+                    <a:tc>
+                      <a:txBody>
+                        <a:bodyPr/>
+                        <a:lstStyle/>
+                        <a:p>
+                          <a:pPr algn="ctr"/>
+                          <a:endParaRPr lang="en-SE" dirty="0"/>
+                        </a:p>
+                      </a:txBody>
+                      <a:tcPr/>
+                    </a:tc>
+                    <a:extLst>
+                      <a:ext uri="{0D108BD9-81ED-4DB2-BD59-A6C34878D82A}">
+                        <a16:rowId xmlns:a16="http://schemas.microsoft.com/office/drawing/2014/main" val="3762638117"/>
+                      </a:ext>
+                    </a:extLst>
+                  </a:tr>
+                  <a:tr h="370840">
+                    <a:tc>
+                      <a:txBody>
+                        <a:bodyPr/>
+                        <a:lstStyle/>
+                        <a:p>
+                          <a:pPr algn="ctr"/>
+                          <a:r>
+                            <a:rPr lang="en-US" dirty="0">
+                              <a:solidFill>
+                                <a:schemeClr val="tx1"/>
+                              </a:solidFill>
+                            </a:rPr>
+                            <a:t>B</a:t>
+                          </a:r>
+                          <a:endParaRPr lang="en-SE" dirty="0">
+                            <a:solidFill>
+                              <a:schemeClr val="tx1"/>
+                            </a:solidFill>
+                          </a:endParaRPr>
+                        </a:p>
+                      </a:txBody>
+                      <a:tcPr/>
+                    </a:tc>
+                    <a:tc>
+                      <a:txBody>
+                        <a:bodyPr/>
+                        <a:lstStyle/>
+                        <a:p>
+                          <a:pPr algn="ctr"/>
+                          <a:r>
+                            <a:rPr lang="en-GB" dirty="0">
+                              <a:solidFill>
+                                <a:srgbClr val="FF0000"/>
+                              </a:solidFill>
+                            </a:rPr>
+                            <a:t>10</a:t>
+                          </a:r>
+                          <a:endParaRPr lang="en-SE" dirty="0">
+                            <a:solidFill>
+                              <a:srgbClr val="FF0000"/>
+                            </a:solidFill>
+                          </a:endParaRPr>
+                        </a:p>
+                      </a:txBody>
+                      <a:tcPr/>
+                    </a:tc>
+                    <a:tc>
+                      <a:txBody>
+                        <a:bodyPr/>
+                        <a:lstStyle/>
+                        <a:p>
+                          <a:pPr algn="ctr"/>
+                          <a:r>
+                            <a:rPr lang="en-GB" dirty="0">
+                              <a:solidFill>
+                                <a:srgbClr val="FF0000"/>
+                              </a:solidFill>
+                            </a:rPr>
+                            <a:t>A</a:t>
+                          </a:r>
+                          <a:endParaRPr lang="en-SE" dirty="0">
+                            <a:solidFill>
+                              <a:srgbClr val="FF0000"/>
+                            </a:solidFill>
+                          </a:endParaRPr>
+                        </a:p>
+                      </a:txBody>
+                      <a:tcPr/>
+                    </a:tc>
+                    <a:extLst>
+                      <a:ext uri="{0D108BD9-81ED-4DB2-BD59-A6C34878D82A}">
+                        <a16:rowId xmlns:a16="http://schemas.microsoft.com/office/drawing/2014/main" val="616934466"/>
+                      </a:ext>
+                    </a:extLst>
+                  </a:tr>
+                  <a:tr h="370840">
+                    <a:tc>
+                      <a:txBody>
+                        <a:bodyPr/>
+                        <a:lstStyle/>
+                        <a:p>
+                          <a:pPr algn="ctr"/>
+                          <a:r>
+                            <a:rPr lang="en-US" dirty="0">
+                              <a:solidFill>
+                                <a:schemeClr val="tx1"/>
+                              </a:solidFill>
+                            </a:rPr>
+                            <a:t>C</a:t>
+                          </a:r>
+                          <a:endParaRPr lang="en-SE" dirty="0">
+                            <a:solidFill>
+                              <a:schemeClr val="tx1"/>
+                            </a:solidFill>
+                          </a:endParaRPr>
+                        </a:p>
+                      </a:txBody>
+                      <a:tcPr/>
+                    </a:tc>
+                    <a:tc>
+                      <a:txBody>
+                        <a:bodyPr/>
+                        <a:lstStyle/>
+                        <a:p>
+                          <a:pPr algn="ctr"/>
+                          <a:r>
+                            <a:rPr lang="en-GB" dirty="0">
+                              <a:solidFill>
+                                <a:srgbClr val="FF0000"/>
+                              </a:solidFill>
+                            </a:rPr>
+                            <a:t>1</a:t>
+                          </a:r>
+                          <a:endParaRPr lang="en-SE" dirty="0">
+                            <a:solidFill>
+                              <a:srgbClr val="FF0000"/>
+                            </a:solidFill>
+                          </a:endParaRPr>
+                        </a:p>
+                      </a:txBody>
+                      <a:tcPr/>
+                    </a:tc>
+                    <a:tc>
+                      <a:txBody>
+                        <a:bodyPr/>
+                        <a:lstStyle/>
+                        <a:p>
+                          <a:pPr algn="ctr"/>
+                          <a:r>
+                            <a:rPr lang="en-GB" dirty="0">
+                              <a:solidFill>
+                                <a:srgbClr val="FF0000"/>
+                              </a:solidFill>
+                            </a:rPr>
+                            <a:t>A</a:t>
+                          </a:r>
+                          <a:endParaRPr lang="en-SE" dirty="0">
+                            <a:solidFill>
+                              <a:srgbClr val="FF0000"/>
+                            </a:solidFill>
+                          </a:endParaRPr>
+                        </a:p>
+                      </a:txBody>
+                      <a:tcPr/>
+                    </a:tc>
+                    <a:extLst>
+                      <a:ext uri="{0D108BD9-81ED-4DB2-BD59-A6C34878D82A}">
+                        <a16:rowId xmlns:a16="http://schemas.microsoft.com/office/drawing/2014/main" val="3586663048"/>
+                      </a:ext>
+                    </a:extLst>
+                  </a:tr>
+                  <a:tr h="370840">
+                    <a:tc>
+                      <a:txBody>
+                        <a:bodyPr/>
+                        <a:lstStyle/>
+                        <a:p>
+                          <a:pPr algn="ctr"/>
+                          <a:r>
+                            <a:rPr lang="en-US" dirty="0"/>
+                            <a:t>D</a:t>
+                          </a:r>
+                          <a:endParaRPr lang="en-SE" dirty="0"/>
+                        </a:p>
+                      </a:txBody>
+                      <a:tcPr/>
+                    </a:tc>
+                    <a:tc>
+                      <a:txBody>
+                        <a:bodyPr/>
+                        <a:lstStyle/>
+                        <a:p>
+                          <a:pPr algn="ctr"/>
+                          <a14:m>
+                            <m:oMathPara xmlns:m="http://schemas.openxmlformats.org/officeDocument/2006/math">
+                              <m:oMathParaPr>
+                                <m:jc m:val="centerGroup"/>
+                              </m:oMathParaPr>
+                              <m:oMath xmlns:m="http://schemas.openxmlformats.org/officeDocument/2006/math">
+                                <m:r>
+                                  <a:rPr lang="en-GB" b="0" i="1" smtClean="0">
+                                    <a:latin typeface="Cambria Math" panose="02040503050406030204" pitchFamily="18" charset="0"/>
+                                  </a:rPr>
+                                  <m:t>∞</m:t>
+                                </m:r>
+                              </m:oMath>
+                            </m:oMathPara>
+                          </a14:m>
+                          <a:endParaRPr lang="en-SE" dirty="0"/>
+                        </a:p>
+                      </a:txBody>
+                      <a:tcPr/>
+                    </a:tc>
+                    <a:tc>
+                      <a:txBody>
+                        <a:bodyPr/>
+                        <a:lstStyle/>
+                        <a:p>
+                          <a:pPr algn="ctr"/>
+                          <a:endParaRPr lang="en-SE" dirty="0"/>
+                        </a:p>
+                      </a:txBody>
+                      <a:tcPr/>
+                    </a:tc>
+                    <a:extLst>
+                      <a:ext uri="{0D108BD9-81ED-4DB2-BD59-A6C34878D82A}">
+                        <a16:rowId xmlns:a16="http://schemas.microsoft.com/office/drawing/2014/main" val="2443210191"/>
+                      </a:ext>
+                    </a:extLst>
+                  </a:tr>
+                </a:tbl>
+              </a:graphicData>
+            </a:graphic>
+          </p:graphicFrame>
+        </mc:Choice>
+        <mc:Fallback xmlns="">
+          <p:graphicFrame>
+            <p:nvGraphicFramePr>
+              <p:cNvPr id="49" name="Content Placeholder 4">
+                <a:extLst>
+                  <a:ext uri="{FF2B5EF4-FFF2-40B4-BE49-F238E27FC236}">
+                    <a16:creationId xmlns:a16="http://schemas.microsoft.com/office/drawing/2014/main" id="{8670D5A9-C70D-9CDE-FC31-EDAD7E4180F4}"/>
+                  </a:ext>
+                </a:extLst>
+              </p:cNvPr>
+              <p:cNvGraphicFramePr>
+                <a:graphicFrameLocks/>
+              </p:cNvGraphicFramePr>
+              <p:nvPr>
+                <p:extLst>
+                  <p:ext uri="{D42A27DB-BD31-4B8C-83A1-F6EECF244321}">
+                    <p14:modId xmlns:p14="http://schemas.microsoft.com/office/powerpoint/2010/main" val="3399951804"/>
+                  </p:ext>
+                </p:extLst>
+              </p:nvPr>
+            </p:nvGraphicFramePr>
+            <p:xfrm>
+              <a:off x="2550700" y="2483936"/>
+              <a:ext cx="1408679" cy="1854200"/>
+            </p:xfrm>
+            <a:graphic>
+              <a:graphicData uri="http://schemas.openxmlformats.org/drawingml/2006/table">
+                <a:tbl>
+                  <a:tblPr firstRow="1" bandRow="1">
+                    <a:tableStyleId>{5C22544A-7EE6-4342-B048-85BDC9FD1C3A}</a:tableStyleId>
+                  </a:tblPr>
+                  <a:tblGrid>
+                    <a:gridCol w="461622">
+                      <a:extLst>
+                        <a:ext uri="{9D8B030D-6E8A-4147-A177-3AD203B41FA5}">
+                          <a16:colId xmlns:a16="http://schemas.microsoft.com/office/drawing/2014/main" val="1437393818"/>
+                        </a:ext>
+                      </a:extLst>
+                    </a:gridCol>
+                    <a:gridCol w="468086">
+                      <a:extLst>
+                        <a:ext uri="{9D8B030D-6E8A-4147-A177-3AD203B41FA5}">
+                          <a16:colId xmlns:a16="http://schemas.microsoft.com/office/drawing/2014/main" val="3865283362"/>
+                        </a:ext>
+                      </a:extLst>
+                    </a:gridCol>
+                    <a:gridCol w="478971">
+                      <a:extLst>
+                        <a:ext uri="{9D8B030D-6E8A-4147-A177-3AD203B41FA5}">
+                          <a16:colId xmlns:a16="http://schemas.microsoft.com/office/drawing/2014/main" val="2508205066"/>
+                        </a:ext>
+                      </a:extLst>
+                    </a:gridCol>
+                  </a:tblGrid>
+                  <a:tr h="370840">
+                    <a:tc>
+                      <a:txBody>
+                        <a:bodyPr/>
+                        <a:lstStyle/>
+                        <a:p>
+                          <a:pPr algn="ctr"/>
+                          <a:r>
+                            <a:rPr lang="en-US" dirty="0"/>
+                            <a:t>N</a:t>
+                          </a:r>
+                          <a:endParaRPr lang="en-SE" dirty="0"/>
+                        </a:p>
+                      </a:txBody>
+                      <a:tcPr/>
+                    </a:tc>
+                    <a:tc>
+                      <a:txBody>
+                        <a:bodyPr/>
+                        <a:lstStyle/>
+                        <a:p>
+                          <a:pPr algn="ctr"/>
+                          <a:r>
+                            <a:rPr lang="en-US" dirty="0"/>
+                            <a:t>SD</a:t>
+                          </a:r>
+                          <a:endParaRPr lang="en-SE" dirty="0"/>
+                        </a:p>
+                      </a:txBody>
+                      <a:tcPr/>
+                    </a:tc>
+                    <a:tc>
+                      <a:txBody>
+                        <a:bodyPr/>
+                        <a:lstStyle/>
+                        <a:p>
+                          <a:pPr algn="ctr"/>
+                          <a:r>
+                            <a:rPr lang="en-US" dirty="0"/>
+                            <a:t>PN</a:t>
+                          </a:r>
+                          <a:endParaRPr lang="en-SE" dirty="0"/>
+                        </a:p>
+                      </a:txBody>
+                      <a:tcPr/>
+                    </a:tc>
+                    <a:extLst>
+                      <a:ext uri="{0D108BD9-81ED-4DB2-BD59-A6C34878D82A}">
+                        <a16:rowId xmlns:a16="http://schemas.microsoft.com/office/drawing/2014/main" val="3515259906"/>
+                      </a:ext>
+                    </a:extLst>
+                  </a:tr>
+                  <a:tr h="370840">
+                    <a:tc>
+                      <a:txBody>
+                        <a:bodyPr/>
+                        <a:lstStyle/>
+                        <a:p>
+                          <a:pPr algn="ctr"/>
+                          <a:r>
+                            <a:rPr lang="en-US" altLang="zh-CN" dirty="0"/>
+                            <a:t>A</a:t>
+                          </a:r>
+                          <a:endParaRPr lang="en-SE" dirty="0"/>
+                        </a:p>
+                      </a:txBody>
+                      <a:tcPr/>
+                    </a:tc>
+                    <a:tc>
+                      <a:txBody>
+                        <a:bodyPr/>
+                        <a:lstStyle/>
+                        <a:p>
+                          <a:pPr algn="ctr"/>
+                          <a:r>
+                            <a:rPr lang="en-US" dirty="0"/>
+                            <a:t>0</a:t>
+                          </a:r>
+                          <a:endParaRPr lang="en-SE" dirty="0"/>
+                        </a:p>
+                      </a:txBody>
+                      <a:tcPr/>
+                    </a:tc>
+                    <a:tc>
+                      <a:txBody>
+                        <a:bodyPr/>
+                        <a:lstStyle/>
+                        <a:p>
+                          <a:pPr algn="ctr"/>
+                          <a:endParaRPr lang="en-SE" dirty="0"/>
+                        </a:p>
+                      </a:txBody>
+                      <a:tcPr/>
+                    </a:tc>
+                    <a:extLst>
+                      <a:ext uri="{0D108BD9-81ED-4DB2-BD59-A6C34878D82A}">
+                        <a16:rowId xmlns:a16="http://schemas.microsoft.com/office/drawing/2014/main" val="3762638117"/>
+                      </a:ext>
+                    </a:extLst>
+                  </a:tr>
+                  <a:tr h="370840">
+                    <a:tc>
+                      <a:txBody>
+                        <a:bodyPr/>
+                        <a:lstStyle/>
+                        <a:p>
+                          <a:pPr algn="ctr"/>
+                          <a:r>
+                            <a:rPr lang="en-US" dirty="0">
+                              <a:solidFill>
+                                <a:schemeClr val="tx1"/>
+                              </a:solidFill>
+                            </a:rPr>
+                            <a:t>B</a:t>
+                          </a:r>
+                          <a:endParaRPr lang="en-SE" dirty="0">
+                            <a:solidFill>
+                              <a:schemeClr val="tx1"/>
+                            </a:solidFill>
+                          </a:endParaRPr>
+                        </a:p>
+                      </a:txBody>
+                      <a:tcPr/>
+                    </a:tc>
+                    <a:tc>
+                      <a:txBody>
+                        <a:bodyPr/>
+                        <a:lstStyle/>
+                        <a:p>
+                          <a:pPr algn="ctr"/>
+                          <a:r>
+                            <a:rPr lang="en-GB" dirty="0">
+                              <a:solidFill>
+                                <a:srgbClr val="FF0000"/>
+                              </a:solidFill>
+                            </a:rPr>
+                            <a:t>10</a:t>
+                          </a:r>
+                          <a:endParaRPr lang="en-SE" dirty="0">
+                            <a:solidFill>
+                              <a:srgbClr val="FF0000"/>
+                            </a:solidFill>
+                          </a:endParaRPr>
+                        </a:p>
+                      </a:txBody>
+                      <a:tcPr/>
+                    </a:tc>
+                    <a:tc>
+                      <a:txBody>
+                        <a:bodyPr/>
+                        <a:lstStyle/>
+                        <a:p>
+                          <a:pPr algn="ctr"/>
+                          <a:r>
+                            <a:rPr lang="en-GB" dirty="0">
+                              <a:solidFill>
+                                <a:srgbClr val="FF0000"/>
+                              </a:solidFill>
+                            </a:rPr>
+                            <a:t>A</a:t>
+                          </a:r>
+                          <a:endParaRPr lang="en-SE" dirty="0">
+                            <a:solidFill>
+                              <a:srgbClr val="FF0000"/>
+                            </a:solidFill>
+                          </a:endParaRPr>
+                        </a:p>
+                      </a:txBody>
+                      <a:tcPr/>
+                    </a:tc>
+                    <a:extLst>
+                      <a:ext uri="{0D108BD9-81ED-4DB2-BD59-A6C34878D82A}">
+                        <a16:rowId xmlns:a16="http://schemas.microsoft.com/office/drawing/2014/main" val="616934466"/>
+                      </a:ext>
+                    </a:extLst>
+                  </a:tr>
+                  <a:tr h="370840">
+                    <a:tc>
+                      <a:txBody>
+                        <a:bodyPr/>
+                        <a:lstStyle/>
+                        <a:p>
+                          <a:pPr algn="ctr"/>
+                          <a:r>
+                            <a:rPr lang="en-US" dirty="0">
+                              <a:solidFill>
+                                <a:schemeClr val="tx1"/>
+                              </a:solidFill>
+                            </a:rPr>
+                            <a:t>C</a:t>
+                          </a:r>
+                          <a:endParaRPr lang="en-SE" dirty="0">
+                            <a:solidFill>
+                              <a:schemeClr val="tx1"/>
+                            </a:solidFill>
+                          </a:endParaRPr>
+                        </a:p>
+                      </a:txBody>
+                      <a:tcPr/>
+                    </a:tc>
+                    <a:tc>
+                      <a:txBody>
+                        <a:bodyPr/>
+                        <a:lstStyle/>
+                        <a:p>
+                          <a:pPr algn="ctr"/>
+                          <a:r>
+                            <a:rPr lang="en-GB" dirty="0">
+                              <a:solidFill>
+                                <a:srgbClr val="FF0000"/>
+                              </a:solidFill>
+                            </a:rPr>
+                            <a:t>1</a:t>
+                          </a:r>
+                          <a:endParaRPr lang="en-SE" dirty="0">
+                            <a:solidFill>
+                              <a:srgbClr val="FF0000"/>
+                            </a:solidFill>
+                          </a:endParaRPr>
+                        </a:p>
+                      </a:txBody>
+                      <a:tcPr/>
+                    </a:tc>
+                    <a:tc>
+                      <a:txBody>
+                        <a:bodyPr/>
+                        <a:lstStyle/>
+                        <a:p>
+                          <a:pPr algn="ctr"/>
+                          <a:r>
+                            <a:rPr lang="en-GB" dirty="0">
+                              <a:solidFill>
+                                <a:srgbClr val="FF0000"/>
+                              </a:solidFill>
+                            </a:rPr>
+                            <a:t>A</a:t>
+                          </a:r>
+                          <a:endParaRPr lang="en-SE" dirty="0">
+                            <a:solidFill>
+                              <a:srgbClr val="FF0000"/>
+                            </a:solidFill>
+                          </a:endParaRPr>
+                        </a:p>
+                      </a:txBody>
+                      <a:tcPr/>
+                    </a:tc>
+                    <a:extLst>
+                      <a:ext uri="{0D108BD9-81ED-4DB2-BD59-A6C34878D82A}">
+                        <a16:rowId xmlns:a16="http://schemas.microsoft.com/office/drawing/2014/main" val="3586663048"/>
+                      </a:ext>
+                    </a:extLst>
+                  </a:tr>
+                  <a:tr h="370840">
+                    <a:tc>
+                      <a:txBody>
+                        <a:bodyPr/>
+                        <a:lstStyle/>
+                        <a:p>
+                          <a:pPr algn="ctr"/>
+                          <a:r>
+                            <a:rPr lang="en-US" dirty="0"/>
+                            <a:t>D</a:t>
+                          </a:r>
+                          <a:endParaRPr lang="en-SE" dirty="0"/>
+                        </a:p>
+                      </a:txBody>
+                      <a:tcPr/>
+                    </a:tc>
+                    <a:tc>
+                      <a:txBody>
+                        <a:bodyPr/>
+                        <a:lstStyle/>
+                        <a:p>
+                          <a:endParaRPr lang="en-SE"/>
+                        </a:p>
+                      </a:txBody>
+                      <a:tcPr>
+                        <a:blipFill>
+                          <a:blip r:embed="rId4"/>
+                          <a:stretch>
+                            <a:fillRect l="-100000" t="-408197" r="-107792" b="-24590"/>
+                          </a:stretch>
+                        </a:blipFill>
+                      </a:tcPr>
+                    </a:tc>
+                    <a:tc>
+                      <a:txBody>
+                        <a:bodyPr/>
+                        <a:lstStyle/>
+                        <a:p>
+                          <a:pPr algn="ctr"/>
+                          <a:endParaRPr lang="en-SE" dirty="0"/>
+                        </a:p>
+                      </a:txBody>
+                      <a:tcPr/>
+                    </a:tc>
+                    <a:extLst>
+                      <a:ext uri="{0D108BD9-81ED-4DB2-BD59-A6C34878D82A}">
+                        <a16:rowId xmlns:a16="http://schemas.microsoft.com/office/drawing/2014/main" val="2443210191"/>
+                      </a:ext>
+                    </a:extLst>
+                  </a:tr>
+                </a:tbl>
+              </a:graphicData>
+            </a:graphic>
+          </p:graphicFrame>
+        </mc:Fallback>
+      </mc:AlternateContent>
+      <p:graphicFrame>
+        <p:nvGraphicFramePr>
+          <p:cNvPr id="50" name="Content Placeholder 4">
+            <a:extLst>
+              <a:ext uri="{FF2B5EF4-FFF2-40B4-BE49-F238E27FC236}">
+                <a16:creationId xmlns:a16="http://schemas.microsoft.com/office/drawing/2014/main" id="{7BF4354D-E131-F5C7-A4FF-4329ADC983E3}"/>
+              </a:ext>
+            </a:extLst>
+          </p:cNvPr>
+          <p:cNvGraphicFramePr>
+            <a:graphicFrameLocks/>
+          </p:cNvGraphicFramePr>
+          <p:nvPr>
+            <p:extLst>
+              <p:ext uri="{D42A27DB-BD31-4B8C-83A1-F6EECF244321}">
+                <p14:modId xmlns:p14="http://schemas.microsoft.com/office/powerpoint/2010/main" val="4167627829"/>
+              </p:ext>
+            </p:extLst>
+          </p:nvPr>
+        </p:nvGraphicFramePr>
+        <p:xfrm>
+          <a:off x="5038874" y="2498615"/>
+          <a:ext cx="1408679" cy="1854200"/>
+        </p:xfrm>
+        <a:graphic>
+          <a:graphicData uri="http://schemas.openxmlformats.org/drawingml/2006/table">
+            <a:tbl>
+              <a:tblPr firstRow="1" bandRow="1">
+                <a:tableStyleId>{5C22544A-7EE6-4342-B048-85BDC9FD1C3A}</a:tableStyleId>
+              </a:tblPr>
+              <a:tblGrid>
+                <a:gridCol w="461622">
+                  <a:extLst>
+                    <a:ext uri="{9D8B030D-6E8A-4147-A177-3AD203B41FA5}">
+                      <a16:colId xmlns:a16="http://schemas.microsoft.com/office/drawing/2014/main" val="1437393818"/>
+                    </a:ext>
+                  </a:extLst>
+                </a:gridCol>
+                <a:gridCol w="468086">
+                  <a:extLst>
+                    <a:ext uri="{9D8B030D-6E8A-4147-A177-3AD203B41FA5}">
+                      <a16:colId xmlns:a16="http://schemas.microsoft.com/office/drawing/2014/main" val="3865283362"/>
+                    </a:ext>
+                  </a:extLst>
+                </a:gridCol>
+                <a:gridCol w="478971">
+                  <a:extLst>
+                    <a:ext uri="{9D8B030D-6E8A-4147-A177-3AD203B41FA5}">
+                      <a16:colId xmlns:a16="http://schemas.microsoft.com/office/drawing/2014/main" val="2508205066"/>
+                    </a:ext>
+                  </a:extLst>
+                </a:gridCol>
+              </a:tblGrid>
+              <a:tr h="370840">
+                <a:tc>
+                  <a:txBody>
+                    <a:bodyPr/>
+                    <a:lstStyle/>
+                    <a:p>
+                      <a:pPr algn="ctr"/>
+                      <a:r>
+                        <a:rPr lang="en-US" dirty="0"/>
+                        <a:t>N</a:t>
+                      </a:r>
+                      <a:endParaRPr lang="en-SE" dirty="0"/>
+                    </a:p>
+                  </a:txBody>
+                  <a:tcPr/>
+                </a:tc>
+                <a:tc>
+                  <a:txBody>
+                    <a:bodyPr/>
+                    <a:lstStyle/>
+                    <a:p>
+                      <a:pPr algn="ctr"/>
+                      <a:r>
+                        <a:rPr lang="en-US" dirty="0"/>
+                        <a:t>SD</a:t>
+                      </a:r>
+                      <a:endParaRPr lang="en-SE" dirty="0"/>
+                    </a:p>
+                  </a:txBody>
+                  <a:tcPr/>
+                </a:tc>
+                <a:tc>
+                  <a:txBody>
+                    <a:bodyPr/>
+                    <a:lstStyle/>
+                    <a:p>
+                      <a:pPr algn="ctr"/>
+                      <a:r>
+                        <a:rPr lang="en-US" dirty="0"/>
+                        <a:t>PN</a:t>
+                      </a:r>
+                      <a:endParaRPr lang="en-SE" dirty="0"/>
+                    </a:p>
+                  </a:txBody>
+                  <a:tcPr/>
+                </a:tc>
+                <a:extLst>
+                  <a:ext uri="{0D108BD9-81ED-4DB2-BD59-A6C34878D82A}">
+                    <a16:rowId xmlns:a16="http://schemas.microsoft.com/office/drawing/2014/main" val="3515259906"/>
+                  </a:ext>
+                </a:extLst>
+              </a:tr>
+              <a:tr h="370840">
+                <a:tc>
+                  <a:txBody>
+                    <a:bodyPr/>
+                    <a:lstStyle/>
+                    <a:p>
+                      <a:pPr algn="ctr"/>
+                      <a:r>
+                        <a:rPr lang="en-US" altLang="zh-CN" dirty="0"/>
+                        <a:t>A</a:t>
+                      </a:r>
+                      <a:endParaRPr lang="en-SE" dirty="0"/>
+                    </a:p>
+                  </a:txBody>
+                  <a:tcPr/>
+                </a:tc>
+                <a:tc>
+                  <a:txBody>
+                    <a:bodyPr/>
+                    <a:lstStyle/>
+                    <a:p>
+                      <a:pPr algn="ctr"/>
+                      <a:r>
+                        <a:rPr lang="en-US" dirty="0"/>
+                        <a:t>0</a:t>
+                      </a:r>
+                      <a:endParaRPr lang="en-SE" dirty="0"/>
+                    </a:p>
+                  </a:txBody>
+                  <a:tcPr/>
+                </a:tc>
+                <a:tc>
+                  <a:txBody>
+                    <a:bodyPr/>
+                    <a:lstStyle/>
+                    <a:p>
+                      <a:pPr algn="ctr"/>
+                      <a:endParaRPr lang="en-SE" dirty="0"/>
+                    </a:p>
+                  </a:txBody>
+                  <a:tcPr/>
+                </a:tc>
+                <a:extLst>
+                  <a:ext uri="{0D108BD9-81ED-4DB2-BD59-A6C34878D82A}">
+                    <a16:rowId xmlns:a16="http://schemas.microsoft.com/office/drawing/2014/main" val="3762638117"/>
+                  </a:ext>
+                </a:extLst>
+              </a:tr>
+              <a:tr h="370840">
+                <a:tc>
+                  <a:txBody>
+                    <a:bodyPr/>
+                    <a:lstStyle/>
+                    <a:p>
+                      <a:pPr algn="ctr"/>
+                      <a:r>
+                        <a:rPr lang="en-US" dirty="0"/>
+                        <a:t>B</a:t>
+                      </a:r>
+                      <a:endParaRPr lang="en-SE" dirty="0"/>
+                    </a:p>
+                  </a:txBody>
+                  <a:tcPr/>
+                </a:tc>
+                <a:tc>
+                  <a:txBody>
+                    <a:bodyPr/>
+                    <a:lstStyle/>
+                    <a:p>
+                      <a:pPr algn="ctr"/>
+                      <a:r>
+                        <a:rPr lang="en-GB" dirty="0"/>
+                        <a:t>10</a:t>
+                      </a:r>
+                      <a:endParaRPr lang="en-SE" dirty="0"/>
+                    </a:p>
+                  </a:txBody>
+                  <a:tcPr/>
+                </a:tc>
+                <a:tc>
+                  <a:txBody>
+                    <a:bodyPr/>
+                    <a:lstStyle/>
+                    <a:p>
+                      <a:pPr algn="ctr"/>
+                      <a:r>
+                        <a:rPr lang="en-GB" dirty="0"/>
+                        <a:t>A</a:t>
+                      </a:r>
+                      <a:endParaRPr lang="en-SE" dirty="0"/>
+                    </a:p>
+                  </a:txBody>
+                  <a:tcPr/>
+                </a:tc>
+                <a:extLst>
+                  <a:ext uri="{0D108BD9-81ED-4DB2-BD59-A6C34878D82A}">
+                    <a16:rowId xmlns:a16="http://schemas.microsoft.com/office/drawing/2014/main" val="616934466"/>
+                  </a:ext>
+                </a:extLst>
+              </a:tr>
+              <a:tr h="370840">
+                <a:tc>
+                  <a:txBody>
+                    <a:bodyPr/>
+                    <a:lstStyle/>
+                    <a:p>
+                      <a:pPr algn="ctr"/>
+                      <a:r>
+                        <a:rPr lang="en-US" dirty="0"/>
+                        <a:t>C</a:t>
+                      </a:r>
+                      <a:endParaRPr lang="en-SE" dirty="0"/>
+                    </a:p>
+                  </a:txBody>
+                  <a:tcPr/>
+                </a:tc>
+                <a:tc>
+                  <a:txBody>
+                    <a:bodyPr/>
+                    <a:lstStyle/>
+                    <a:p>
+                      <a:pPr algn="ctr"/>
+                      <a:r>
+                        <a:rPr lang="en-GB" dirty="0"/>
+                        <a:t>1</a:t>
+                      </a:r>
+                      <a:endParaRPr lang="en-SE" dirty="0"/>
+                    </a:p>
+                  </a:txBody>
+                  <a:tcPr/>
+                </a:tc>
+                <a:tc>
+                  <a:txBody>
+                    <a:bodyPr/>
+                    <a:lstStyle/>
+                    <a:p>
+                      <a:pPr algn="ctr"/>
+                      <a:r>
+                        <a:rPr lang="en-GB" dirty="0"/>
+                        <a:t>A</a:t>
+                      </a:r>
+                      <a:endParaRPr lang="en-SE" dirty="0"/>
+                    </a:p>
+                  </a:txBody>
+                  <a:tcPr/>
+                </a:tc>
+                <a:extLst>
+                  <a:ext uri="{0D108BD9-81ED-4DB2-BD59-A6C34878D82A}">
+                    <a16:rowId xmlns:a16="http://schemas.microsoft.com/office/drawing/2014/main" val="3586663048"/>
+                  </a:ext>
+                </a:extLst>
+              </a:tr>
+              <a:tr h="370840">
+                <a:tc>
+                  <a:txBody>
+                    <a:bodyPr/>
+                    <a:lstStyle/>
+                    <a:p>
+                      <a:pPr algn="ctr"/>
+                      <a:r>
+                        <a:rPr lang="en-US" dirty="0">
+                          <a:solidFill>
+                            <a:schemeClr val="tx1"/>
+                          </a:solidFill>
+                        </a:rPr>
+                        <a:t>D</a:t>
+                      </a:r>
+                      <a:endParaRPr lang="en-SE" dirty="0">
+                        <a:solidFill>
+                          <a:schemeClr val="tx1"/>
+                        </a:solidFill>
+                      </a:endParaRPr>
+                    </a:p>
+                  </a:txBody>
+                  <a:tcPr/>
+                </a:tc>
+                <a:tc>
+                  <a:txBody>
+                    <a:bodyPr/>
+                    <a:lstStyle/>
+                    <a:p>
+                      <a:pPr algn="ctr"/>
+                      <a:r>
+                        <a:rPr lang="en-GB" dirty="0">
+                          <a:solidFill>
+                            <a:srgbClr val="FF0000"/>
+                          </a:solidFill>
+                        </a:rPr>
+                        <a:t>2</a:t>
+                      </a:r>
+                      <a:endParaRPr lang="en-SE" dirty="0">
+                        <a:solidFill>
+                          <a:srgbClr val="FF0000"/>
+                        </a:solidFill>
+                      </a:endParaRPr>
+                    </a:p>
+                  </a:txBody>
+                  <a:tcPr/>
+                </a:tc>
+                <a:tc>
+                  <a:txBody>
+                    <a:bodyPr/>
+                    <a:lstStyle/>
+                    <a:p>
+                      <a:pPr algn="ctr"/>
+                      <a:r>
+                        <a:rPr lang="en-GB" dirty="0">
+                          <a:solidFill>
+                            <a:srgbClr val="FF0000"/>
+                          </a:solidFill>
+                        </a:rPr>
+                        <a:t>C</a:t>
+                      </a:r>
+                      <a:endParaRPr lang="en-SE" dirty="0">
+                        <a:solidFill>
+                          <a:srgbClr val="FF0000"/>
+                        </a:solidFill>
+                      </a:endParaRPr>
+                    </a:p>
+                  </a:txBody>
+                  <a:tcPr/>
+                </a:tc>
+                <a:extLst>
+                  <a:ext uri="{0D108BD9-81ED-4DB2-BD59-A6C34878D82A}">
+                    <a16:rowId xmlns:a16="http://schemas.microsoft.com/office/drawing/2014/main" val="2443210191"/>
+                  </a:ext>
+                </a:extLst>
+              </a:tr>
+            </a:tbl>
+          </a:graphicData>
+        </a:graphic>
+      </p:graphicFrame>
+      <p:sp>
+        <p:nvSpPr>
+          <p:cNvPr id="51" name="Arrow: Right 50">
+            <a:extLst>
+              <a:ext uri="{FF2B5EF4-FFF2-40B4-BE49-F238E27FC236}">
+                <a16:creationId xmlns:a16="http://schemas.microsoft.com/office/drawing/2014/main" id="{98AB2999-6ABA-494B-19D3-9F866C33BB03}"/>
+              </a:ext>
+            </a:extLst>
+          </p:cNvPr>
+          <p:cNvSpPr/>
+          <p:nvPr/>
+        </p:nvSpPr>
+        <p:spPr>
+          <a:xfrm>
+            <a:off x="6588794" y="3186188"/>
+            <a:ext cx="797013" cy="369332"/>
+          </a:xfrm>
+          <a:prstGeom prst="rightArrow">
+            <a:avLst/>
+          </a:prstGeom>
+        </p:spPr>
+        <p:style>
+          <a:lnRef idx="1">
+            <a:schemeClr val="accent1"/>
+          </a:lnRef>
+          <a:fillRef idx="3">
+            <a:schemeClr val="accent1"/>
+          </a:fillRef>
+          <a:effectRef idx="2">
+            <a:schemeClr val="accent1"/>
+          </a:effectRef>
+          <a:fontRef idx="minor">
+            <a:schemeClr val="lt1"/>
+          </a:fontRef>
+        </p:style>
+        <p:txBody>
+          <a:bodyPr rtlCol="0" anchor="ctr"/>
+          <a:lstStyle/>
+          <a:p>
+            <a:pPr algn="ctr"/>
+            <a:endParaRPr lang="en-SE"/>
+          </a:p>
+        </p:txBody>
+      </p:sp>
+      <p:sp>
+        <p:nvSpPr>
+          <p:cNvPr id="52" name="TextBox 51">
+            <a:extLst>
+              <a:ext uri="{FF2B5EF4-FFF2-40B4-BE49-F238E27FC236}">
+                <a16:creationId xmlns:a16="http://schemas.microsoft.com/office/drawing/2014/main" id="{4D22245F-82BA-F42C-00E1-0C58B32BF658}"/>
+              </a:ext>
+            </a:extLst>
+          </p:cNvPr>
+          <p:cNvSpPr txBox="1"/>
+          <p:nvPr/>
+        </p:nvSpPr>
+        <p:spPr>
+          <a:xfrm>
+            <a:off x="6583118" y="2884130"/>
+            <a:ext cx="784189" cy="369332"/>
+          </a:xfrm>
+          <a:prstGeom prst="rect">
+            <a:avLst/>
+          </a:prstGeom>
+          <a:noFill/>
+        </p:spPr>
+        <p:txBody>
+          <a:bodyPr wrap="none" rtlCol="0">
+            <a:spAutoFit/>
+          </a:bodyPr>
+          <a:lstStyle/>
+          <a:p>
+            <a:pPr algn="ctr"/>
+            <a:r>
+              <a:rPr lang="en-GB" dirty="0"/>
+              <a:t>Visit D</a:t>
+            </a:r>
+            <a:endParaRPr lang="en-SE" dirty="0"/>
+          </a:p>
+        </p:txBody>
+      </p:sp>
+      <p:graphicFrame>
+        <p:nvGraphicFramePr>
+          <p:cNvPr id="53" name="Content Placeholder 4">
+            <a:extLst>
+              <a:ext uri="{FF2B5EF4-FFF2-40B4-BE49-F238E27FC236}">
+                <a16:creationId xmlns:a16="http://schemas.microsoft.com/office/drawing/2014/main" id="{6AE4D719-A18C-753B-272B-40461DA50491}"/>
+              </a:ext>
+            </a:extLst>
+          </p:cNvPr>
+          <p:cNvGraphicFramePr>
+            <a:graphicFrameLocks/>
+          </p:cNvGraphicFramePr>
+          <p:nvPr>
+            <p:extLst>
+              <p:ext uri="{D42A27DB-BD31-4B8C-83A1-F6EECF244321}">
+                <p14:modId xmlns:p14="http://schemas.microsoft.com/office/powerpoint/2010/main" val="683310590"/>
+              </p:ext>
+            </p:extLst>
+          </p:nvPr>
+        </p:nvGraphicFramePr>
+        <p:xfrm>
+          <a:off x="7527048" y="2483936"/>
+          <a:ext cx="1408679" cy="1854200"/>
+        </p:xfrm>
+        <a:graphic>
+          <a:graphicData uri="http://schemas.openxmlformats.org/drawingml/2006/table">
+            <a:tbl>
+              <a:tblPr firstRow="1" bandRow="1">
+                <a:tableStyleId>{5C22544A-7EE6-4342-B048-85BDC9FD1C3A}</a:tableStyleId>
+              </a:tblPr>
+              <a:tblGrid>
+                <a:gridCol w="461622">
+                  <a:extLst>
+                    <a:ext uri="{9D8B030D-6E8A-4147-A177-3AD203B41FA5}">
+                      <a16:colId xmlns:a16="http://schemas.microsoft.com/office/drawing/2014/main" val="1437393818"/>
+                    </a:ext>
+                  </a:extLst>
+                </a:gridCol>
+                <a:gridCol w="468086">
+                  <a:extLst>
+                    <a:ext uri="{9D8B030D-6E8A-4147-A177-3AD203B41FA5}">
+                      <a16:colId xmlns:a16="http://schemas.microsoft.com/office/drawing/2014/main" val="3865283362"/>
+                    </a:ext>
+                  </a:extLst>
+                </a:gridCol>
+                <a:gridCol w="478971">
+                  <a:extLst>
+                    <a:ext uri="{9D8B030D-6E8A-4147-A177-3AD203B41FA5}">
+                      <a16:colId xmlns:a16="http://schemas.microsoft.com/office/drawing/2014/main" val="2508205066"/>
+                    </a:ext>
+                  </a:extLst>
+                </a:gridCol>
+              </a:tblGrid>
+              <a:tr h="370840">
+                <a:tc>
+                  <a:txBody>
+                    <a:bodyPr/>
+                    <a:lstStyle/>
+                    <a:p>
+                      <a:pPr algn="ctr"/>
+                      <a:r>
+                        <a:rPr lang="en-US" dirty="0"/>
+                        <a:t>N</a:t>
+                      </a:r>
+                      <a:endParaRPr lang="en-SE" dirty="0"/>
+                    </a:p>
+                  </a:txBody>
+                  <a:tcPr/>
+                </a:tc>
+                <a:tc>
+                  <a:txBody>
+                    <a:bodyPr/>
+                    <a:lstStyle/>
+                    <a:p>
+                      <a:pPr algn="ctr"/>
+                      <a:r>
+                        <a:rPr lang="en-US" dirty="0"/>
+                        <a:t>SD</a:t>
+                      </a:r>
+                      <a:endParaRPr lang="en-SE" dirty="0"/>
+                    </a:p>
+                  </a:txBody>
+                  <a:tcPr/>
+                </a:tc>
+                <a:tc>
+                  <a:txBody>
+                    <a:bodyPr/>
+                    <a:lstStyle/>
+                    <a:p>
+                      <a:pPr algn="ctr"/>
+                      <a:r>
+                        <a:rPr lang="en-US" dirty="0"/>
+                        <a:t>PN</a:t>
+                      </a:r>
+                      <a:endParaRPr lang="en-SE" dirty="0"/>
+                    </a:p>
+                  </a:txBody>
+                  <a:tcPr/>
+                </a:tc>
+                <a:extLst>
+                  <a:ext uri="{0D108BD9-81ED-4DB2-BD59-A6C34878D82A}">
+                    <a16:rowId xmlns:a16="http://schemas.microsoft.com/office/drawing/2014/main" val="3515259906"/>
+                  </a:ext>
+                </a:extLst>
+              </a:tr>
+              <a:tr h="370840">
+                <a:tc>
+                  <a:txBody>
+                    <a:bodyPr/>
+                    <a:lstStyle/>
+                    <a:p>
+                      <a:pPr algn="ctr"/>
+                      <a:r>
+                        <a:rPr lang="en-US" altLang="zh-CN" dirty="0"/>
+                        <a:t>A</a:t>
+                      </a:r>
+                      <a:endParaRPr lang="en-SE" dirty="0"/>
+                    </a:p>
+                  </a:txBody>
+                  <a:tcPr/>
+                </a:tc>
+                <a:tc>
+                  <a:txBody>
+                    <a:bodyPr/>
+                    <a:lstStyle/>
+                    <a:p>
+                      <a:pPr algn="ctr"/>
+                      <a:r>
+                        <a:rPr lang="en-US" dirty="0"/>
+                        <a:t>0</a:t>
+                      </a:r>
+                      <a:endParaRPr lang="en-SE" dirty="0"/>
+                    </a:p>
+                  </a:txBody>
+                  <a:tcPr/>
+                </a:tc>
+                <a:tc>
+                  <a:txBody>
+                    <a:bodyPr/>
+                    <a:lstStyle/>
+                    <a:p>
+                      <a:pPr algn="ctr"/>
+                      <a:endParaRPr lang="en-SE" dirty="0"/>
+                    </a:p>
+                  </a:txBody>
+                  <a:tcPr/>
+                </a:tc>
+                <a:extLst>
+                  <a:ext uri="{0D108BD9-81ED-4DB2-BD59-A6C34878D82A}">
+                    <a16:rowId xmlns:a16="http://schemas.microsoft.com/office/drawing/2014/main" val="3762638117"/>
+                  </a:ext>
+                </a:extLst>
+              </a:tr>
+              <a:tr h="370840">
+                <a:tc>
+                  <a:txBody>
+                    <a:bodyPr/>
+                    <a:lstStyle/>
+                    <a:p>
+                      <a:pPr algn="ctr"/>
+                      <a:r>
+                        <a:rPr lang="en-US" dirty="0"/>
+                        <a:t>B</a:t>
+                      </a:r>
+                      <a:endParaRPr lang="en-SE" dirty="0"/>
+                    </a:p>
+                  </a:txBody>
+                  <a:tcPr/>
+                </a:tc>
+                <a:tc>
+                  <a:txBody>
+                    <a:bodyPr/>
+                    <a:lstStyle/>
+                    <a:p>
+                      <a:pPr algn="ctr"/>
+                      <a:r>
+                        <a:rPr lang="en-GB" dirty="0"/>
+                        <a:t>10</a:t>
+                      </a:r>
+                      <a:endParaRPr lang="en-SE" dirty="0"/>
+                    </a:p>
+                  </a:txBody>
+                  <a:tcPr/>
+                </a:tc>
+                <a:tc>
+                  <a:txBody>
+                    <a:bodyPr/>
+                    <a:lstStyle/>
+                    <a:p>
+                      <a:pPr algn="ctr"/>
+                      <a:r>
+                        <a:rPr lang="en-GB" dirty="0"/>
+                        <a:t>A</a:t>
+                      </a:r>
+                      <a:endParaRPr lang="en-SE" dirty="0"/>
+                    </a:p>
+                  </a:txBody>
+                  <a:tcPr/>
+                </a:tc>
+                <a:extLst>
+                  <a:ext uri="{0D108BD9-81ED-4DB2-BD59-A6C34878D82A}">
+                    <a16:rowId xmlns:a16="http://schemas.microsoft.com/office/drawing/2014/main" val="616934466"/>
+                  </a:ext>
+                </a:extLst>
+              </a:tr>
+              <a:tr h="370840">
+                <a:tc>
+                  <a:txBody>
+                    <a:bodyPr/>
+                    <a:lstStyle/>
+                    <a:p>
+                      <a:pPr algn="ctr"/>
+                      <a:r>
+                        <a:rPr lang="en-US" dirty="0"/>
+                        <a:t>C</a:t>
+                      </a:r>
+                      <a:endParaRPr lang="en-SE" dirty="0"/>
+                    </a:p>
+                  </a:txBody>
+                  <a:tcPr/>
+                </a:tc>
+                <a:tc>
+                  <a:txBody>
+                    <a:bodyPr/>
+                    <a:lstStyle/>
+                    <a:p>
+                      <a:pPr algn="ctr"/>
+                      <a:r>
+                        <a:rPr lang="en-GB" dirty="0"/>
+                        <a:t>1</a:t>
+                      </a:r>
+                      <a:endParaRPr lang="en-SE" dirty="0"/>
+                    </a:p>
+                  </a:txBody>
+                  <a:tcPr/>
+                </a:tc>
+                <a:tc>
+                  <a:txBody>
+                    <a:bodyPr/>
+                    <a:lstStyle/>
+                    <a:p>
+                      <a:pPr algn="ctr"/>
+                      <a:r>
+                        <a:rPr lang="en-GB" dirty="0"/>
+                        <a:t>A</a:t>
+                      </a:r>
+                      <a:endParaRPr lang="en-SE" dirty="0"/>
+                    </a:p>
+                  </a:txBody>
+                  <a:tcPr/>
+                </a:tc>
+                <a:extLst>
+                  <a:ext uri="{0D108BD9-81ED-4DB2-BD59-A6C34878D82A}">
+                    <a16:rowId xmlns:a16="http://schemas.microsoft.com/office/drawing/2014/main" val="3586663048"/>
+                  </a:ext>
+                </a:extLst>
+              </a:tr>
+              <a:tr h="370840">
+                <a:tc>
+                  <a:txBody>
+                    <a:bodyPr/>
+                    <a:lstStyle/>
+                    <a:p>
+                      <a:pPr algn="ctr"/>
+                      <a:r>
+                        <a:rPr lang="en-US" dirty="0">
+                          <a:solidFill>
+                            <a:schemeClr val="tx1"/>
+                          </a:solidFill>
+                        </a:rPr>
+                        <a:t>D</a:t>
+                      </a:r>
+                      <a:endParaRPr lang="en-SE" dirty="0">
+                        <a:solidFill>
+                          <a:schemeClr val="tx1"/>
+                        </a:solidFill>
+                      </a:endParaRPr>
+                    </a:p>
+                  </a:txBody>
+                  <a:tcPr/>
+                </a:tc>
+                <a:tc>
+                  <a:txBody>
+                    <a:bodyPr/>
+                    <a:lstStyle/>
+                    <a:p>
+                      <a:pPr algn="ctr"/>
+                      <a:r>
+                        <a:rPr lang="en-GB" dirty="0">
+                          <a:solidFill>
+                            <a:schemeClr val="tx1"/>
+                          </a:solidFill>
+                        </a:rPr>
+                        <a:t>2</a:t>
+                      </a:r>
+                      <a:endParaRPr lang="en-SE" dirty="0">
+                        <a:solidFill>
+                          <a:schemeClr val="tx1"/>
+                        </a:solidFill>
+                      </a:endParaRPr>
+                    </a:p>
+                  </a:txBody>
+                  <a:tcPr/>
+                </a:tc>
+                <a:tc>
+                  <a:txBody>
+                    <a:bodyPr/>
+                    <a:lstStyle/>
+                    <a:p>
+                      <a:pPr algn="ctr"/>
+                      <a:r>
+                        <a:rPr lang="en-GB" dirty="0">
+                          <a:solidFill>
+                            <a:schemeClr val="tx1"/>
+                          </a:solidFill>
+                        </a:rPr>
+                        <a:t>C</a:t>
+                      </a:r>
+                      <a:endParaRPr lang="en-SE" dirty="0">
+                        <a:solidFill>
+                          <a:schemeClr val="tx1"/>
+                        </a:solidFill>
+                      </a:endParaRPr>
+                    </a:p>
+                  </a:txBody>
+                  <a:tcPr/>
+                </a:tc>
+                <a:extLst>
+                  <a:ext uri="{0D108BD9-81ED-4DB2-BD59-A6C34878D82A}">
+                    <a16:rowId xmlns:a16="http://schemas.microsoft.com/office/drawing/2014/main" val="2443210191"/>
+                  </a:ext>
+                </a:extLst>
+              </a:tr>
+            </a:tbl>
+          </a:graphicData>
+        </a:graphic>
+      </p:graphicFrame>
+      <p:graphicFrame>
+        <p:nvGraphicFramePr>
+          <p:cNvPr id="13" name="Content Placeholder 4">
+            <a:extLst>
+              <a:ext uri="{FF2B5EF4-FFF2-40B4-BE49-F238E27FC236}">
+                <a16:creationId xmlns:a16="http://schemas.microsoft.com/office/drawing/2014/main" id="{E8B84105-0FB0-A101-C057-1D862FE9555D}"/>
+              </a:ext>
+            </a:extLst>
+          </p:cNvPr>
+          <p:cNvGraphicFramePr>
+            <a:graphicFrameLocks/>
+          </p:cNvGraphicFramePr>
+          <p:nvPr>
+            <p:extLst>
+              <p:ext uri="{D42A27DB-BD31-4B8C-83A1-F6EECF244321}">
+                <p14:modId xmlns:p14="http://schemas.microsoft.com/office/powerpoint/2010/main" val="1042505785"/>
+              </p:ext>
+            </p:extLst>
+          </p:nvPr>
+        </p:nvGraphicFramePr>
+        <p:xfrm>
+          <a:off x="122716" y="4793176"/>
+          <a:ext cx="1500819" cy="1854200"/>
+        </p:xfrm>
+        <a:graphic>
+          <a:graphicData uri="http://schemas.openxmlformats.org/drawingml/2006/table">
+            <a:tbl>
+              <a:tblPr firstRow="1" bandRow="1">
+                <a:tableStyleId>{5C22544A-7EE6-4342-B048-85BDC9FD1C3A}</a:tableStyleId>
+              </a:tblPr>
+              <a:tblGrid>
+                <a:gridCol w="491816">
+                  <a:extLst>
+                    <a:ext uri="{9D8B030D-6E8A-4147-A177-3AD203B41FA5}">
+                      <a16:colId xmlns:a16="http://schemas.microsoft.com/office/drawing/2014/main" val="1437393818"/>
+                    </a:ext>
+                  </a:extLst>
+                </a:gridCol>
+                <a:gridCol w="498703">
+                  <a:extLst>
+                    <a:ext uri="{9D8B030D-6E8A-4147-A177-3AD203B41FA5}">
+                      <a16:colId xmlns:a16="http://schemas.microsoft.com/office/drawing/2014/main" val="3865283362"/>
+                    </a:ext>
+                  </a:extLst>
+                </a:gridCol>
+                <a:gridCol w="510300">
+                  <a:extLst>
+                    <a:ext uri="{9D8B030D-6E8A-4147-A177-3AD203B41FA5}">
+                      <a16:colId xmlns:a16="http://schemas.microsoft.com/office/drawing/2014/main" val="2508205066"/>
+                    </a:ext>
+                  </a:extLst>
+                </a:gridCol>
+              </a:tblGrid>
+              <a:tr h="370840">
+                <a:tc>
+                  <a:txBody>
+                    <a:bodyPr/>
+                    <a:lstStyle/>
+                    <a:p>
+                      <a:pPr algn="ctr"/>
+                      <a:r>
+                        <a:rPr lang="en-US" dirty="0"/>
+                        <a:t>N</a:t>
+                      </a:r>
+                      <a:endParaRPr lang="en-SE" dirty="0"/>
+                    </a:p>
+                  </a:txBody>
+                  <a:tcPr/>
+                </a:tc>
+                <a:tc>
+                  <a:txBody>
+                    <a:bodyPr/>
+                    <a:lstStyle/>
+                    <a:p>
+                      <a:pPr algn="ctr"/>
+                      <a:r>
+                        <a:rPr lang="en-US" dirty="0"/>
+                        <a:t>SD</a:t>
+                      </a:r>
+                      <a:endParaRPr lang="en-SE" dirty="0"/>
+                    </a:p>
+                  </a:txBody>
+                  <a:tcPr/>
+                </a:tc>
+                <a:tc>
+                  <a:txBody>
+                    <a:bodyPr/>
+                    <a:lstStyle/>
+                    <a:p>
+                      <a:pPr algn="ctr"/>
+                      <a:r>
+                        <a:rPr lang="en-US" dirty="0"/>
+                        <a:t>PN</a:t>
+                      </a:r>
+                      <a:endParaRPr lang="en-SE" dirty="0"/>
+                    </a:p>
+                  </a:txBody>
+                  <a:tcPr/>
+                </a:tc>
+                <a:extLst>
+                  <a:ext uri="{0D108BD9-81ED-4DB2-BD59-A6C34878D82A}">
+                    <a16:rowId xmlns:a16="http://schemas.microsoft.com/office/drawing/2014/main" val="3515259906"/>
+                  </a:ext>
+                </a:extLst>
+              </a:tr>
+              <a:tr h="370840">
+                <a:tc>
+                  <a:txBody>
+                    <a:bodyPr/>
+                    <a:lstStyle/>
+                    <a:p>
+                      <a:pPr algn="ctr"/>
+                      <a:r>
+                        <a:rPr lang="en-US" altLang="zh-CN" dirty="0"/>
+                        <a:t>A</a:t>
+                      </a:r>
+                      <a:endParaRPr lang="en-SE" dirty="0"/>
+                    </a:p>
+                  </a:txBody>
+                  <a:tcPr/>
+                </a:tc>
+                <a:tc>
+                  <a:txBody>
+                    <a:bodyPr/>
+                    <a:lstStyle/>
+                    <a:p>
+                      <a:pPr algn="ctr"/>
+                      <a:r>
+                        <a:rPr lang="en-US" dirty="0"/>
+                        <a:t>0</a:t>
+                      </a:r>
+                      <a:endParaRPr lang="en-SE" dirty="0"/>
+                    </a:p>
+                  </a:txBody>
+                  <a:tcPr/>
+                </a:tc>
+                <a:tc>
+                  <a:txBody>
+                    <a:bodyPr/>
+                    <a:lstStyle/>
+                    <a:p>
+                      <a:pPr algn="ctr"/>
+                      <a:endParaRPr lang="en-SE" dirty="0"/>
+                    </a:p>
+                  </a:txBody>
+                  <a:tcPr/>
+                </a:tc>
+                <a:extLst>
+                  <a:ext uri="{0D108BD9-81ED-4DB2-BD59-A6C34878D82A}">
+                    <a16:rowId xmlns:a16="http://schemas.microsoft.com/office/drawing/2014/main" val="3762638117"/>
+                  </a:ext>
+                </a:extLst>
+              </a:tr>
+              <a:tr h="370840">
+                <a:tc>
+                  <a:txBody>
+                    <a:bodyPr/>
+                    <a:lstStyle/>
+                    <a:p>
+                      <a:pPr algn="ctr"/>
+                      <a:r>
+                        <a:rPr lang="en-US" dirty="0"/>
+                        <a:t>B</a:t>
+                      </a:r>
+                      <a:endParaRPr lang="en-SE" dirty="0"/>
+                    </a:p>
+                  </a:txBody>
+                  <a:tcPr/>
+                </a:tc>
+                <a:tc>
+                  <a:txBody>
+                    <a:bodyPr/>
+                    <a:lstStyle/>
+                    <a:p>
+                      <a:pPr algn="ctr"/>
+                      <a:r>
+                        <a:rPr lang="en-GB" dirty="0"/>
+                        <a:t>10</a:t>
+                      </a:r>
+                      <a:endParaRPr lang="en-SE" dirty="0"/>
+                    </a:p>
+                  </a:txBody>
+                  <a:tcPr/>
+                </a:tc>
+                <a:tc>
+                  <a:txBody>
+                    <a:bodyPr/>
+                    <a:lstStyle/>
+                    <a:p>
+                      <a:pPr algn="ctr"/>
+                      <a:r>
+                        <a:rPr lang="en-GB" dirty="0"/>
+                        <a:t>A</a:t>
+                      </a:r>
+                      <a:endParaRPr lang="en-SE" dirty="0"/>
+                    </a:p>
+                  </a:txBody>
+                  <a:tcPr/>
+                </a:tc>
+                <a:extLst>
+                  <a:ext uri="{0D108BD9-81ED-4DB2-BD59-A6C34878D82A}">
+                    <a16:rowId xmlns:a16="http://schemas.microsoft.com/office/drawing/2014/main" val="616934466"/>
+                  </a:ext>
+                </a:extLst>
+              </a:tr>
+              <a:tr h="370840">
+                <a:tc>
+                  <a:txBody>
+                    <a:bodyPr/>
+                    <a:lstStyle/>
+                    <a:p>
+                      <a:pPr algn="ctr"/>
+                      <a:r>
+                        <a:rPr lang="en-US" dirty="0"/>
+                        <a:t>C</a:t>
+                      </a:r>
+                      <a:endParaRPr lang="en-SE" dirty="0"/>
+                    </a:p>
+                  </a:txBody>
+                  <a:tcPr/>
+                </a:tc>
+                <a:tc>
+                  <a:txBody>
+                    <a:bodyPr/>
+                    <a:lstStyle/>
+                    <a:p>
+                      <a:pPr algn="ctr"/>
+                      <a:r>
+                        <a:rPr lang="en-GB" dirty="0"/>
+                        <a:t>1</a:t>
+                      </a:r>
+                      <a:endParaRPr lang="en-SE" dirty="0"/>
+                    </a:p>
+                  </a:txBody>
+                  <a:tcPr/>
+                </a:tc>
+                <a:tc>
+                  <a:txBody>
+                    <a:bodyPr/>
+                    <a:lstStyle/>
+                    <a:p>
+                      <a:pPr algn="ctr"/>
+                      <a:r>
+                        <a:rPr lang="en-GB" dirty="0"/>
+                        <a:t>A</a:t>
+                      </a:r>
+                      <a:endParaRPr lang="en-SE" dirty="0"/>
+                    </a:p>
+                  </a:txBody>
+                  <a:tcPr/>
+                </a:tc>
+                <a:extLst>
+                  <a:ext uri="{0D108BD9-81ED-4DB2-BD59-A6C34878D82A}">
+                    <a16:rowId xmlns:a16="http://schemas.microsoft.com/office/drawing/2014/main" val="3586663048"/>
+                  </a:ext>
+                </a:extLst>
+              </a:tr>
+              <a:tr h="370840">
+                <a:tc>
+                  <a:txBody>
+                    <a:bodyPr/>
+                    <a:lstStyle/>
+                    <a:p>
+                      <a:pPr algn="ctr"/>
+                      <a:r>
+                        <a:rPr lang="en-US" dirty="0">
+                          <a:solidFill>
+                            <a:srgbClr val="FF0000"/>
+                          </a:solidFill>
+                        </a:rPr>
+                        <a:t>D</a:t>
+                      </a:r>
+                      <a:endParaRPr lang="en-SE" dirty="0">
+                        <a:solidFill>
+                          <a:srgbClr val="FF0000"/>
+                        </a:solidFill>
+                      </a:endParaRPr>
+                    </a:p>
+                  </a:txBody>
+                  <a:tcPr/>
+                </a:tc>
+                <a:tc>
+                  <a:txBody>
+                    <a:bodyPr/>
+                    <a:lstStyle/>
+                    <a:p>
+                      <a:pPr algn="ctr"/>
+                      <a:r>
+                        <a:rPr lang="en-GB" dirty="0">
+                          <a:solidFill>
+                            <a:srgbClr val="FF0000"/>
+                          </a:solidFill>
+                        </a:rPr>
+                        <a:t>-10</a:t>
+                      </a:r>
+                      <a:endParaRPr lang="en-SE" dirty="0">
+                        <a:solidFill>
+                          <a:srgbClr val="FF0000"/>
+                        </a:solidFill>
+                      </a:endParaRPr>
+                    </a:p>
+                  </a:txBody>
+                  <a:tcPr/>
+                </a:tc>
+                <a:tc>
+                  <a:txBody>
+                    <a:bodyPr/>
+                    <a:lstStyle/>
+                    <a:p>
+                      <a:pPr algn="ctr"/>
+                      <a:r>
+                        <a:rPr lang="en-GB" dirty="0">
+                          <a:solidFill>
+                            <a:srgbClr val="FF0000"/>
+                          </a:solidFill>
+                        </a:rPr>
+                        <a:t>B</a:t>
+                      </a:r>
+                      <a:endParaRPr lang="en-SE" dirty="0">
+                        <a:solidFill>
+                          <a:srgbClr val="FF0000"/>
+                        </a:solidFill>
+                      </a:endParaRPr>
+                    </a:p>
+                  </a:txBody>
+                  <a:tcPr/>
+                </a:tc>
+                <a:extLst>
+                  <a:ext uri="{0D108BD9-81ED-4DB2-BD59-A6C34878D82A}">
+                    <a16:rowId xmlns:a16="http://schemas.microsoft.com/office/drawing/2014/main" val="2443210191"/>
+                  </a:ext>
+                </a:extLst>
+              </a:tr>
+            </a:tbl>
+          </a:graphicData>
+        </a:graphic>
+      </p:graphicFrame>
+      <p:sp>
+        <p:nvSpPr>
+          <p:cNvPr id="14" name="Arrow: Right 13">
+            <a:extLst>
+              <a:ext uri="{FF2B5EF4-FFF2-40B4-BE49-F238E27FC236}">
+                <a16:creationId xmlns:a16="http://schemas.microsoft.com/office/drawing/2014/main" id="{C1E4AA6C-503F-1C7C-13C6-525FE5CC9100}"/>
+              </a:ext>
+            </a:extLst>
+          </p:cNvPr>
+          <p:cNvSpPr/>
+          <p:nvPr/>
+        </p:nvSpPr>
+        <p:spPr>
+          <a:xfrm rot="10646415">
+            <a:off x="1617715" y="4348090"/>
+            <a:ext cx="6022679" cy="305423"/>
+          </a:xfrm>
+          <a:prstGeom prst="rightArrow">
+            <a:avLst>
+              <a:gd name="adj1" fmla="val 34165"/>
+              <a:gd name="adj2" fmla="val 50000"/>
+            </a:avLst>
+          </a:prstGeom>
+        </p:spPr>
+        <p:style>
+          <a:lnRef idx="1">
+            <a:schemeClr val="accent1"/>
+          </a:lnRef>
+          <a:fillRef idx="3">
+            <a:schemeClr val="accent1"/>
+          </a:fillRef>
+          <a:effectRef idx="2">
+            <a:schemeClr val="accent1"/>
+          </a:effectRef>
+          <a:fontRef idx="minor">
+            <a:schemeClr val="lt1"/>
+          </a:fontRef>
+        </p:style>
+        <p:txBody>
+          <a:bodyPr rtlCol="0" anchor="ctr"/>
+          <a:lstStyle/>
+          <a:p>
+            <a:pPr algn="ctr"/>
+            <a:endParaRPr lang="en-SE"/>
+          </a:p>
+        </p:txBody>
+      </p:sp>
+      <p:sp>
+        <p:nvSpPr>
+          <p:cNvPr id="15" name="TextBox 14">
+            <a:extLst>
+              <a:ext uri="{FF2B5EF4-FFF2-40B4-BE49-F238E27FC236}">
+                <a16:creationId xmlns:a16="http://schemas.microsoft.com/office/drawing/2014/main" id="{A6F0ED83-AC4A-485B-8961-8BB4273CF174}"/>
+              </a:ext>
+            </a:extLst>
+          </p:cNvPr>
+          <p:cNvSpPr txBox="1"/>
+          <p:nvPr/>
+        </p:nvSpPr>
+        <p:spPr>
+          <a:xfrm>
+            <a:off x="2550700" y="4565656"/>
+            <a:ext cx="784189" cy="369332"/>
+          </a:xfrm>
+          <a:prstGeom prst="rect">
+            <a:avLst/>
+          </a:prstGeom>
+          <a:noFill/>
+        </p:spPr>
+        <p:txBody>
+          <a:bodyPr wrap="none" rtlCol="0">
+            <a:spAutoFit/>
+          </a:bodyPr>
+          <a:lstStyle/>
+          <a:p>
+            <a:pPr algn="ctr"/>
+            <a:r>
+              <a:rPr lang="en-GB" dirty="0"/>
+              <a:t>Visit B</a:t>
+            </a:r>
+            <a:endParaRPr lang="en-SE" dirty="0"/>
+          </a:p>
+        </p:txBody>
+      </p:sp>
+      <p:sp>
+        <p:nvSpPr>
+          <p:cNvPr id="16" name="TextBox 15">
+            <a:extLst>
+              <a:ext uri="{FF2B5EF4-FFF2-40B4-BE49-F238E27FC236}">
+                <a16:creationId xmlns:a16="http://schemas.microsoft.com/office/drawing/2014/main" id="{3F13CFFB-9669-2A17-800C-39C30375C342}"/>
+              </a:ext>
+            </a:extLst>
+          </p:cNvPr>
+          <p:cNvSpPr txBox="1"/>
+          <p:nvPr/>
+        </p:nvSpPr>
+        <p:spPr>
+          <a:xfrm>
+            <a:off x="1699735" y="6278044"/>
+            <a:ext cx="1124923" cy="400110"/>
+          </a:xfrm>
+          <a:prstGeom prst="rect">
+            <a:avLst/>
+          </a:prstGeom>
+        </p:spPr>
+        <p:style>
+          <a:lnRef idx="2">
+            <a:schemeClr val="accent2"/>
+          </a:lnRef>
+          <a:fillRef idx="1">
+            <a:schemeClr val="lt1"/>
+          </a:fillRef>
+          <a:effectRef idx="0">
+            <a:schemeClr val="accent2"/>
+          </a:effectRef>
+          <a:fontRef idx="minor">
+            <a:schemeClr val="dk1"/>
+          </a:fontRef>
+        </p:style>
+        <p:txBody>
+          <a:bodyPr wrap="none" rtlCol="0">
+            <a:spAutoFit/>
+          </a:bodyPr>
+          <a:lstStyle/>
+          <a:p>
+            <a:r>
+              <a:rPr lang="en-GB" sz="2000" dirty="0">
+                <a:solidFill>
+                  <a:srgbClr val="FF0000"/>
+                </a:solidFill>
+              </a:rPr>
+              <a:t>Incorrect</a:t>
+            </a:r>
+            <a:endParaRPr lang="en-SE" sz="2000" dirty="0">
+              <a:solidFill>
+                <a:srgbClr val="FF0000"/>
+              </a:solidFill>
+            </a:endParaRPr>
+          </a:p>
+        </p:txBody>
+      </p:sp>
+    </p:spTree>
+    <p:extLst>
+      <p:ext uri="{BB962C8B-B14F-4D97-AF65-F5344CB8AC3E}">
+        <p14:creationId xmlns:p14="http://schemas.microsoft.com/office/powerpoint/2010/main" val="583838311"/>
+      </p:ext>
+    </p:extLst>
+  </p:cSld>
+  <p:clrMapOvr>
+    <a:masterClrMapping/>
+  </p:clrMapOvr>
+</p:sld>
+</file>
+
+<file path=ppt/slides/slide3.xml><?xml version="1.0" encoding="utf-8"?>
+<p:sld xmlns:a="http://schemas.openxmlformats.org/drawingml/2006/main" xmlns:r="http://schemas.openxmlformats.org/officeDocument/2006/relationships" xmlns:p="http://schemas.openxmlformats.org/presentationml/2006/main">
+  <p:cSld>
+    <p:spTree>
+      <p:nvGrpSpPr>
+        <p:cNvPr id="1" name=""/>
+        <p:cNvGrpSpPr/>
+        <p:nvPr/>
+      </p:nvGrpSpPr>
+      <p:grpSpPr>
+        <a:xfrm>
+          <a:off x="0" y="0"/>
+          <a:ext cx="0" cy="0"/>
+          <a:chOff x="0" y="0"/>
+          <a:chExt cx="0" cy="0"/>
+        </a:xfrm>
+      </p:grpSpPr>
+      <p:sp>
+        <p:nvSpPr>
+          <p:cNvPr id="2" name="Title 1">
+            <a:extLst>
+              <a:ext uri="{FF2B5EF4-FFF2-40B4-BE49-F238E27FC236}">
+                <a16:creationId xmlns:a16="http://schemas.microsoft.com/office/drawing/2014/main" id="{C5C3DF5F-F719-6FA5-FAE0-2DBA2E2FF043}"/>
+              </a:ext>
+            </a:extLst>
+          </p:cNvPr>
+          <p:cNvSpPr>
+            <a:spLocks noGrp="1"/>
+          </p:cNvSpPr>
+          <p:nvPr>
+            <p:ph type="title"/>
+          </p:nvPr>
+        </p:nvSpPr>
+        <p:spPr/>
+        <p:txBody>
+          <a:bodyPr>
+            <a:normAutofit fontScale="90000"/>
+          </a:bodyPr>
+          <a:lstStyle/>
+          <a:p>
+            <a:r>
+              <a:rPr lang="en-GB" dirty="0"/>
+              <a:t>Bellman Ford Algorithm works for Negative Edge Weights</a:t>
+            </a:r>
+            <a:endParaRPr lang="en-SE" dirty="0"/>
+          </a:p>
+        </p:txBody>
+      </p:sp>
+      <p:sp>
+        <p:nvSpPr>
+          <p:cNvPr id="3" name="Content Placeholder 2">
+            <a:extLst>
+              <a:ext uri="{FF2B5EF4-FFF2-40B4-BE49-F238E27FC236}">
+                <a16:creationId xmlns:a16="http://schemas.microsoft.com/office/drawing/2014/main" id="{89C53A20-AA40-998F-D62F-82674CF20A75}"/>
+              </a:ext>
+            </a:extLst>
+          </p:cNvPr>
+          <p:cNvSpPr>
+            <a:spLocks noGrp="1"/>
+          </p:cNvSpPr>
+          <p:nvPr>
+            <p:ph idx="1"/>
+          </p:nvPr>
+        </p:nvSpPr>
+        <p:spPr>
+          <a:xfrm>
+            <a:off x="222890" y="1428326"/>
+            <a:ext cx="8463909" cy="1077365"/>
+          </a:xfrm>
+        </p:spPr>
+        <p:txBody>
+          <a:bodyPr>
+            <a:normAutofit fontScale="85000" lnSpcReduction="20000"/>
+          </a:bodyPr>
+          <a:lstStyle/>
+          <a:p>
+            <a:r>
+              <a:rPr lang="en-GB" dirty="0"/>
+              <a:t>We run for V-1=3 iterations, then run one more iteration with no change. Hence we conclude that The Bellman-Ford algorithm successfully calculated the shortest paths from node A to all other nodes, and There are no negative weight cycles.</a:t>
+            </a:r>
+            <a:endParaRPr lang="en-SE" dirty="0"/>
+          </a:p>
+        </p:txBody>
+      </p:sp>
+      <p:grpSp>
+        <p:nvGrpSpPr>
+          <p:cNvPr id="4" name="Group 4">
+            <a:extLst>
+              <a:ext uri="{FF2B5EF4-FFF2-40B4-BE49-F238E27FC236}">
+                <a16:creationId xmlns:a16="http://schemas.microsoft.com/office/drawing/2014/main" id="{56A35889-A91E-1992-FB41-EAF2067DAA45}"/>
+              </a:ext>
+            </a:extLst>
+          </p:cNvPr>
+          <p:cNvGrpSpPr>
+            <a:grpSpLocks/>
+          </p:cNvGrpSpPr>
+          <p:nvPr/>
+        </p:nvGrpSpPr>
+        <p:grpSpPr bwMode="auto">
+          <a:xfrm>
+            <a:off x="4755297" y="5527558"/>
+            <a:ext cx="533400" cy="533400"/>
+            <a:chOff x="1824" y="2736"/>
+            <a:chExt cx="336" cy="336"/>
+          </a:xfrm>
+        </p:grpSpPr>
+        <p:sp>
+          <p:nvSpPr>
+            <p:cNvPr id="5" name="Oval 5">
+              <a:extLst>
+                <a:ext uri="{FF2B5EF4-FFF2-40B4-BE49-F238E27FC236}">
+                  <a16:creationId xmlns:a16="http://schemas.microsoft.com/office/drawing/2014/main" id="{034EF756-4B5F-27A7-088B-49B9964DB7E5}"/>
+                </a:ext>
+              </a:extLst>
+            </p:cNvPr>
+            <p:cNvSpPr>
+              <a:spLocks noChangeArrowheads="1"/>
+            </p:cNvSpPr>
+            <p:nvPr/>
+          </p:nvSpPr>
+          <p:spPr bwMode="auto">
+            <a:xfrm>
+              <a:off x="1824" y="2736"/>
+              <a:ext cx="336" cy="336"/>
+            </a:xfrm>
+            <a:prstGeom prst="ellipse">
+              <a:avLst/>
+            </a:prstGeom>
+            <a:solidFill>
+              <a:srgbClr val="669999"/>
+            </a:solidFill>
+            <a:ln w="9525">
+              <a:solidFill>
+                <a:srgbClr val="000000"/>
+              </a:solidFill>
+              <a:round/>
+              <a:headEnd/>
+              <a:tailEnd/>
+            </a:ln>
+            <a:effectLst/>
+            <a:extLst>
+              <a:ext uri="{AF507438-7753-43E0-B8FC-AC1667EBCBE1}">
+                <a14:hiddenEffects xmlns:a14="http://schemas.microsoft.com/office/drawing/2010/main">
+                  <a:effectLst>
+                    <a:outerShdw dist="35921" dir="2700000" algn="ctr" rotWithShape="0">
+                      <a:schemeClr val="bg2"/>
+                    </a:outerShdw>
+                  </a:effectLst>
+                </a14:hiddenEffects>
+              </a:ext>
+            </a:extLst>
+          </p:spPr>
+          <p:txBody>
+            <a:bodyPr wrap="none" anchor="ctr"/>
+            <a:lstStyle/>
+            <a:p>
+              <a:pPr marL="0" marR="0" lvl="0" indent="0" defTabSz="914400" eaLnBrk="1" fontAlgn="base" latinLnBrk="0" hangingPunct="1">
+                <a:lnSpc>
+                  <a:spcPct val="100000"/>
+                </a:lnSpc>
+                <a:spcBef>
+                  <a:spcPct val="0"/>
+                </a:spcBef>
+                <a:spcAft>
+                  <a:spcPct val="0"/>
+                </a:spcAft>
+                <a:buClrTx/>
+                <a:buSzTx/>
+                <a:buFontTx/>
+                <a:buNone/>
+                <a:tabLst/>
+                <a:defRPr/>
+              </a:pPr>
+              <a:endParaRPr kumimoji="0" lang="en-SE" sz="1800" b="0" i="0" u="none" strike="noStrike" kern="0" cap="none" spc="0" normalizeH="0" baseline="0" noProof="0">
+                <a:ln>
+                  <a:noFill/>
+                </a:ln>
+                <a:solidFill>
+                  <a:srgbClr val="000000"/>
+                </a:solidFill>
+                <a:effectLst/>
+                <a:uLnTx/>
+                <a:uFillTx/>
+                <a:latin typeface="Arial" panose="020B0604020202020204" pitchFamily="34" charset="0"/>
+              </a:endParaRPr>
+            </a:p>
+          </p:txBody>
+        </p:sp>
+        <p:sp>
+          <p:nvSpPr>
+            <p:cNvPr id="6" name="Text Box 6">
+              <a:extLst>
+                <a:ext uri="{FF2B5EF4-FFF2-40B4-BE49-F238E27FC236}">
+                  <a16:creationId xmlns:a16="http://schemas.microsoft.com/office/drawing/2014/main" id="{999F91FC-AFAB-6C32-338E-BA4BE84C400B}"/>
+                </a:ext>
+              </a:extLst>
+            </p:cNvPr>
+            <p:cNvSpPr txBox="1">
+              <a:spLocks noChangeArrowheads="1"/>
+            </p:cNvSpPr>
+            <p:nvPr/>
+          </p:nvSpPr>
+          <p:spPr bwMode="auto">
+            <a:xfrm>
+              <a:off x="1872" y="2736"/>
+              <a:ext cx="288" cy="288"/>
+            </a:xfrm>
+            <a:prstGeom prst="rect">
+              <a:avLst/>
+            </a:prstGeom>
+            <a:noFill/>
+            <a:ln>
+              <a:noFill/>
+            </a:ln>
+            <a:effectLst/>
+            <a:extLst>
+              <a:ext uri="{909E8E84-426E-40DD-AFC4-6F175D3DCCD1}">
+                <a14:hiddenFill xmlns:a14="http://schemas.microsoft.com/office/drawing/2010/main">
+                  <a:solidFill>
+                    <a:schemeClr val="accent1"/>
+                  </a:solidFill>
+                </a14:hiddenFill>
+              </a:ext>
+              <a:ext uri="{91240B29-F687-4F45-9708-019B960494DF}">
+                <a14:hiddenLine xmlns:a14="http://schemas.microsoft.com/office/drawing/2010/main" w="9525">
+                  <a:solidFill>
+                    <a:schemeClr val="tx1"/>
+                  </a:solidFill>
+                  <a:miter lim="800000"/>
+                  <a:headEnd/>
+                  <a:tailEnd/>
+                </a14:hiddenLine>
+              </a:ext>
+              <a:ext uri="{AF507438-7753-43E0-B8FC-AC1667EBCBE1}">
+                <a14:hiddenEffects xmlns:a14="http://schemas.microsoft.com/office/drawing/2010/main">
+                  <a:effectLst>
+                    <a:outerShdw dist="35921" dir="2700000" algn="ctr" rotWithShape="0">
+                      <a:schemeClr val="bg2"/>
+                    </a:outerShdw>
+                  </a:effectLst>
+                </a14:hiddenEffects>
+              </a:ext>
+            </a:extLst>
+          </p:spPr>
+          <p:txBody>
+            <a:bodyPr>
+              <a:spAutoFit/>
+            </a:bodyPr>
+            <a:lstStyle/>
+            <a:p>
+              <a:pPr marL="0" marR="0" lvl="0" indent="0" defTabSz="914400" eaLnBrk="1" fontAlgn="base" latinLnBrk="0" hangingPunct="1">
+                <a:lnSpc>
+                  <a:spcPct val="100000"/>
+                </a:lnSpc>
+                <a:spcBef>
+                  <a:spcPct val="50000"/>
+                </a:spcBef>
+                <a:spcAft>
+                  <a:spcPct val="0"/>
+                </a:spcAft>
+                <a:buClrTx/>
+                <a:buSzTx/>
+                <a:buFontTx/>
+                <a:buNone/>
+                <a:tabLst/>
+                <a:defRPr/>
+              </a:pPr>
+              <a:r>
+                <a:rPr kumimoji="0" lang="en-US" altLang="en-SE" sz="2400" b="0" i="0" u="none" strike="noStrike" kern="0" cap="none" spc="0" normalizeH="0" baseline="0" noProof="0">
+                  <a:ln>
+                    <a:noFill/>
+                  </a:ln>
+                  <a:solidFill>
+                    <a:srgbClr val="000000"/>
+                  </a:solidFill>
+                  <a:effectLst/>
+                  <a:uLnTx/>
+                  <a:uFillTx/>
+                  <a:latin typeface="Arial" panose="020B0604020202020204" pitchFamily="34" charset="0"/>
+                </a:rPr>
+                <a:t>A</a:t>
+              </a:r>
+            </a:p>
+          </p:txBody>
+        </p:sp>
+      </p:grpSp>
+      <p:grpSp>
+        <p:nvGrpSpPr>
+          <p:cNvPr id="7" name="Group 7">
+            <a:extLst>
+              <a:ext uri="{FF2B5EF4-FFF2-40B4-BE49-F238E27FC236}">
+                <a16:creationId xmlns:a16="http://schemas.microsoft.com/office/drawing/2014/main" id="{EF3B5269-4420-67FB-EB46-2BD11BFD5DB5}"/>
+              </a:ext>
+            </a:extLst>
+          </p:cNvPr>
+          <p:cNvGrpSpPr>
+            <a:grpSpLocks/>
+          </p:cNvGrpSpPr>
+          <p:nvPr/>
+        </p:nvGrpSpPr>
+        <p:grpSpPr bwMode="auto">
+          <a:xfrm>
+            <a:off x="5898297" y="4613158"/>
+            <a:ext cx="533400" cy="533400"/>
+            <a:chOff x="1824" y="2736"/>
+            <a:chExt cx="336" cy="336"/>
+          </a:xfrm>
+        </p:grpSpPr>
+        <p:sp>
+          <p:nvSpPr>
+            <p:cNvPr id="8" name="Oval 8">
+              <a:extLst>
+                <a:ext uri="{FF2B5EF4-FFF2-40B4-BE49-F238E27FC236}">
+                  <a16:creationId xmlns:a16="http://schemas.microsoft.com/office/drawing/2014/main" id="{27D84C24-2763-D9FB-B784-42EE397AE60B}"/>
+                </a:ext>
+              </a:extLst>
+            </p:cNvPr>
+            <p:cNvSpPr>
+              <a:spLocks noChangeArrowheads="1"/>
+            </p:cNvSpPr>
+            <p:nvPr/>
+          </p:nvSpPr>
+          <p:spPr bwMode="auto">
+            <a:xfrm>
+              <a:off x="1824" y="2736"/>
+              <a:ext cx="336" cy="336"/>
+            </a:xfrm>
+            <a:prstGeom prst="ellipse">
+              <a:avLst/>
+            </a:prstGeom>
+            <a:solidFill>
+              <a:srgbClr val="669999"/>
+            </a:solidFill>
+            <a:ln w="9525">
+              <a:solidFill>
+                <a:srgbClr val="000000"/>
+              </a:solidFill>
+              <a:round/>
+              <a:headEnd/>
+              <a:tailEnd/>
+            </a:ln>
+            <a:effectLst/>
+            <a:extLst>
+              <a:ext uri="{AF507438-7753-43E0-B8FC-AC1667EBCBE1}">
+                <a14:hiddenEffects xmlns:a14="http://schemas.microsoft.com/office/drawing/2010/main">
+                  <a:effectLst>
+                    <a:outerShdw dist="35921" dir="2700000" algn="ctr" rotWithShape="0">
+                      <a:schemeClr val="bg2"/>
+                    </a:outerShdw>
+                  </a:effectLst>
+                </a14:hiddenEffects>
+              </a:ext>
+            </a:extLst>
+          </p:spPr>
+          <p:txBody>
+            <a:bodyPr wrap="none" anchor="ctr"/>
+            <a:lstStyle/>
+            <a:p>
+              <a:pPr marL="0" marR="0" lvl="0" indent="0" defTabSz="914400" eaLnBrk="1" fontAlgn="base" latinLnBrk="0" hangingPunct="1">
+                <a:lnSpc>
+                  <a:spcPct val="100000"/>
+                </a:lnSpc>
+                <a:spcBef>
+                  <a:spcPct val="0"/>
+                </a:spcBef>
+                <a:spcAft>
+                  <a:spcPct val="0"/>
+                </a:spcAft>
+                <a:buClrTx/>
+                <a:buSzTx/>
+                <a:buFontTx/>
+                <a:buNone/>
+                <a:tabLst/>
+                <a:defRPr/>
+              </a:pPr>
+              <a:endParaRPr kumimoji="0" lang="en-SE" sz="1800" b="0" i="0" u="none" strike="noStrike" kern="0" cap="none" spc="0" normalizeH="0" baseline="0" noProof="0">
+                <a:ln>
+                  <a:noFill/>
+                </a:ln>
+                <a:solidFill>
+                  <a:srgbClr val="000000"/>
+                </a:solidFill>
+                <a:effectLst/>
+                <a:uLnTx/>
+                <a:uFillTx/>
+                <a:latin typeface="Arial" panose="020B0604020202020204" pitchFamily="34" charset="0"/>
+              </a:endParaRPr>
+            </a:p>
+          </p:txBody>
+        </p:sp>
+        <p:sp>
+          <p:nvSpPr>
+            <p:cNvPr id="9" name="Text Box 9">
+              <a:extLst>
+                <a:ext uri="{FF2B5EF4-FFF2-40B4-BE49-F238E27FC236}">
+                  <a16:creationId xmlns:a16="http://schemas.microsoft.com/office/drawing/2014/main" id="{137989EB-829B-B0FD-E886-B32084AB6AA5}"/>
+                </a:ext>
+              </a:extLst>
+            </p:cNvPr>
+            <p:cNvSpPr txBox="1">
+              <a:spLocks noChangeArrowheads="1"/>
+            </p:cNvSpPr>
+            <p:nvPr/>
+          </p:nvSpPr>
+          <p:spPr bwMode="auto">
+            <a:xfrm>
+              <a:off x="1872" y="2736"/>
+              <a:ext cx="288" cy="288"/>
+            </a:xfrm>
+            <a:prstGeom prst="rect">
+              <a:avLst/>
+            </a:prstGeom>
+            <a:noFill/>
+            <a:ln>
+              <a:noFill/>
+            </a:ln>
+            <a:effectLst/>
+            <a:extLst>
+              <a:ext uri="{909E8E84-426E-40DD-AFC4-6F175D3DCCD1}">
+                <a14:hiddenFill xmlns:a14="http://schemas.microsoft.com/office/drawing/2010/main">
+                  <a:solidFill>
+                    <a:schemeClr val="accent1"/>
+                  </a:solidFill>
+                </a14:hiddenFill>
+              </a:ext>
+              <a:ext uri="{91240B29-F687-4F45-9708-019B960494DF}">
+                <a14:hiddenLine xmlns:a14="http://schemas.microsoft.com/office/drawing/2010/main" w="9525">
+                  <a:solidFill>
+                    <a:schemeClr val="tx1"/>
+                  </a:solidFill>
+                  <a:miter lim="800000"/>
+                  <a:headEnd/>
+                  <a:tailEnd/>
+                </a14:hiddenLine>
+              </a:ext>
+              <a:ext uri="{AF507438-7753-43E0-B8FC-AC1667EBCBE1}">
+                <a14:hiddenEffects xmlns:a14="http://schemas.microsoft.com/office/drawing/2010/main">
+                  <a:effectLst>
+                    <a:outerShdw dist="35921" dir="2700000" algn="ctr" rotWithShape="0">
+                      <a:schemeClr val="bg2"/>
+                    </a:outerShdw>
+                  </a:effectLst>
+                </a14:hiddenEffects>
+              </a:ext>
+            </a:extLst>
+          </p:spPr>
+          <p:txBody>
+            <a:bodyPr>
+              <a:spAutoFit/>
+            </a:bodyPr>
+            <a:lstStyle/>
+            <a:p>
+              <a:pPr marL="0" marR="0" lvl="0" indent="0" defTabSz="914400" eaLnBrk="1" fontAlgn="base" latinLnBrk="0" hangingPunct="1">
+                <a:lnSpc>
+                  <a:spcPct val="100000"/>
+                </a:lnSpc>
+                <a:spcBef>
+                  <a:spcPct val="50000"/>
+                </a:spcBef>
+                <a:spcAft>
+                  <a:spcPct val="0"/>
+                </a:spcAft>
+                <a:buClrTx/>
+                <a:buSzTx/>
+                <a:buFontTx/>
+                <a:buNone/>
+                <a:tabLst/>
+                <a:defRPr/>
+              </a:pPr>
+              <a:r>
+                <a:rPr kumimoji="0" lang="en-US" altLang="en-SE" sz="2400" b="0" i="0" u="none" strike="noStrike" kern="0" cap="none" spc="0" normalizeH="0" baseline="0" noProof="0">
+                  <a:ln>
+                    <a:noFill/>
+                  </a:ln>
+                  <a:solidFill>
+                    <a:srgbClr val="000000"/>
+                  </a:solidFill>
+                  <a:effectLst/>
+                  <a:uLnTx/>
+                  <a:uFillTx/>
+                  <a:latin typeface="Arial" panose="020B0604020202020204" pitchFamily="34" charset="0"/>
+                </a:rPr>
+                <a:t>B</a:t>
+              </a:r>
+            </a:p>
+          </p:txBody>
+        </p:sp>
+      </p:grpSp>
+      <p:grpSp>
+        <p:nvGrpSpPr>
+          <p:cNvPr id="10" name="Group 10">
+            <a:extLst>
+              <a:ext uri="{FF2B5EF4-FFF2-40B4-BE49-F238E27FC236}">
+                <a16:creationId xmlns:a16="http://schemas.microsoft.com/office/drawing/2014/main" id="{81D0D7EB-496A-6450-FF8A-1162FF2AC51C}"/>
+              </a:ext>
+            </a:extLst>
+          </p:cNvPr>
+          <p:cNvGrpSpPr>
+            <a:grpSpLocks/>
+          </p:cNvGrpSpPr>
+          <p:nvPr/>
+        </p:nvGrpSpPr>
+        <p:grpSpPr bwMode="auto">
+          <a:xfrm>
+            <a:off x="5898297" y="6289558"/>
+            <a:ext cx="533400" cy="533400"/>
+            <a:chOff x="1824" y="2736"/>
+            <a:chExt cx="336" cy="336"/>
+          </a:xfrm>
+        </p:grpSpPr>
+        <p:sp>
+          <p:nvSpPr>
+            <p:cNvPr id="11" name="Oval 11">
+              <a:extLst>
+                <a:ext uri="{FF2B5EF4-FFF2-40B4-BE49-F238E27FC236}">
+                  <a16:creationId xmlns:a16="http://schemas.microsoft.com/office/drawing/2014/main" id="{D5A0561D-5500-220C-92D2-0B795988A154}"/>
+                </a:ext>
+              </a:extLst>
+            </p:cNvPr>
+            <p:cNvSpPr>
+              <a:spLocks noChangeArrowheads="1"/>
+            </p:cNvSpPr>
+            <p:nvPr/>
+          </p:nvSpPr>
+          <p:spPr bwMode="auto">
+            <a:xfrm>
+              <a:off x="1824" y="2736"/>
+              <a:ext cx="336" cy="336"/>
+            </a:xfrm>
+            <a:prstGeom prst="ellipse">
+              <a:avLst/>
+            </a:prstGeom>
+            <a:solidFill>
+              <a:srgbClr val="669999"/>
+            </a:solidFill>
+            <a:ln w="9525">
+              <a:solidFill>
+                <a:srgbClr val="000000"/>
+              </a:solidFill>
+              <a:round/>
+              <a:headEnd/>
+              <a:tailEnd/>
+            </a:ln>
+            <a:effectLst/>
+            <a:extLst>
+              <a:ext uri="{AF507438-7753-43E0-B8FC-AC1667EBCBE1}">
+                <a14:hiddenEffects xmlns:a14="http://schemas.microsoft.com/office/drawing/2010/main">
+                  <a:effectLst>
+                    <a:outerShdw dist="35921" dir="2700000" algn="ctr" rotWithShape="0">
+                      <a:schemeClr val="bg2"/>
+                    </a:outerShdw>
+                  </a:effectLst>
+                </a14:hiddenEffects>
+              </a:ext>
+            </a:extLst>
+          </p:spPr>
+          <p:txBody>
+            <a:bodyPr wrap="none" anchor="ctr"/>
+            <a:lstStyle/>
+            <a:p>
+              <a:pPr marL="0" marR="0" lvl="0" indent="0" defTabSz="914400" eaLnBrk="1" fontAlgn="base" latinLnBrk="0" hangingPunct="1">
+                <a:lnSpc>
+                  <a:spcPct val="100000"/>
+                </a:lnSpc>
+                <a:spcBef>
+                  <a:spcPct val="0"/>
+                </a:spcBef>
+                <a:spcAft>
+                  <a:spcPct val="0"/>
+                </a:spcAft>
+                <a:buClrTx/>
+                <a:buSzTx/>
+                <a:buFontTx/>
+                <a:buNone/>
+                <a:tabLst/>
+                <a:defRPr/>
+              </a:pPr>
+              <a:endParaRPr kumimoji="0" lang="en-SE" sz="1800" b="0" i="0" u="none" strike="noStrike" kern="0" cap="none" spc="0" normalizeH="0" baseline="0" noProof="0">
+                <a:ln>
+                  <a:noFill/>
+                </a:ln>
+                <a:solidFill>
+                  <a:srgbClr val="000000"/>
+                </a:solidFill>
+                <a:effectLst/>
+                <a:uLnTx/>
+                <a:uFillTx/>
+                <a:latin typeface="Arial" panose="020B0604020202020204" pitchFamily="34" charset="0"/>
+              </a:endParaRPr>
+            </a:p>
+          </p:txBody>
+        </p:sp>
+        <p:sp>
+          <p:nvSpPr>
+            <p:cNvPr id="12" name="Text Box 12">
+              <a:extLst>
+                <a:ext uri="{FF2B5EF4-FFF2-40B4-BE49-F238E27FC236}">
+                  <a16:creationId xmlns:a16="http://schemas.microsoft.com/office/drawing/2014/main" id="{8C1352AA-8871-C1AD-9A9E-DFB3280F1A91}"/>
+                </a:ext>
+              </a:extLst>
+            </p:cNvPr>
+            <p:cNvSpPr txBox="1">
+              <a:spLocks noChangeArrowheads="1"/>
+            </p:cNvSpPr>
+            <p:nvPr/>
+          </p:nvSpPr>
+          <p:spPr bwMode="auto">
+            <a:xfrm>
+              <a:off x="1872" y="2736"/>
+              <a:ext cx="288" cy="288"/>
+            </a:xfrm>
+            <a:prstGeom prst="rect">
+              <a:avLst/>
+            </a:prstGeom>
+            <a:noFill/>
+            <a:ln>
+              <a:noFill/>
+            </a:ln>
+            <a:effectLst/>
+            <a:extLst>
+              <a:ext uri="{909E8E84-426E-40DD-AFC4-6F175D3DCCD1}">
+                <a14:hiddenFill xmlns:a14="http://schemas.microsoft.com/office/drawing/2010/main">
+                  <a:solidFill>
+                    <a:schemeClr val="accent1"/>
+                  </a:solidFill>
+                </a14:hiddenFill>
+              </a:ext>
+              <a:ext uri="{91240B29-F687-4F45-9708-019B960494DF}">
+                <a14:hiddenLine xmlns:a14="http://schemas.microsoft.com/office/drawing/2010/main" w="9525">
+                  <a:solidFill>
+                    <a:schemeClr val="tx1"/>
+                  </a:solidFill>
+                  <a:miter lim="800000"/>
+                  <a:headEnd/>
+                  <a:tailEnd/>
+                </a14:hiddenLine>
+              </a:ext>
+              <a:ext uri="{AF507438-7753-43E0-B8FC-AC1667EBCBE1}">
+                <a14:hiddenEffects xmlns:a14="http://schemas.microsoft.com/office/drawing/2010/main">
+                  <a:effectLst>
+                    <a:outerShdw dist="35921" dir="2700000" algn="ctr" rotWithShape="0">
+                      <a:schemeClr val="bg2"/>
+                    </a:outerShdw>
+                  </a:effectLst>
+                </a14:hiddenEffects>
+              </a:ext>
+            </a:extLst>
+          </p:spPr>
+          <p:txBody>
+            <a:bodyPr>
+              <a:spAutoFit/>
+            </a:bodyPr>
+            <a:lstStyle/>
+            <a:p>
+              <a:pPr marL="0" marR="0" lvl="0" indent="0" defTabSz="914400" eaLnBrk="1" fontAlgn="base" latinLnBrk="0" hangingPunct="1">
+                <a:lnSpc>
+                  <a:spcPct val="100000"/>
+                </a:lnSpc>
+                <a:spcBef>
+                  <a:spcPct val="50000"/>
+                </a:spcBef>
+                <a:spcAft>
+                  <a:spcPct val="0"/>
+                </a:spcAft>
+                <a:buClrTx/>
+                <a:buSzTx/>
+                <a:buFontTx/>
+                <a:buNone/>
+                <a:tabLst/>
+                <a:defRPr/>
+              </a:pPr>
+              <a:r>
+                <a:rPr kumimoji="0" lang="en-US" altLang="en-SE" sz="2400" b="0" i="0" u="none" strike="noStrike" kern="0" cap="none" spc="0" normalizeH="0" baseline="0" noProof="0">
+                  <a:ln>
+                    <a:noFill/>
+                  </a:ln>
+                  <a:solidFill>
+                    <a:srgbClr val="000000"/>
+                  </a:solidFill>
+                  <a:effectLst/>
+                  <a:uLnTx/>
+                  <a:uFillTx/>
+                  <a:latin typeface="Arial" panose="020B0604020202020204" pitchFamily="34" charset="0"/>
+                </a:rPr>
+                <a:t>C</a:t>
+              </a:r>
+            </a:p>
+          </p:txBody>
+        </p:sp>
+      </p:grpSp>
+      <p:sp>
+        <p:nvSpPr>
+          <p:cNvPr id="13" name="Line 19">
+            <a:extLst>
+              <a:ext uri="{FF2B5EF4-FFF2-40B4-BE49-F238E27FC236}">
+                <a16:creationId xmlns:a16="http://schemas.microsoft.com/office/drawing/2014/main" id="{438A66B5-0634-0109-6E9B-C0621AC134B2}"/>
+              </a:ext>
+            </a:extLst>
+          </p:cNvPr>
+          <p:cNvSpPr>
+            <a:spLocks noChangeShapeType="1"/>
+          </p:cNvSpPr>
+          <p:nvPr/>
+        </p:nvSpPr>
+        <p:spPr bwMode="auto">
+          <a:xfrm flipV="1">
+            <a:off x="5212497" y="5070358"/>
+            <a:ext cx="762000" cy="533400"/>
+          </a:xfrm>
+          <a:prstGeom prst="line">
+            <a:avLst/>
+          </a:prstGeom>
+          <a:ln w="19050" cap="flat" cmpd="sng" algn="ctr">
+            <a:solidFill>
+              <a:schemeClr val="dk1"/>
+            </a:solidFill>
+            <a:prstDash val="solid"/>
+            <a:round/>
+            <a:headEnd type="none" w="med" len="med"/>
+            <a:tailEnd type="arrow" w="med" len="med"/>
+          </a:ln>
+        </p:spPr>
+        <p:style>
+          <a:lnRef idx="0">
+            <a:scrgbClr r="0" g="0" b="0"/>
+          </a:lnRef>
+          <a:fillRef idx="0">
+            <a:scrgbClr r="0" g="0" b="0"/>
+          </a:fillRef>
+          <a:effectRef idx="0">
+            <a:scrgbClr r="0" g="0" b="0"/>
+          </a:effectRef>
+          <a:fontRef idx="minor">
+            <a:schemeClr val="tx1"/>
+          </a:fontRef>
+        </p:style>
+        <p:txBody>
+          <a:bodyPr/>
+          <a:lstStyle/>
+          <a:p>
+            <a:pPr marL="0" marR="0" lvl="0" indent="0" defTabSz="914400" eaLnBrk="1" fontAlgn="base" latinLnBrk="0" hangingPunct="1">
+              <a:lnSpc>
+                <a:spcPct val="100000"/>
+              </a:lnSpc>
+              <a:spcBef>
+                <a:spcPct val="0"/>
+              </a:spcBef>
+              <a:spcAft>
+                <a:spcPct val="0"/>
+              </a:spcAft>
+              <a:buClrTx/>
+              <a:buSzTx/>
+              <a:buFontTx/>
+              <a:buNone/>
+              <a:tabLst/>
+              <a:defRPr/>
+            </a:pPr>
+            <a:endParaRPr kumimoji="0" lang="en-SE" sz="1800" b="0" i="0" u="none" strike="noStrike" kern="0" cap="none" spc="0" normalizeH="0" baseline="0" noProof="0" dirty="0">
+              <a:ln>
+                <a:noFill/>
+              </a:ln>
+              <a:solidFill>
+                <a:srgbClr val="000000"/>
+              </a:solidFill>
+              <a:effectLst/>
+              <a:uLnTx/>
+              <a:uFillTx/>
+              <a:latin typeface="Arial" panose="020B0604020202020204" pitchFamily="34" charset="0"/>
+            </a:endParaRPr>
+          </a:p>
+        </p:txBody>
+      </p:sp>
+      <p:sp>
+        <p:nvSpPr>
+          <p:cNvPr id="14" name="Line 20">
+            <a:extLst>
+              <a:ext uri="{FF2B5EF4-FFF2-40B4-BE49-F238E27FC236}">
+                <a16:creationId xmlns:a16="http://schemas.microsoft.com/office/drawing/2014/main" id="{77256BFB-8B36-7C88-399A-E853393D7477}"/>
+              </a:ext>
+            </a:extLst>
+          </p:cNvPr>
+          <p:cNvSpPr>
+            <a:spLocks noChangeShapeType="1"/>
+          </p:cNvSpPr>
+          <p:nvPr/>
+        </p:nvSpPr>
+        <p:spPr bwMode="auto">
+          <a:xfrm>
+            <a:off x="5212497" y="5984758"/>
+            <a:ext cx="723900" cy="493940"/>
+          </a:xfrm>
+          <a:prstGeom prst="line">
+            <a:avLst/>
+          </a:prstGeom>
+          <a:ln w="19050" cap="flat" cmpd="sng" algn="ctr">
+            <a:solidFill>
+              <a:schemeClr val="dk1"/>
+            </a:solidFill>
+            <a:prstDash val="solid"/>
+            <a:round/>
+            <a:headEnd type="none" w="med" len="med"/>
+            <a:tailEnd type="arrow" w="med" len="med"/>
+          </a:ln>
+        </p:spPr>
+        <p:style>
+          <a:lnRef idx="0">
+            <a:scrgbClr r="0" g="0" b="0"/>
+          </a:lnRef>
+          <a:fillRef idx="0">
+            <a:scrgbClr r="0" g="0" b="0"/>
+          </a:fillRef>
+          <a:effectRef idx="0">
+            <a:scrgbClr r="0" g="0" b="0"/>
+          </a:effectRef>
+          <a:fontRef idx="minor">
+            <a:schemeClr val="tx1"/>
+          </a:fontRef>
+        </p:style>
+        <p:txBody>
+          <a:bodyPr/>
+          <a:lstStyle/>
+          <a:p>
+            <a:pPr defTabSz="914400" fontAlgn="base">
+              <a:spcBef>
+                <a:spcPct val="0"/>
+              </a:spcBef>
+              <a:spcAft>
+                <a:spcPct val="0"/>
+              </a:spcAft>
+            </a:pPr>
+            <a:endParaRPr lang="en-SE" kern="0">
+              <a:solidFill>
+                <a:srgbClr val="000000"/>
+              </a:solidFill>
+              <a:latin typeface="Arial" panose="020B0604020202020204" pitchFamily="34" charset="0"/>
+            </a:endParaRPr>
+          </a:p>
+        </p:txBody>
+      </p:sp>
+      <p:sp>
+        <p:nvSpPr>
+          <p:cNvPr id="15" name="Text Box 26">
+            <a:extLst>
+              <a:ext uri="{FF2B5EF4-FFF2-40B4-BE49-F238E27FC236}">
+                <a16:creationId xmlns:a16="http://schemas.microsoft.com/office/drawing/2014/main" id="{29F61A19-10B3-A687-BF80-4D4CF318FD2C}"/>
+              </a:ext>
+            </a:extLst>
+          </p:cNvPr>
+          <p:cNvSpPr txBox="1">
+            <a:spLocks noChangeArrowheads="1"/>
+          </p:cNvSpPr>
+          <p:nvPr/>
+        </p:nvSpPr>
+        <p:spPr bwMode="auto">
+          <a:xfrm>
+            <a:off x="5356358" y="6151446"/>
+            <a:ext cx="399803" cy="366712"/>
+          </a:xfrm>
+          <a:prstGeom prst="rect">
+            <a:avLst/>
+          </a:prstGeom>
+          <a:noFill/>
+          <a:ln>
+            <a:noFill/>
+          </a:ln>
+          <a:effectLst/>
+          <a:extLst>
+            <a:ext uri="{909E8E84-426E-40DD-AFC4-6F175D3DCCD1}">
+              <a14:hiddenFill xmlns:a14="http://schemas.microsoft.com/office/drawing/2010/main">
+                <a:solidFill>
+                  <a:schemeClr val="accent1"/>
+                </a:solidFill>
+              </a14:hiddenFill>
+            </a:ext>
+            <a:ext uri="{91240B29-F687-4F45-9708-019B960494DF}">
+              <a14:hiddenLine xmlns:a14="http://schemas.microsoft.com/office/drawing/2010/main" w="9525">
+                <a:solidFill>
+                  <a:schemeClr val="tx1"/>
+                </a:solidFill>
+                <a:miter lim="800000"/>
+                <a:headEnd/>
+                <a:tailEnd/>
+              </a14:hiddenLine>
+            </a:ext>
+            <a:ext uri="{AF507438-7753-43E0-B8FC-AC1667EBCBE1}">
+              <a14:hiddenEffects xmlns:a14="http://schemas.microsoft.com/office/drawing/2010/main">
+                <a:effectLst>
+                  <a:outerShdw dist="35921" dir="2700000" algn="ctr" rotWithShape="0">
+                    <a:schemeClr val="bg2"/>
+                  </a:outerShdw>
+                </a:effectLst>
+              </a14:hiddenEffects>
+            </a:ext>
+          </a:extLst>
+        </p:spPr>
+        <p:txBody>
+          <a:bodyPr wrap="square">
+            <a:spAutoFit/>
+          </a:bodyPr>
+          <a:lstStyle/>
+          <a:p>
+            <a:pPr defTabSz="914400" fontAlgn="base">
+              <a:spcBef>
+                <a:spcPct val="50000"/>
+              </a:spcBef>
+              <a:spcAft>
+                <a:spcPct val="0"/>
+              </a:spcAft>
+            </a:pPr>
+            <a:r>
+              <a:rPr lang="en-US" altLang="en-SE">
+                <a:solidFill>
+                  <a:srgbClr val="000000"/>
+                </a:solidFill>
+                <a:latin typeface="Arial" panose="020B0604020202020204" pitchFamily="34" charset="0"/>
+              </a:rPr>
+              <a:t>1</a:t>
+            </a:r>
+          </a:p>
+        </p:txBody>
+      </p:sp>
+      <p:sp>
+        <p:nvSpPr>
+          <p:cNvPr id="16" name="Text Box 28">
+            <a:extLst>
+              <a:ext uri="{FF2B5EF4-FFF2-40B4-BE49-F238E27FC236}">
+                <a16:creationId xmlns:a16="http://schemas.microsoft.com/office/drawing/2014/main" id="{CBFBC427-C2CA-F7CB-87C7-022AD504C2AD}"/>
+              </a:ext>
+            </a:extLst>
+          </p:cNvPr>
+          <p:cNvSpPr txBox="1">
+            <a:spLocks noChangeArrowheads="1"/>
+          </p:cNvSpPr>
+          <p:nvPr/>
+        </p:nvSpPr>
+        <p:spPr bwMode="auto">
+          <a:xfrm>
+            <a:off x="5212497" y="4991538"/>
+            <a:ext cx="571499" cy="369332"/>
+          </a:xfrm>
+          <a:prstGeom prst="rect">
+            <a:avLst/>
+          </a:prstGeom>
+          <a:noFill/>
+          <a:ln>
+            <a:noFill/>
+          </a:ln>
+          <a:effectLst/>
+          <a:extLst>
+            <a:ext uri="{909E8E84-426E-40DD-AFC4-6F175D3DCCD1}">
+              <a14:hiddenFill xmlns:a14="http://schemas.microsoft.com/office/drawing/2010/main">
+                <a:solidFill>
+                  <a:schemeClr val="accent1"/>
+                </a:solidFill>
+              </a14:hiddenFill>
+            </a:ext>
+            <a:ext uri="{91240B29-F687-4F45-9708-019B960494DF}">
+              <a14:hiddenLine xmlns:a14="http://schemas.microsoft.com/office/drawing/2010/main" w="9525">
+                <a:solidFill>
+                  <a:schemeClr val="tx1"/>
+                </a:solidFill>
+                <a:miter lim="800000"/>
+                <a:headEnd/>
+                <a:tailEnd/>
+              </a14:hiddenLine>
+            </a:ext>
+            <a:ext uri="{AF507438-7753-43E0-B8FC-AC1667EBCBE1}">
+              <a14:hiddenEffects xmlns:a14="http://schemas.microsoft.com/office/drawing/2010/main">
+                <a:effectLst>
+                  <a:outerShdw dist="35921" dir="2700000" algn="ctr" rotWithShape="0">
+                    <a:schemeClr val="bg2"/>
+                  </a:outerShdw>
+                </a:effectLst>
+              </a14:hiddenEffects>
+            </a:ext>
+          </a:extLst>
+        </p:spPr>
+        <p:txBody>
+          <a:bodyPr wrap="square">
+            <a:spAutoFit/>
+          </a:bodyPr>
+          <a:lstStyle/>
+          <a:p>
+            <a:pPr defTabSz="914400" fontAlgn="base">
+              <a:spcBef>
+                <a:spcPct val="50000"/>
+              </a:spcBef>
+              <a:spcAft>
+                <a:spcPct val="0"/>
+              </a:spcAft>
+            </a:pPr>
+            <a:r>
+              <a:rPr lang="en-US" altLang="en-SE" dirty="0">
+                <a:solidFill>
+                  <a:srgbClr val="000000"/>
+                </a:solidFill>
+                <a:latin typeface="Arial" panose="020B0604020202020204" pitchFamily="34" charset="0"/>
+              </a:rPr>
+              <a:t>10</a:t>
+            </a:r>
+          </a:p>
+        </p:txBody>
+      </p:sp>
+      <p:grpSp>
+        <p:nvGrpSpPr>
+          <p:cNvPr id="17" name="Group 7">
+            <a:extLst>
+              <a:ext uri="{FF2B5EF4-FFF2-40B4-BE49-F238E27FC236}">
+                <a16:creationId xmlns:a16="http://schemas.microsoft.com/office/drawing/2014/main" id="{BEE4B97B-0267-195F-8842-5B4E90061CE1}"/>
+              </a:ext>
+            </a:extLst>
+          </p:cNvPr>
+          <p:cNvGrpSpPr>
+            <a:grpSpLocks/>
+          </p:cNvGrpSpPr>
+          <p:nvPr/>
+        </p:nvGrpSpPr>
+        <p:grpSpPr bwMode="auto">
+          <a:xfrm>
+            <a:off x="7079397" y="5448604"/>
+            <a:ext cx="533400" cy="533400"/>
+            <a:chOff x="1824" y="2736"/>
+            <a:chExt cx="336" cy="336"/>
+          </a:xfrm>
+        </p:grpSpPr>
+        <p:sp>
+          <p:nvSpPr>
+            <p:cNvPr id="18" name="Oval 8">
+              <a:extLst>
+                <a:ext uri="{FF2B5EF4-FFF2-40B4-BE49-F238E27FC236}">
+                  <a16:creationId xmlns:a16="http://schemas.microsoft.com/office/drawing/2014/main" id="{32E77AFA-C00F-0570-930C-A458339C023C}"/>
+                </a:ext>
+              </a:extLst>
+            </p:cNvPr>
+            <p:cNvSpPr>
+              <a:spLocks noChangeArrowheads="1"/>
+            </p:cNvSpPr>
+            <p:nvPr/>
+          </p:nvSpPr>
+          <p:spPr bwMode="auto">
+            <a:xfrm>
+              <a:off x="1824" y="2736"/>
+              <a:ext cx="336" cy="336"/>
+            </a:xfrm>
+            <a:prstGeom prst="ellipse">
+              <a:avLst/>
+            </a:prstGeom>
+            <a:solidFill>
+              <a:srgbClr val="669999"/>
+            </a:solidFill>
+            <a:ln w="9525">
+              <a:solidFill>
+                <a:srgbClr val="000000"/>
+              </a:solidFill>
+              <a:round/>
+              <a:headEnd/>
+              <a:tailEnd/>
+            </a:ln>
+            <a:effectLst/>
+            <a:extLst>
+              <a:ext uri="{AF507438-7753-43E0-B8FC-AC1667EBCBE1}">
+                <a14:hiddenEffects xmlns:a14="http://schemas.microsoft.com/office/drawing/2010/main">
+                  <a:effectLst>
+                    <a:outerShdw dist="35921" dir="2700000" algn="ctr" rotWithShape="0">
+                      <a:schemeClr val="bg2"/>
+                    </a:outerShdw>
+                  </a:effectLst>
+                </a14:hiddenEffects>
+              </a:ext>
+            </a:extLst>
+          </p:spPr>
+          <p:txBody>
+            <a:bodyPr wrap="none" anchor="ctr"/>
+            <a:lstStyle/>
+            <a:p>
+              <a:pPr marL="0" marR="0" lvl="0" indent="0" defTabSz="914400" eaLnBrk="1" fontAlgn="base" latinLnBrk="0" hangingPunct="1">
+                <a:lnSpc>
+                  <a:spcPct val="100000"/>
+                </a:lnSpc>
+                <a:spcBef>
+                  <a:spcPct val="0"/>
+                </a:spcBef>
+                <a:spcAft>
+                  <a:spcPct val="0"/>
+                </a:spcAft>
+                <a:buClrTx/>
+                <a:buSzTx/>
+                <a:buFontTx/>
+                <a:buNone/>
+                <a:tabLst/>
+                <a:defRPr/>
+              </a:pPr>
+              <a:endParaRPr kumimoji="0" lang="en-SE" sz="1800" b="0" i="0" u="none" strike="noStrike" kern="0" cap="none" spc="0" normalizeH="0" baseline="0" noProof="0">
+                <a:ln>
+                  <a:noFill/>
+                </a:ln>
+                <a:solidFill>
+                  <a:srgbClr val="000000"/>
+                </a:solidFill>
+                <a:effectLst/>
+                <a:uLnTx/>
+                <a:uFillTx/>
+                <a:latin typeface="Arial" panose="020B0604020202020204" pitchFamily="34" charset="0"/>
+              </a:endParaRPr>
+            </a:p>
+          </p:txBody>
+        </p:sp>
+        <p:sp>
+          <p:nvSpPr>
+            <p:cNvPr id="19" name="Text Box 9">
+              <a:extLst>
+                <a:ext uri="{FF2B5EF4-FFF2-40B4-BE49-F238E27FC236}">
+                  <a16:creationId xmlns:a16="http://schemas.microsoft.com/office/drawing/2014/main" id="{F58BAC4A-896B-CAF2-F118-0ACDAE5FD621}"/>
+                </a:ext>
+              </a:extLst>
+            </p:cNvPr>
+            <p:cNvSpPr txBox="1">
+              <a:spLocks noChangeArrowheads="1"/>
+            </p:cNvSpPr>
+            <p:nvPr/>
+          </p:nvSpPr>
+          <p:spPr bwMode="auto">
+            <a:xfrm>
+              <a:off x="1872" y="2736"/>
+              <a:ext cx="288" cy="288"/>
+            </a:xfrm>
+            <a:prstGeom prst="rect">
+              <a:avLst/>
+            </a:prstGeom>
+            <a:noFill/>
+            <a:ln>
+              <a:noFill/>
+            </a:ln>
+            <a:effectLst/>
+            <a:extLst>
+              <a:ext uri="{909E8E84-426E-40DD-AFC4-6F175D3DCCD1}">
+                <a14:hiddenFill xmlns:a14="http://schemas.microsoft.com/office/drawing/2010/main">
+                  <a:solidFill>
+                    <a:schemeClr val="accent1"/>
+                  </a:solidFill>
+                </a14:hiddenFill>
+              </a:ext>
+              <a:ext uri="{91240B29-F687-4F45-9708-019B960494DF}">
+                <a14:hiddenLine xmlns:a14="http://schemas.microsoft.com/office/drawing/2010/main" w="9525">
+                  <a:solidFill>
+                    <a:schemeClr val="tx1"/>
+                  </a:solidFill>
+                  <a:miter lim="800000"/>
+                  <a:headEnd/>
+                  <a:tailEnd/>
+                </a14:hiddenLine>
+              </a:ext>
+              <a:ext uri="{AF507438-7753-43E0-B8FC-AC1667EBCBE1}">
+                <a14:hiddenEffects xmlns:a14="http://schemas.microsoft.com/office/drawing/2010/main">
+                  <a:effectLst>
+                    <a:outerShdw dist="35921" dir="2700000" algn="ctr" rotWithShape="0">
+                      <a:schemeClr val="bg2"/>
+                    </a:outerShdw>
+                  </a:effectLst>
+                </a14:hiddenEffects>
+              </a:ext>
+            </a:extLst>
+          </p:spPr>
+          <p:txBody>
+            <a:bodyPr>
+              <a:spAutoFit/>
+            </a:bodyPr>
+            <a:lstStyle/>
+            <a:p>
+              <a:pPr marL="0" marR="0" lvl="0" indent="0" defTabSz="914400" eaLnBrk="1" fontAlgn="base" latinLnBrk="0" hangingPunct="1">
+                <a:lnSpc>
+                  <a:spcPct val="100000"/>
+                </a:lnSpc>
+                <a:spcBef>
+                  <a:spcPct val="50000"/>
+                </a:spcBef>
+                <a:spcAft>
+                  <a:spcPct val="0"/>
+                </a:spcAft>
+                <a:buClrTx/>
+                <a:buSzTx/>
+                <a:buFontTx/>
+                <a:buNone/>
+                <a:tabLst/>
+                <a:defRPr/>
+              </a:pPr>
+              <a:r>
+                <a:rPr kumimoji="0" lang="en-US" altLang="en-SE" sz="2400" b="0" i="0" u="none" strike="noStrike" kern="0" cap="none" spc="0" normalizeH="0" baseline="0" noProof="0" dirty="0">
+                  <a:ln>
+                    <a:noFill/>
+                  </a:ln>
+                  <a:solidFill>
+                    <a:srgbClr val="000000"/>
+                  </a:solidFill>
+                  <a:effectLst/>
+                  <a:uLnTx/>
+                  <a:uFillTx/>
+                  <a:latin typeface="Arial" panose="020B0604020202020204" pitchFamily="34" charset="0"/>
+                </a:rPr>
+                <a:t>D</a:t>
+              </a:r>
+            </a:p>
+          </p:txBody>
+        </p:sp>
+      </p:grpSp>
+      <p:sp>
+        <p:nvSpPr>
+          <p:cNvPr id="20" name="Line 19">
+            <a:extLst>
+              <a:ext uri="{FF2B5EF4-FFF2-40B4-BE49-F238E27FC236}">
+                <a16:creationId xmlns:a16="http://schemas.microsoft.com/office/drawing/2014/main" id="{6C623E2B-7147-87F6-F719-D47C7BDFB6EC}"/>
+              </a:ext>
+            </a:extLst>
+          </p:cNvPr>
+          <p:cNvSpPr>
+            <a:spLocks noChangeShapeType="1"/>
+          </p:cNvSpPr>
+          <p:nvPr/>
+        </p:nvSpPr>
+        <p:spPr bwMode="auto">
+          <a:xfrm>
+            <a:off x="6431697" y="5047344"/>
+            <a:ext cx="685801" cy="533399"/>
+          </a:xfrm>
+          <a:prstGeom prst="line">
+            <a:avLst/>
+          </a:prstGeom>
+          <a:ln w="19050" cap="flat" cmpd="sng" algn="ctr">
+            <a:solidFill>
+              <a:schemeClr val="dk1"/>
+            </a:solidFill>
+            <a:prstDash val="solid"/>
+            <a:round/>
+            <a:headEnd type="none" w="med" len="med"/>
+            <a:tailEnd type="arrow" w="med" len="med"/>
+          </a:ln>
+        </p:spPr>
+        <p:style>
+          <a:lnRef idx="0">
+            <a:scrgbClr r="0" g="0" b="0"/>
+          </a:lnRef>
+          <a:fillRef idx="0">
+            <a:scrgbClr r="0" g="0" b="0"/>
+          </a:fillRef>
+          <a:effectRef idx="0">
+            <a:scrgbClr r="0" g="0" b="0"/>
+          </a:effectRef>
+          <a:fontRef idx="minor">
+            <a:schemeClr val="tx1"/>
+          </a:fontRef>
+        </p:style>
+        <p:txBody>
+          <a:bodyPr/>
+          <a:lstStyle/>
+          <a:p>
+            <a:pPr marL="0" marR="0" lvl="0" indent="0" defTabSz="914400" eaLnBrk="1" fontAlgn="base" latinLnBrk="0" hangingPunct="1">
+              <a:lnSpc>
+                <a:spcPct val="100000"/>
+              </a:lnSpc>
+              <a:spcBef>
+                <a:spcPct val="0"/>
+              </a:spcBef>
+              <a:spcAft>
+                <a:spcPct val="0"/>
+              </a:spcAft>
+              <a:buClrTx/>
+              <a:buSzTx/>
+              <a:buFontTx/>
+              <a:buNone/>
+              <a:tabLst/>
+              <a:defRPr/>
+            </a:pPr>
+            <a:endParaRPr kumimoji="0" lang="en-SE" sz="1800" b="0" i="0" u="none" strike="noStrike" kern="0" cap="none" spc="0" normalizeH="0" baseline="0" noProof="0" dirty="0">
+              <a:ln>
+                <a:noFill/>
+              </a:ln>
+              <a:solidFill>
+                <a:srgbClr val="000000"/>
+              </a:solidFill>
+              <a:effectLst/>
+              <a:uLnTx/>
+              <a:uFillTx/>
+              <a:latin typeface="Arial" panose="020B0604020202020204" pitchFamily="34" charset="0"/>
+            </a:endParaRPr>
+          </a:p>
+        </p:txBody>
+      </p:sp>
+      <p:sp>
+        <p:nvSpPr>
+          <p:cNvPr id="21" name="Line 19">
+            <a:extLst>
+              <a:ext uri="{FF2B5EF4-FFF2-40B4-BE49-F238E27FC236}">
+                <a16:creationId xmlns:a16="http://schemas.microsoft.com/office/drawing/2014/main" id="{F750F996-A26F-D80B-ADF0-556912B43F43}"/>
+              </a:ext>
+            </a:extLst>
+          </p:cNvPr>
+          <p:cNvSpPr>
+            <a:spLocks noChangeShapeType="1"/>
+          </p:cNvSpPr>
+          <p:nvPr/>
+        </p:nvSpPr>
+        <p:spPr bwMode="auto">
+          <a:xfrm flipV="1">
+            <a:off x="6443987" y="5905805"/>
+            <a:ext cx="711610" cy="572893"/>
+          </a:xfrm>
+          <a:prstGeom prst="line">
+            <a:avLst/>
+          </a:prstGeom>
+          <a:ln w="19050" cap="flat" cmpd="sng" algn="ctr">
+            <a:solidFill>
+              <a:schemeClr val="dk1"/>
+            </a:solidFill>
+            <a:prstDash val="solid"/>
+            <a:round/>
+            <a:headEnd type="none" w="med" len="med"/>
+            <a:tailEnd type="arrow" w="med" len="med"/>
+          </a:ln>
+        </p:spPr>
+        <p:style>
+          <a:lnRef idx="0">
+            <a:scrgbClr r="0" g="0" b="0"/>
+          </a:lnRef>
+          <a:fillRef idx="0">
+            <a:scrgbClr r="0" g="0" b="0"/>
+          </a:fillRef>
+          <a:effectRef idx="0">
+            <a:scrgbClr r="0" g="0" b="0"/>
+          </a:effectRef>
+          <a:fontRef idx="minor">
+            <a:schemeClr val="tx1"/>
+          </a:fontRef>
+        </p:style>
+        <p:txBody>
+          <a:bodyPr/>
+          <a:lstStyle/>
+          <a:p>
+            <a:pPr marL="0" marR="0" lvl="0" indent="0" defTabSz="914400" eaLnBrk="1" fontAlgn="base" latinLnBrk="0" hangingPunct="1">
+              <a:lnSpc>
+                <a:spcPct val="100000"/>
+              </a:lnSpc>
+              <a:spcBef>
+                <a:spcPct val="0"/>
+              </a:spcBef>
+              <a:spcAft>
+                <a:spcPct val="0"/>
+              </a:spcAft>
+              <a:buClrTx/>
+              <a:buSzTx/>
+              <a:buFontTx/>
+              <a:buNone/>
+              <a:tabLst/>
+              <a:defRPr/>
+            </a:pPr>
+            <a:endParaRPr kumimoji="0" lang="en-SE" sz="1800" b="0" i="0" u="none" strike="noStrike" kern="0" cap="none" spc="0" normalizeH="0" baseline="0" noProof="0" dirty="0">
+              <a:ln>
+                <a:noFill/>
+              </a:ln>
+              <a:solidFill>
+                <a:srgbClr val="000000"/>
+              </a:solidFill>
+              <a:effectLst/>
+              <a:uLnTx/>
+              <a:uFillTx/>
+              <a:latin typeface="Arial" panose="020B0604020202020204" pitchFamily="34" charset="0"/>
+            </a:endParaRPr>
+          </a:p>
+        </p:txBody>
+      </p:sp>
+      <p:sp>
+        <p:nvSpPr>
+          <p:cNvPr id="22" name="Text Box 28">
+            <a:extLst>
+              <a:ext uri="{FF2B5EF4-FFF2-40B4-BE49-F238E27FC236}">
+                <a16:creationId xmlns:a16="http://schemas.microsoft.com/office/drawing/2014/main" id="{8297A388-9AA0-8F61-2EAF-4D7F7541C2E1}"/>
+              </a:ext>
+            </a:extLst>
+          </p:cNvPr>
+          <p:cNvSpPr txBox="1">
+            <a:spLocks noChangeArrowheads="1"/>
+          </p:cNvSpPr>
+          <p:nvPr/>
+        </p:nvSpPr>
+        <p:spPr bwMode="auto">
+          <a:xfrm>
+            <a:off x="6603147" y="4991538"/>
+            <a:ext cx="819150" cy="369332"/>
+          </a:xfrm>
+          <a:prstGeom prst="rect">
+            <a:avLst/>
+          </a:prstGeom>
+          <a:noFill/>
+          <a:ln>
+            <a:noFill/>
+          </a:ln>
+          <a:effectLst/>
+          <a:extLst>
+            <a:ext uri="{909E8E84-426E-40DD-AFC4-6F175D3DCCD1}">
+              <a14:hiddenFill xmlns:a14="http://schemas.microsoft.com/office/drawing/2010/main">
+                <a:solidFill>
+                  <a:schemeClr val="accent1"/>
+                </a:solidFill>
+              </a14:hiddenFill>
+            </a:ext>
+            <a:ext uri="{91240B29-F687-4F45-9708-019B960494DF}">
+              <a14:hiddenLine xmlns:a14="http://schemas.microsoft.com/office/drawing/2010/main" w="9525">
+                <a:solidFill>
+                  <a:schemeClr val="tx1"/>
+                </a:solidFill>
+                <a:miter lim="800000"/>
+                <a:headEnd/>
+                <a:tailEnd/>
+              </a14:hiddenLine>
+            </a:ext>
+            <a:ext uri="{AF507438-7753-43E0-B8FC-AC1667EBCBE1}">
+              <a14:hiddenEffects xmlns:a14="http://schemas.microsoft.com/office/drawing/2010/main">
+                <a:effectLst>
+                  <a:outerShdw dist="35921" dir="2700000" algn="ctr" rotWithShape="0">
+                    <a:schemeClr val="bg2"/>
+                  </a:outerShdw>
+                </a:effectLst>
+              </a14:hiddenEffects>
+            </a:ext>
+          </a:extLst>
+        </p:spPr>
+        <p:txBody>
+          <a:bodyPr wrap="square">
+            <a:spAutoFit/>
+          </a:bodyPr>
+          <a:lstStyle/>
+          <a:p>
+            <a:pPr defTabSz="914400" fontAlgn="base">
+              <a:spcBef>
+                <a:spcPct val="50000"/>
+              </a:spcBef>
+              <a:spcAft>
+                <a:spcPct val="0"/>
+              </a:spcAft>
+            </a:pPr>
+            <a:r>
+              <a:rPr lang="en-US" altLang="en-SE" dirty="0">
+                <a:solidFill>
+                  <a:srgbClr val="000000"/>
+                </a:solidFill>
+                <a:latin typeface="Arial" panose="020B0604020202020204" pitchFamily="34" charset="0"/>
+              </a:rPr>
+              <a:t>-20</a:t>
+            </a:r>
+          </a:p>
+        </p:txBody>
+      </p:sp>
+      <p:sp>
+        <p:nvSpPr>
+          <p:cNvPr id="23" name="Text Box 26">
+            <a:extLst>
+              <a:ext uri="{FF2B5EF4-FFF2-40B4-BE49-F238E27FC236}">
+                <a16:creationId xmlns:a16="http://schemas.microsoft.com/office/drawing/2014/main" id="{D26307F6-4CD3-F3E5-E316-424335535745}"/>
+              </a:ext>
+            </a:extLst>
+          </p:cNvPr>
+          <p:cNvSpPr txBox="1">
+            <a:spLocks noChangeArrowheads="1"/>
+          </p:cNvSpPr>
+          <p:nvPr/>
+        </p:nvSpPr>
+        <p:spPr bwMode="auto">
+          <a:xfrm>
+            <a:off x="6757143" y="6111986"/>
+            <a:ext cx="399803" cy="366712"/>
+          </a:xfrm>
+          <a:prstGeom prst="rect">
+            <a:avLst/>
+          </a:prstGeom>
+          <a:noFill/>
+          <a:ln>
+            <a:noFill/>
+          </a:ln>
+          <a:effectLst/>
+          <a:extLst>
+            <a:ext uri="{909E8E84-426E-40DD-AFC4-6F175D3DCCD1}">
+              <a14:hiddenFill xmlns:a14="http://schemas.microsoft.com/office/drawing/2010/main">
+                <a:solidFill>
+                  <a:schemeClr val="accent1"/>
+                </a:solidFill>
+              </a14:hiddenFill>
+            </a:ext>
+            <a:ext uri="{91240B29-F687-4F45-9708-019B960494DF}">
+              <a14:hiddenLine xmlns:a14="http://schemas.microsoft.com/office/drawing/2010/main" w="9525">
+                <a:solidFill>
+                  <a:schemeClr val="tx1"/>
+                </a:solidFill>
+                <a:miter lim="800000"/>
+                <a:headEnd/>
+                <a:tailEnd/>
+              </a14:hiddenLine>
+            </a:ext>
+            <a:ext uri="{AF507438-7753-43E0-B8FC-AC1667EBCBE1}">
+              <a14:hiddenEffects xmlns:a14="http://schemas.microsoft.com/office/drawing/2010/main">
+                <a:effectLst>
+                  <a:outerShdw dist="35921" dir="2700000" algn="ctr" rotWithShape="0">
+                    <a:schemeClr val="bg2"/>
+                  </a:outerShdw>
+                </a:effectLst>
+              </a14:hiddenEffects>
+            </a:ext>
+          </a:extLst>
+        </p:spPr>
+        <p:txBody>
+          <a:bodyPr wrap="square">
+            <a:spAutoFit/>
+          </a:bodyPr>
+          <a:lstStyle/>
+          <a:p>
+            <a:pPr defTabSz="914400" fontAlgn="base">
+              <a:spcBef>
+                <a:spcPct val="50000"/>
+              </a:spcBef>
+              <a:spcAft>
+                <a:spcPct val="0"/>
+              </a:spcAft>
+            </a:pPr>
+            <a:r>
+              <a:rPr lang="en-US" altLang="en-SE">
+                <a:solidFill>
+                  <a:srgbClr val="000000"/>
+                </a:solidFill>
+                <a:latin typeface="Arial" panose="020B0604020202020204" pitchFamily="34" charset="0"/>
+              </a:rPr>
+              <a:t>1</a:t>
+            </a:r>
+          </a:p>
+        </p:txBody>
+      </p:sp>
+      <mc:AlternateContent xmlns:mc="http://schemas.openxmlformats.org/markup-compatibility/2006" xmlns:a14="http://schemas.microsoft.com/office/drawing/2010/main">
+        <mc:Choice Requires="a14">
+          <p:graphicFrame>
+            <p:nvGraphicFramePr>
+              <p:cNvPr id="24" name="Content Placeholder 4">
+                <a:extLst>
+                  <a:ext uri="{FF2B5EF4-FFF2-40B4-BE49-F238E27FC236}">
+                    <a16:creationId xmlns:a16="http://schemas.microsoft.com/office/drawing/2014/main" id="{EF723EFD-1C6F-779E-479F-36E339D45100}"/>
+                  </a:ext>
+                </a:extLst>
+              </p:cNvPr>
+              <p:cNvGraphicFramePr>
+                <a:graphicFrameLocks/>
+              </p:cNvGraphicFramePr>
+              <p:nvPr>
+                <p:extLst>
+                  <p:ext uri="{D42A27DB-BD31-4B8C-83A1-F6EECF244321}">
+                    <p14:modId xmlns:p14="http://schemas.microsoft.com/office/powerpoint/2010/main" val="2209763538"/>
+                  </p:ext>
+                </p:extLst>
+              </p:nvPr>
+            </p:nvGraphicFramePr>
+            <p:xfrm>
+              <a:off x="179822" y="2629077"/>
+              <a:ext cx="1408679" cy="1854200"/>
+            </p:xfrm>
+            <a:graphic>
+              <a:graphicData uri="http://schemas.openxmlformats.org/drawingml/2006/table">
+                <a:tbl>
+                  <a:tblPr firstRow="1" bandRow="1">
+                    <a:tableStyleId>{5C22544A-7EE6-4342-B048-85BDC9FD1C3A}</a:tableStyleId>
+                  </a:tblPr>
+                  <a:tblGrid>
+                    <a:gridCol w="461622">
+                      <a:extLst>
+                        <a:ext uri="{9D8B030D-6E8A-4147-A177-3AD203B41FA5}">
+                          <a16:colId xmlns:a16="http://schemas.microsoft.com/office/drawing/2014/main" val="1437393818"/>
+                        </a:ext>
+                      </a:extLst>
+                    </a:gridCol>
+                    <a:gridCol w="468086">
+                      <a:extLst>
+                        <a:ext uri="{9D8B030D-6E8A-4147-A177-3AD203B41FA5}">
+                          <a16:colId xmlns:a16="http://schemas.microsoft.com/office/drawing/2014/main" val="3865283362"/>
+                        </a:ext>
+                      </a:extLst>
+                    </a:gridCol>
+                    <a:gridCol w="478971">
+                      <a:extLst>
+                        <a:ext uri="{9D8B030D-6E8A-4147-A177-3AD203B41FA5}">
+                          <a16:colId xmlns:a16="http://schemas.microsoft.com/office/drawing/2014/main" val="2508205066"/>
+                        </a:ext>
+                      </a:extLst>
+                    </a:gridCol>
+                  </a:tblGrid>
+                  <a:tr h="370840">
+                    <a:tc>
+                      <a:txBody>
+                        <a:bodyPr/>
+                        <a:lstStyle/>
+                        <a:p>
+                          <a:pPr algn="ctr"/>
+                          <a:r>
+                            <a:rPr lang="en-US" dirty="0"/>
+                            <a:t>N</a:t>
+                          </a:r>
+                          <a:endParaRPr lang="en-SE" dirty="0"/>
+                        </a:p>
+                      </a:txBody>
+                      <a:tcPr/>
+                    </a:tc>
+                    <a:tc>
+                      <a:txBody>
+                        <a:bodyPr/>
+                        <a:lstStyle/>
+                        <a:p>
+                          <a:pPr algn="ctr"/>
+                          <a:r>
+                            <a:rPr lang="en-US" dirty="0"/>
+                            <a:t>SD</a:t>
+                          </a:r>
+                          <a:endParaRPr lang="en-SE" dirty="0"/>
+                        </a:p>
+                      </a:txBody>
+                      <a:tcPr/>
+                    </a:tc>
+                    <a:tc>
+                      <a:txBody>
+                        <a:bodyPr/>
+                        <a:lstStyle/>
+                        <a:p>
+                          <a:pPr algn="ctr"/>
+                          <a:r>
+                            <a:rPr lang="en-US" dirty="0"/>
+                            <a:t>PN</a:t>
+                          </a:r>
+                          <a:endParaRPr lang="en-SE" dirty="0"/>
+                        </a:p>
+                      </a:txBody>
+                      <a:tcPr/>
+                    </a:tc>
+                    <a:extLst>
+                      <a:ext uri="{0D108BD9-81ED-4DB2-BD59-A6C34878D82A}">
+                        <a16:rowId xmlns:a16="http://schemas.microsoft.com/office/drawing/2014/main" val="3515259906"/>
+                      </a:ext>
+                    </a:extLst>
+                  </a:tr>
+                  <a:tr h="370840">
+                    <a:tc>
+                      <a:txBody>
+                        <a:bodyPr/>
+                        <a:lstStyle/>
+                        <a:p>
+                          <a:pPr algn="ctr"/>
+                          <a:r>
+                            <a:rPr lang="en-US" altLang="zh-CN" dirty="0"/>
+                            <a:t>A</a:t>
+                          </a:r>
+                          <a:endParaRPr lang="en-SE" dirty="0"/>
+                        </a:p>
+                      </a:txBody>
+                      <a:tcPr/>
+                    </a:tc>
+                    <a:tc>
+                      <a:txBody>
+                        <a:bodyPr/>
+                        <a:lstStyle/>
+                        <a:p>
+                          <a:pPr algn="ctr"/>
+                          <a:r>
+                            <a:rPr lang="en-US" dirty="0"/>
+                            <a:t>0</a:t>
+                          </a:r>
+                          <a:endParaRPr lang="en-SE" dirty="0"/>
+                        </a:p>
+                      </a:txBody>
+                      <a:tcPr/>
+                    </a:tc>
+                    <a:tc>
+                      <a:txBody>
+                        <a:bodyPr/>
+                        <a:lstStyle/>
+                        <a:p>
+                          <a:pPr algn="ctr"/>
+                          <a:endParaRPr lang="en-SE" dirty="0"/>
+                        </a:p>
+                      </a:txBody>
+                      <a:tcPr/>
+                    </a:tc>
+                    <a:extLst>
+                      <a:ext uri="{0D108BD9-81ED-4DB2-BD59-A6C34878D82A}">
+                        <a16:rowId xmlns:a16="http://schemas.microsoft.com/office/drawing/2014/main" val="3762638117"/>
+                      </a:ext>
+                    </a:extLst>
+                  </a:tr>
+                  <a:tr h="370840">
+                    <a:tc>
+                      <a:txBody>
+                        <a:bodyPr/>
+                        <a:lstStyle/>
+                        <a:p>
+                          <a:pPr algn="ctr"/>
+                          <a:r>
+                            <a:rPr lang="en-US" dirty="0"/>
+                            <a:t>B</a:t>
+                          </a:r>
+                          <a:endParaRPr lang="en-SE" dirty="0"/>
+                        </a:p>
+                      </a:txBody>
+                      <a:tcPr/>
+                    </a:tc>
+                    <a:tc>
+                      <a:txBody>
+                        <a:bodyPr/>
+                        <a:lstStyle/>
+                        <a:p>
+                          <a:pPr algn="ctr"/>
+                          <a14:m>
+                            <m:oMathPara xmlns:m="http://schemas.openxmlformats.org/officeDocument/2006/math">
+                              <m:oMathParaPr>
+                                <m:jc m:val="centerGroup"/>
+                              </m:oMathParaPr>
+                              <m:oMath xmlns:m="http://schemas.openxmlformats.org/officeDocument/2006/math">
+                                <m:r>
+                                  <a:rPr lang="en-GB" b="0" i="1" smtClean="0">
+                                    <a:latin typeface="Cambria Math" panose="02040503050406030204" pitchFamily="18" charset="0"/>
+                                  </a:rPr>
+                                  <m:t>∞</m:t>
+                                </m:r>
+                              </m:oMath>
+                            </m:oMathPara>
+                          </a14:m>
+                          <a:endParaRPr lang="en-SE" dirty="0"/>
+                        </a:p>
+                      </a:txBody>
+                      <a:tcPr/>
+                    </a:tc>
+                    <a:tc>
+                      <a:txBody>
+                        <a:bodyPr/>
+                        <a:lstStyle/>
+                        <a:p>
+                          <a:pPr algn="ctr"/>
+                          <a:endParaRPr lang="en-SE"/>
+                        </a:p>
+                      </a:txBody>
+                      <a:tcPr/>
+                    </a:tc>
+                    <a:extLst>
+                      <a:ext uri="{0D108BD9-81ED-4DB2-BD59-A6C34878D82A}">
+                        <a16:rowId xmlns:a16="http://schemas.microsoft.com/office/drawing/2014/main" val="616934466"/>
+                      </a:ext>
+                    </a:extLst>
+                  </a:tr>
+                  <a:tr h="370840">
+                    <a:tc>
+                      <a:txBody>
+                        <a:bodyPr/>
+                        <a:lstStyle/>
+                        <a:p>
+                          <a:pPr algn="ctr"/>
+                          <a:r>
+                            <a:rPr lang="en-US" dirty="0"/>
+                            <a:t>C</a:t>
+                          </a:r>
+                          <a:endParaRPr lang="en-SE" dirty="0"/>
+                        </a:p>
+                      </a:txBody>
+                      <a:tcPr/>
+                    </a:tc>
+                    <a:tc>
+                      <a:txBody>
+                        <a:bodyPr/>
+                        <a:lstStyle/>
+                        <a:p>
+                          <a:pPr algn="ctr"/>
+                          <a14:m>
+                            <m:oMathPara xmlns:m="http://schemas.openxmlformats.org/officeDocument/2006/math">
+                              <m:oMathParaPr>
+                                <m:jc m:val="centerGroup"/>
+                              </m:oMathParaPr>
+                              <m:oMath xmlns:m="http://schemas.openxmlformats.org/officeDocument/2006/math">
+                                <m:r>
+                                  <a:rPr lang="en-GB" b="0" i="1" smtClean="0">
+                                    <a:latin typeface="Cambria Math" panose="02040503050406030204" pitchFamily="18" charset="0"/>
+                                  </a:rPr>
+                                  <m:t>∞</m:t>
+                                </m:r>
+                              </m:oMath>
+                            </m:oMathPara>
+                          </a14:m>
+                          <a:endParaRPr lang="en-SE" dirty="0"/>
+                        </a:p>
+                      </a:txBody>
+                      <a:tcPr/>
+                    </a:tc>
+                    <a:tc>
+                      <a:txBody>
+                        <a:bodyPr/>
+                        <a:lstStyle/>
+                        <a:p>
+                          <a:pPr algn="ctr"/>
+                          <a:endParaRPr lang="en-SE" dirty="0"/>
+                        </a:p>
+                      </a:txBody>
+                      <a:tcPr/>
+                    </a:tc>
+                    <a:extLst>
+                      <a:ext uri="{0D108BD9-81ED-4DB2-BD59-A6C34878D82A}">
+                        <a16:rowId xmlns:a16="http://schemas.microsoft.com/office/drawing/2014/main" val="3586663048"/>
+                      </a:ext>
+                    </a:extLst>
+                  </a:tr>
+                  <a:tr h="370840">
+                    <a:tc>
+                      <a:txBody>
+                        <a:bodyPr/>
+                        <a:lstStyle/>
+                        <a:p>
+                          <a:pPr algn="ctr"/>
+                          <a:r>
+                            <a:rPr lang="en-US" dirty="0"/>
+                            <a:t>D</a:t>
+                          </a:r>
+                          <a:endParaRPr lang="en-SE" dirty="0"/>
+                        </a:p>
+                      </a:txBody>
+                      <a:tcPr/>
+                    </a:tc>
+                    <a:tc>
+                      <a:txBody>
+                        <a:bodyPr/>
+                        <a:lstStyle/>
+                        <a:p>
+                          <a:pPr algn="ctr"/>
+                          <a14:m>
+                            <m:oMathPara xmlns:m="http://schemas.openxmlformats.org/officeDocument/2006/math">
+                              <m:oMathParaPr>
+                                <m:jc m:val="centerGroup"/>
+                              </m:oMathParaPr>
+                              <m:oMath xmlns:m="http://schemas.openxmlformats.org/officeDocument/2006/math">
+                                <m:r>
+                                  <a:rPr lang="en-GB" b="0" i="1" smtClean="0">
+                                    <a:latin typeface="Cambria Math" panose="02040503050406030204" pitchFamily="18" charset="0"/>
+                                  </a:rPr>
+                                  <m:t>∞</m:t>
+                                </m:r>
+                              </m:oMath>
+                            </m:oMathPara>
+                          </a14:m>
+                          <a:endParaRPr lang="en-SE" dirty="0"/>
+                        </a:p>
+                      </a:txBody>
+                      <a:tcPr/>
+                    </a:tc>
+                    <a:tc>
+                      <a:txBody>
+                        <a:bodyPr/>
+                        <a:lstStyle/>
+                        <a:p>
+                          <a:pPr algn="ctr"/>
+                          <a:endParaRPr lang="en-SE" dirty="0"/>
+                        </a:p>
+                      </a:txBody>
+                      <a:tcPr/>
+                    </a:tc>
+                    <a:extLst>
+                      <a:ext uri="{0D108BD9-81ED-4DB2-BD59-A6C34878D82A}">
+                        <a16:rowId xmlns:a16="http://schemas.microsoft.com/office/drawing/2014/main" val="2443210191"/>
+                      </a:ext>
+                    </a:extLst>
+                  </a:tr>
+                </a:tbl>
+              </a:graphicData>
+            </a:graphic>
+          </p:graphicFrame>
+        </mc:Choice>
+        <mc:Fallback xmlns="">
+          <p:graphicFrame>
+            <p:nvGraphicFramePr>
+              <p:cNvPr id="24" name="Content Placeholder 4">
+                <a:extLst>
+                  <a:ext uri="{FF2B5EF4-FFF2-40B4-BE49-F238E27FC236}">
+                    <a16:creationId xmlns:a16="http://schemas.microsoft.com/office/drawing/2014/main" id="{EF723EFD-1C6F-779E-479F-36E339D45100}"/>
+                  </a:ext>
+                </a:extLst>
+              </p:cNvPr>
+              <p:cNvGraphicFramePr>
+                <a:graphicFrameLocks/>
+              </p:cNvGraphicFramePr>
+              <p:nvPr>
+                <p:extLst>
+                  <p:ext uri="{D42A27DB-BD31-4B8C-83A1-F6EECF244321}">
+                    <p14:modId xmlns:p14="http://schemas.microsoft.com/office/powerpoint/2010/main" val="2209763538"/>
+                  </p:ext>
+                </p:extLst>
+              </p:nvPr>
+            </p:nvGraphicFramePr>
+            <p:xfrm>
+              <a:off x="179822" y="2629077"/>
+              <a:ext cx="1408679" cy="1854200"/>
+            </p:xfrm>
+            <a:graphic>
+              <a:graphicData uri="http://schemas.openxmlformats.org/drawingml/2006/table">
+                <a:tbl>
+                  <a:tblPr firstRow="1" bandRow="1">
+                    <a:tableStyleId>{5C22544A-7EE6-4342-B048-85BDC9FD1C3A}</a:tableStyleId>
+                  </a:tblPr>
+                  <a:tblGrid>
+                    <a:gridCol w="461622">
+                      <a:extLst>
+                        <a:ext uri="{9D8B030D-6E8A-4147-A177-3AD203B41FA5}">
+                          <a16:colId xmlns:a16="http://schemas.microsoft.com/office/drawing/2014/main" val="1437393818"/>
+                        </a:ext>
+                      </a:extLst>
+                    </a:gridCol>
+                    <a:gridCol w="468086">
+                      <a:extLst>
+                        <a:ext uri="{9D8B030D-6E8A-4147-A177-3AD203B41FA5}">
+                          <a16:colId xmlns:a16="http://schemas.microsoft.com/office/drawing/2014/main" val="3865283362"/>
+                        </a:ext>
+                      </a:extLst>
+                    </a:gridCol>
+                    <a:gridCol w="478971">
+                      <a:extLst>
+                        <a:ext uri="{9D8B030D-6E8A-4147-A177-3AD203B41FA5}">
+                          <a16:colId xmlns:a16="http://schemas.microsoft.com/office/drawing/2014/main" val="2508205066"/>
+                        </a:ext>
+                      </a:extLst>
+                    </a:gridCol>
+                  </a:tblGrid>
+                  <a:tr h="370840">
+                    <a:tc>
+                      <a:txBody>
+                        <a:bodyPr/>
+                        <a:lstStyle/>
+                        <a:p>
+                          <a:pPr algn="ctr"/>
+                          <a:r>
+                            <a:rPr lang="en-US" dirty="0"/>
+                            <a:t>N</a:t>
+                          </a:r>
+                          <a:endParaRPr lang="en-SE" dirty="0"/>
+                        </a:p>
+                      </a:txBody>
+                      <a:tcPr/>
+                    </a:tc>
+                    <a:tc>
+                      <a:txBody>
+                        <a:bodyPr/>
+                        <a:lstStyle/>
+                        <a:p>
+                          <a:pPr algn="ctr"/>
+                          <a:r>
+                            <a:rPr lang="en-US" dirty="0"/>
+                            <a:t>SD</a:t>
+                          </a:r>
+                          <a:endParaRPr lang="en-SE" dirty="0"/>
+                        </a:p>
+                      </a:txBody>
+                      <a:tcPr/>
+                    </a:tc>
+                    <a:tc>
+                      <a:txBody>
+                        <a:bodyPr/>
+                        <a:lstStyle/>
+                        <a:p>
+                          <a:pPr algn="ctr"/>
+                          <a:r>
+                            <a:rPr lang="en-US" dirty="0"/>
+                            <a:t>PN</a:t>
+                          </a:r>
+                          <a:endParaRPr lang="en-SE" dirty="0"/>
+                        </a:p>
+                      </a:txBody>
+                      <a:tcPr/>
+                    </a:tc>
+                    <a:extLst>
+                      <a:ext uri="{0D108BD9-81ED-4DB2-BD59-A6C34878D82A}">
+                        <a16:rowId xmlns:a16="http://schemas.microsoft.com/office/drawing/2014/main" val="3515259906"/>
+                      </a:ext>
+                    </a:extLst>
+                  </a:tr>
+                  <a:tr h="370840">
+                    <a:tc>
+                      <a:txBody>
+                        <a:bodyPr/>
+                        <a:lstStyle/>
+                        <a:p>
+                          <a:pPr algn="ctr"/>
+                          <a:r>
+                            <a:rPr lang="en-US" altLang="zh-CN" dirty="0"/>
+                            <a:t>A</a:t>
+                          </a:r>
+                          <a:endParaRPr lang="en-SE" dirty="0"/>
+                        </a:p>
+                      </a:txBody>
+                      <a:tcPr/>
+                    </a:tc>
+                    <a:tc>
+                      <a:txBody>
+                        <a:bodyPr/>
+                        <a:lstStyle/>
+                        <a:p>
+                          <a:pPr algn="ctr"/>
+                          <a:r>
+                            <a:rPr lang="en-US" dirty="0"/>
+                            <a:t>0</a:t>
+                          </a:r>
+                          <a:endParaRPr lang="en-SE" dirty="0"/>
+                        </a:p>
+                      </a:txBody>
+                      <a:tcPr/>
+                    </a:tc>
+                    <a:tc>
+                      <a:txBody>
+                        <a:bodyPr/>
+                        <a:lstStyle/>
+                        <a:p>
+                          <a:pPr algn="ctr"/>
+                          <a:endParaRPr lang="en-SE" dirty="0"/>
+                        </a:p>
+                      </a:txBody>
+                      <a:tcPr/>
+                    </a:tc>
+                    <a:extLst>
+                      <a:ext uri="{0D108BD9-81ED-4DB2-BD59-A6C34878D82A}">
+                        <a16:rowId xmlns:a16="http://schemas.microsoft.com/office/drawing/2014/main" val="3762638117"/>
+                      </a:ext>
+                    </a:extLst>
+                  </a:tr>
+                  <a:tr h="370840">
+                    <a:tc>
+                      <a:txBody>
+                        <a:bodyPr/>
+                        <a:lstStyle/>
+                        <a:p>
+                          <a:pPr algn="ctr"/>
+                          <a:r>
+                            <a:rPr lang="en-US" dirty="0"/>
+                            <a:t>B</a:t>
+                          </a:r>
+                          <a:endParaRPr lang="en-SE" dirty="0"/>
+                        </a:p>
+                      </a:txBody>
+                      <a:tcPr/>
+                    </a:tc>
+                    <a:tc>
+                      <a:txBody>
+                        <a:bodyPr/>
+                        <a:lstStyle/>
+                        <a:p>
+                          <a:endParaRPr lang="en-SE"/>
+                        </a:p>
+                      </a:txBody>
+                      <a:tcPr>
+                        <a:blipFill>
+                          <a:blip r:embed="rId3"/>
+                          <a:stretch>
+                            <a:fillRect l="-100000" t="-208197" r="-107792" b="-224590"/>
+                          </a:stretch>
+                        </a:blipFill>
+                      </a:tcPr>
+                    </a:tc>
+                    <a:tc>
+                      <a:txBody>
+                        <a:bodyPr/>
+                        <a:lstStyle/>
+                        <a:p>
+                          <a:pPr algn="ctr"/>
+                          <a:endParaRPr lang="en-SE"/>
+                        </a:p>
+                      </a:txBody>
+                      <a:tcPr/>
+                    </a:tc>
+                    <a:extLst>
+                      <a:ext uri="{0D108BD9-81ED-4DB2-BD59-A6C34878D82A}">
+                        <a16:rowId xmlns:a16="http://schemas.microsoft.com/office/drawing/2014/main" val="616934466"/>
+                      </a:ext>
+                    </a:extLst>
+                  </a:tr>
+                  <a:tr h="370840">
+                    <a:tc>
+                      <a:txBody>
+                        <a:bodyPr/>
+                        <a:lstStyle/>
+                        <a:p>
+                          <a:pPr algn="ctr"/>
+                          <a:r>
+                            <a:rPr lang="en-US" dirty="0"/>
+                            <a:t>C</a:t>
+                          </a:r>
+                          <a:endParaRPr lang="en-SE" dirty="0"/>
+                        </a:p>
+                      </a:txBody>
+                      <a:tcPr/>
+                    </a:tc>
+                    <a:tc>
+                      <a:txBody>
+                        <a:bodyPr/>
+                        <a:lstStyle/>
+                        <a:p>
+                          <a:endParaRPr lang="en-SE"/>
+                        </a:p>
+                      </a:txBody>
+                      <a:tcPr>
+                        <a:blipFill>
+                          <a:blip r:embed="rId3"/>
+                          <a:stretch>
+                            <a:fillRect l="-100000" t="-308197" r="-107792" b="-124590"/>
+                          </a:stretch>
+                        </a:blipFill>
+                      </a:tcPr>
+                    </a:tc>
+                    <a:tc>
+                      <a:txBody>
+                        <a:bodyPr/>
+                        <a:lstStyle/>
+                        <a:p>
+                          <a:pPr algn="ctr"/>
+                          <a:endParaRPr lang="en-SE" dirty="0"/>
+                        </a:p>
+                      </a:txBody>
+                      <a:tcPr/>
+                    </a:tc>
+                    <a:extLst>
+                      <a:ext uri="{0D108BD9-81ED-4DB2-BD59-A6C34878D82A}">
+                        <a16:rowId xmlns:a16="http://schemas.microsoft.com/office/drawing/2014/main" val="3586663048"/>
+                      </a:ext>
+                    </a:extLst>
+                  </a:tr>
+                  <a:tr h="370840">
+                    <a:tc>
+                      <a:txBody>
+                        <a:bodyPr/>
+                        <a:lstStyle/>
+                        <a:p>
+                          <a:pPr algn="ctr"/>
+                          <a:r>
+                            <a:rPr lang="en-US" dirty="0"/>
+                            <a:t>D</a:t>
+                          </a:r>
+                          <a:endParaRPr lang="en-SE" dirty="0"/>
+                        </a:p>
+                      </a:txBody>
+                      <a:tcPr/>
+                    </a:tc>
+                    <a:tc>
+                      <a:txBody>
+                        <a:bodyPr/>
+                        <a:lstStyle/>
+                        <a:p>
+                          <a:endParaRPr lang="en-SE"/>
+                        </a:p>
+                      </a:txBody>
+                      <a:tcPr>
+                        <a:blipFill>
+                          <a:blip r:embed="rId3"/>
+                          <a:stretch>
+                            <a:fillRect l="-100000" t="-408197" r="-107792" b="-24590"/>
+                          </a:stretch>
+                        </a:blipFill>
+                      </a:tcPr>
+                    </a:tc>
+                    <a:tc>
+                      <a:txBody>
+                        <a:bodyPr/>
+                        <a:lstStyle/>
+                        <a:p>
+                          <a:pPr algn="ctr"/>
+                          <a:endParaRPr lang="en-SE" dirty="0"/>
+                        </a:p>
+                      </a:txBody>
+                      <a:tcPr/>
+                    </a:tc>
+                    <a:extLst>
+                      <a:ext uri="{0D108BD9-81ED-4DB2-BD59-A6C34878D82A}">
+                        <a16:rowId xmlns:a16="http://schemas.microsoft.com/office/drawing/2014/main" val="2443210191"/>
+                      </a:ext>
+                    </a:extLst>
+                  </a:tr>
+                </a:tbl>
+              </a:graphicData>
+            </a:graphic>
+          </p:graphicFrame>
+        </mc:Fallback>
+      </mc:AlternateContent>
+      <p:sp>
+        <p:nvSpPr>
+          <p:cNvPr id="25" name="Arrow: Right 24">
+            <a:extLst>
+              <a:ext uri="{FF2B5EF4-FFF2-40B4-BE49-F238E27FC236}">
+                <a16:creationId xmlns:a16="http://schemas.microsoft.com/office/drawing/2014/main" id="{A095ECAC-1C1E-5824-1271-4412673D8BC6}"/>
+              </a:ext>
+            </a:extLst>
+          </p:cNvPr>
+          <p:cNvSpPr/>
+          <p:nvPr/>
+        </p:nvSpPr>
+        <p:spPr>
+          <a:xfrm>
+            <a:off x="1687099" y="3363365"/>
+            <a:ext cx="797013" cy="369332"/>
+          </a:xfrm>
+          <a:prstGeom prst="rightArrow">
+            <a:avLst/>
+          </a:prstGeom>
+        </p:spPr>
+        <p:style>
+          <a:lnRef idx="1">
+            <a:schemeClr val="accent1"/>
+          </a:lnRef>
+          <a:fillRef idx="3">
+            <a:schemeClr val="accent1"/>
+          </a:fillRef>
+          <a:effectRef idx="2">
+            <a:schemeClr val="accent1"/>
+          </a:effectRef>
+          <a:fontRef idx="minor">
+            <a:schemeClr val="lt1"/>
+          </a:fontRef>
+        </p:style>
+        <p:txBody>
+          <a:bodyPr rtlCol="0" anchor="ctr"/>
+          <a:lstStyle/>
+          <a:p>
+            <a:pPr algn="ctr"/>
+            <a:endParaRPr lang="en-SE"/>
+          </a:p>
+        </p:txBody>
+      </p:sp>
+      <p:sp>
+        <p:nvSpPr>
+          <p:cNvPr id="26" name="TextBox 25">
+            <a:extLst>
+              <a:ext uri="{FF2B5EF4-FFF2-40B4-BE49-F238E27FC236}">
+                <a16:creationId xmlns:a16="http://schemas.microsoft.com/office/drawing/2014/main" id="{D9E00CED-2EA2-AE75-2337-09856B2B55CB}"/>
+              </a:ext>
+            </a:extLst>
+          </p:cNvPr>
+          <p:cNvSpPr txBox="1"/>
+          <p:nvPr/>
+        </p:nvSpPr>
+        <p:spPr>
+          <a:xfrm>
+            <a:off x="1713934" y="3061307"/>
+            <a:ext cx="682303" cy="369332"/>
+          </a:xfrm>
+          <a:prstGeom prst="rect">
+            <a:avLst/>
+          </a:prstGeom>
+          <a:noFill/>
+        </p:spPr>
+        <p:txBody>
+          <a:bodyPr wrap="none" rtlCol="0">
+            <a:spAutoFit/>
+          </a:bodyPr>
+          <a:lstStyle/>
+          <a:p>
+            <a:pPr algn="ctr"/>
+            <a:r>
+              <a:rPr lang="en-GB" dirty="0" err="1"/>
+              <a:t>Iter</a:t>
+            </a:r>
+            <a:r>
+              <a:rPr lang="en-GB" dirty="0"/>
+              <a:t> 1</a:t>
+            </a:r>
+            <a:endParaRPr lang="en-SE" dirty="0"/>
+          </a:p>
+        </p:txBody>
+      </p:sp>
+      <p:sp>
+        <p:nvSpPr>
+          <p:cNvPr id="27" name="Arrow: Right 26">
+            <a:extLst>
+              <a:ext uri="{FF2B5EF4-FFF2-40B4-BE49-F238E27FC236}">
+                <a16:creationId xmlns:a16="http://schemas.microsoft.com/office/drawing/2014/main" id="{EE775A7E-8C8A-1ECF-CF14-ED90B59FB964}"/>
+              </a:ext>
+            </a:extLst>
+          </p:cNvPr>
+          <p:cNvSpPr/>
+          <p:nvPr/>
+        </p:nvSpPr>
+        <p:spPr>
+          <a:xfrm>
+            <a:off x="4173513" y="3363365"/>
+            <a:ext cx="797013" cy="369332"/>
+          </a:xfrm>
+          <a:prstGeom prst="rightArrow">
+            <a:avLst/>
+          </a:prstGeom>
+        </p:spPr>
+        <p:style>
+          <a:lnRef idx="1">
+            <a:schemeClr val="accent1"/>
+          </a:lnRef>
+          <a:fillRef idx="3">
+            <a:schemeClr val="accent1"/>
+          </a:fillRef>
+          <a:effectRef idx="2">
+            <a:schemeClr val="accent1"/>
+          </a:effectRef>
+          <a:fontRef idx="minor">
+            <a:schemeClr val="lt1"/>
+          </a:fontRef>
+        </p:style>
+        <p:txBody>
+          <a:bodyPr rtlCol="0" anchor="ctr"/>
+          <a:lstStyle/>
+          <a:p>
+            <a:pPr algn="ctr"/>
+            <a:endParaRPr lang="en-SE"/>
+          </a:p>
+        </p:txBody>
+      </p:sp>
+      <p:sp>
+        <p:nvSpPr>
+          <p:cNvPr id="28" name="TextBox 27">
+            <a:extLst>
+              <a:ext uri="{FF2B5EF4-FFF2-40B4-BE49-F238E27FC236}">
+                <a16:creationId xmlns:a16="http://schemas.microsoft.com/office/drawing/2014/main" id="{26622498-0E05-D103-8786-C318BC51D68A}"/>
+              </a:ext>
+            </a:extLst>
+          </p:cNvPr>
+          <p:cNvSpPr txBox="1"/>
+          <p:nvPr/>
+        </p:nvSpPr>
+        <p:spPr>
+          <a:xfrm>
+            <a:off x="4218780" y="3061307"/>
+            <a:ext cx="682303" cy="369332"/>
+          </a:xfrm>
+          <a:prstGeom prst="rect">
+            <a:avLst/>
+          </a:prstGeom>
+          <a:noFill/>
+        </p:spPr>
+        <p:txBody>
+          <a:bodyPr wrap="none" rtlCol="0">
+            <a:spAutoFit/>
+          </a:bodyPr>
+          <a:lstStyle/>
+          <a:p>
+            <a:pPr algn="ctr"/>
+            <a:r>
+              <a:rPr lang="en-GB" dirty="0" err="1"/>
+              <a:t>Iter</a:t>
+            </a:r>
+            <a:r>
+              <a:rPr lang="en-GB" dirty="0"/>
+              <a:t> 2</a:t>
+            </a:r>
+            <a:endParaRPr lang="en-SE" dirty="0"/>
+          </a:p>
+        </p:txBody>
+      </p:sp>
+      <p:graphicFrame>
+        <p:nvGraphicFramePr>
+          <p:cNvPr id="29" name="Content Placeholder 4">
+            <a:extLst>
+              <a:ext uri="{FF2B5EF4-FFF2-40B4-BE49-F238E27FC236}">
+                <a16:creationId xmlns:a16="http://schemas.microsoft.com/office/drawing/2014/main" id="{8033BABE-1398-96A6-16DA-73ADE5762F96}"/>
+              </a:ext>
+            </a:extLst>
+          </p:cNvPr>
+          <p:cNvGraphicFramePr>
+            <a:graphicFrameLocks/>
+          </p:cNvGraphicFramePr>
+          <p:nvPr>
+            <p:extLst>
+              <p:ext uri="{D42A27DB-BD31-4B8C-83A1-F6EECF244321}">
+                <p14:modId xmlns:p14="http://schemas.microsoft.com/office/powerpoint/2010/main" val="171356154"/>
+              </p:ext>
+            </p:extLst>
+          </p:nvPr>
+        </p:nvGraphicFramePr>
+        <p:xfrm>
+          <a:off x="2623593" y="2629077"/>
+          <a:ext cx="1462045" cy="1854200"/>
+        </p:xfrm>
+        <a:graphic>
+          <a:graphicData uri="http://schemas.openxmlformats.org/drawingml/2006/table">
+            <a:tbl>
+              <a:tblPr firstRow="1" bandRow="1">
+                <a:tableStyleId>{5C22544A-7EE6-4342-B048-85BDC9FD1C3A}</a:tableStyleId>
+              </a:tblPr>
+              <a:tblGrid>
+                <a:gridCol w="479110">
+                  <a:extLst>
+                    <a:ext uri="{9D8B030D-6E8A-4147-A177-3AD203B41FA5}">
+                      <a16:colId xmlns:a16="http://schemas.microsoft.com/office/drawing/2014/main" val="1437393818"/>
+                    </a:ext>
+                  </a:extLst>
+                </a:gridCol>
+                <a:gridCol w="485819">
+                  <a:extLst>
+                    <a:ext uri="{9D8B030D-6E8A-4147-A177-3AD203B41FA5}">
+                      <a16:colId xmlns:a16="http://schemas.microsoft.com/office/drawing/2014/main" val="3865283362"/>
+                    </a:ext>
+                  </a:extLst>
+                </a:gridCol>
+                <a:gridCol w="497116">
+                  <a:extLst>
+                    <a:ext uri="{9D8B030D-6E8A-4147-A177-3AD203B41FA5}">
+                      <a16:colId xmlns:a16="http://schemas.microsoft.com/office/drawing/2014/main" val="2508205066"/>
+                    </a:ext>
+                  </a:extLst>
+                </a:gridCol>
+              </a:tblGrid>
+              <a:tr h="370840">
+                <a:tc>
+                  <a:txBody>
+                    <a:bodyPr/>
+                    <a:lstStyle/>
+                    <a:p>
+                      <a:pPr algn="ctr"/>
+                      <a:r>
+                        <a:rPr lang="en-US" dirty="0"/>
+                        <a:t>N</a:t>
+                      </a:r>
+                      <a:endParaRPr lang="en-SE" dirty="0"/>
+                    </a:p>
+                  </a:txBody>
+                  <a:tcPr/>
+                </a:tc>
+                <a:tc>
+                  <a:txBody>
+                    <a:bodyPr/>
+                    <a:lstStyle/>
+                    <a:p>
+                      <a:pPr algn="ctr"/>
+                      <a:r>
+                        <a:rPr lang="en-US" dirty="0"/>
+                        <a:t>SD</a:t>
+                      </a:r>
+                      <a:endParaRPr lang="en-SE" dirty="0"/>
+                    </a:p>
+                  </a:txBody>
+                  <a:tcPr/>
+                </a:tc>
+                <a:tc>
+                  <a:txBody>
+                    <a:bodyPr/>
+                    <a:lstStyle/>
+                    <a:p>
+                      <a:pPr algn="ctr"/>
+                      <a:r>
+                        <a:rPr lang="en-US" dirty="0"/>
+                        <a:t>PN</a:t>
+                      </a:r>
+                      <a:endParaRPr lang="en-SE" dirty="0"/>
+                    </a:p>
+                  </a:txBody>
+                  <a:tcPr/>
+                </a:tc>
+                <a:extLst>
+                  <a:ext uri="{0D108BD9-81ED-4DB2-BD59-A6C34878D82A}">
+                    <a16:rowId xmlns:a16="http://schemas.microsoft.com/office/drawing/2014/main" val="3515259906"/>
+                  </a:ext>
+                </a:extLst>
+              </a:tr>
+              <a:tr h="370840">
+                <a:tc>
+                  <a:txBody>
+                    <a:bodyPr/>
+                    <a:lstStyle/>
+                    <a:p>
+                      <a:pPr algn="ctr"/>
+                      <a:r>
+                        <a:rPr lang="en-US" altLang="zh-CN" dirty="0"/>
+                        <a:t>A</a:t>
+                      </a:r>
+                      <a:endParaRPr lang="en-SE" dirty="0"/>
+                    </a:p>
+                  </a:txBody>
+                  <a:tcPr/>
+                </a:tc>
+                <a:tc>
+                  <a:txBody>
+                    <a:bodyPr/>
+                    <a:lstStyle/>
+                    <a:p>
+                      <a:pPr algn="ctr"/>
+                      <a:r>
+                        <a:rPr lang="en-US" dirty="0"/>
+                        <a:t>0</a:t>
+                      </a:r>
+                      <a:endParaRPr lang="en-SE" dirty="0"/>
+                    </a:p>
+                  </a:txBody>
+                  <a:tcPr/>
+                </a:tc>
+                <a:tc>
+                  <a:txBody>
+                    <a:bodyPr/>
+                    <a:lstStyle/>
+                    <a:p>
+                      <a:pPr algn="ctr"/>
+                      <a:endParaRPr lang="en-SE" dirty="0"/>
+                    </a:p>
+                  </a:txBody>
+                  <a:tcPr/>
+                </a:tc>
+                <a:extLst>
+                  <a:ext uri="{0D108BD9-81ED-4DB2-BD59-A6C34878D82A}">
+                    <a16:rowId xmlns:a16="http://schemas.microsoft.com/office/drawing/2014/main" val="3762638117"/>
+                  </a:ext>
+                </a:extLst>
+              </a:tr>
+              <a:tr h="370840">
+                <a:tc>
+                  <a:txBody>
+                    <a:bodyPr/>
+                    <a:lstStyle/>
+                    <a:p>
+                      <a:pPr algn="ctr"/>
+                      <a:r>
+                        <a:rPr lang="en-US" dirty="0">
+                          <a:solidFill>
+                            <a:schemeClr val="tx1"/>
+                          </a:solidFill>
+                        </a:rPr>
+                        <a:t>B</a:t>
+                      </a:r>
+                      <a:endParaRPr lang="en-SE" dirty="0">
+                        <a:solidFill>
+                          <a:schemeClr val="tx1"/>
+                        </a:solidFill>
+                      </a:endParaRPr>
+                    </a:p>
+                  </a:txBody>
+                  <a:tcPr/>
+                </a:tc>
+                <a:tc>
+                  <a:txBody>
+                    <a:bodyPr/>
+                    <a:lstStyle/>
+                    <a:p>
+                      <a:pPr algn="ctr"/>
+                      <a:r>
+                        <a:rPr lang="en-GB" dirty="0">
+                          <a:solidFill>
+                            <a:srgbClr val="FF0000"/>
+                          </a:solidFill>
+                        </a:rPr>
+                        <a:t>10</a:t>
+                      </a:r>
+                      <a:endParaRPr lang="en-SE" dirty="0">
+                        <a:solidFill>
+                          <a:srgbClr val="FF0000"/>
+                        </a:solidFill>
+                      </a:endParaRPr>
+                    </a:p>
+                  </a:txBody>
+                  <a:tcPr/>
+                </a:tc>
+                <a:tc>
+                  <a:txBody>
+                    <a:bodyPr/>
+                    <a:lstStyle/>
+                    <a:p>
+                      <a:pPr algn="ctr"/>
+                      <a:r>
+                        <a:rPr lang="en-GB" dirty="0">
+                          <a:solidFill>
+                            <a:srgbClr val="FF0000"/>
+                          </a:solidFill>
+                        </a:rPr>
+                        <a:t>A</a:t>
+                      </a:r>
+                      <a:endParaRPr lang="en-SE" dirty="0">
+                        <a:solidFill>
+                          <a:srgbClr val="FF0000"/>
+                        </a:solidFill>
+                      </a:endParaRPr>
+                    </a:p>
+                  </a:txBody>
+                  <a:tcPr/>
+                </a:tc>
+                <a:extLst>
+                  <a:ext uri="{0D108BD9-81ED-4DB2-BD59-A6C34878D82A}">
+                    <a16:rowId xmlns:a16="http://schemas.microsoft.com/office/drawing/2014/main" val="616934466"/>
+                  </a:ext>
+                </a:extLst>
+              </a:tr>
+              <a:tr h="370840">
+                <a:tc>
+                  <a:txBody>
+                    <a:bodyPr/>
+                    <a:lstStyle/>
+                    <a:p>
+                      <a:pPr algn="ctr"/>
+                      <a:r>
+                        <a:rPr lang="en-US" dirty="0">
+                          <a:solidFill>
+                            <a:schemeClr val="tx1"/>
+                          </a:solidFill>
+                        </a:rPr>
+                        <a:t>C</a:t>
+                      </a:r>
+                      <a:endParaRPr lang="en-SE" dirty="0">
+                        <a:solidFill>
+                          <a:schemeClr val="tx1"/>
+                        </a:solidFill>
+                      </a:endParaRPr>
+                    </a:p>
+                  </a:txBody>
+                  <a:tcPr/>
+                </a:tc>
+                <a:tc>
+                  <a:txBody>
+                    <a:bodyPr/>
+                    <a:lstStyle/>
+                    <a:p>
+                      <a:pPr algn="ctr"/>
+                      <a:r>
+                        <a:rPr lang="en-GB" dirty="0">
+                          <a:solidFill>
+                            <a:srgbClr val="FF0000"/>
+                          </a:solidFill>
+                        </a:rPr>
+                        <a:t>1</a:t>
+                      </a:r>
+                      <a:endParaRPr lang="en-SE" dirty="0">
+                        <a:solidFill>
+                          <a:srgbClr val="FF0000"/>
+                        </a:solidFill>
+                      </a:endParaRPr>
+                    </a:p>
+                  </a:txBody>
+                  <a:tcPr/>
+                </a:tc>
+                <a:tc>
+                  <a:txBody>
+                    <a:bodyPr/>
+                    <a:lstStyle/>
+                    <a:p>
+                      <a:pPr algn="ctr"/>
+                      <a:r>
+                        <a:rPr lang="en-GB" dirty="0">
+                          <a:solidFill>
+                            <a:srgbClr val="FF0000"/>
+                          </a:solidFill>
+                        </a:rPr>
+                        <a:t>A</a:t>
+                      </a:r>
+                      <a:endParaRPr lang="en-SE" dirty="0">
+                        <a:solidFill>
+                          <a:srgbClr val="FF0000"/>
+                        </a:solidFill>
+                      </a:endParaRPr>
+                    </a:p>
+                  </a:txBody>
+                  <a:tcPr/>
+                </a:tc>
+                <a:extLst>
+                  <a:ext uri="{0D108BD9-81ED-4DB2-BD59-A6C34878D82A}">
+                    <a16:rowId xmlns:a16="http://schemas.microsoft.com/office/drawing/2014/main" val="3586663048"/>
+                  </a:ext>
+                </a:extLst>
+              </a:tr>
+              <a:tr h="370840">
+                <a:tc>
+                  <a:txBody>
+                    <a:bodyPr/>
+                    <a:lstStyle/>
+                    <a:p>
+                      <a:pPr algn="ctr"/>
+                      <a:r>
+                        <a:rPr lang="en-US" dirty="0"/>
+                        <a:t>D</a:t>
+                      </a:r>
+                      <a:endParaRPr lang="en-SE" dirty="0"/>
+                    </a:p>
+                  </a:txBody>
+                  <a:tcPr/>
+                </a:tc>
+                <a:tc>
+                  <a:txBody>
+                    <a:bodyPr/>
+                    <a:lstStyle/>
+                    <a:p>
+                      <a:pPr algn="ctr"/>
+                      <a:r>
+                        <a:rPr lang="en-GB" dirty="0">
+                          <a:solidFill>
+                            <a:srgbClr val="FF0000"/>
+                          </a:solidFill>
+                        </a:rPr>
+                        <a:t>-10</a:t>
+                      </a:r>
+                      <a:endParaRPr lang="en-SE" dirty="0">
+                        <a:solidFill>
+                          <a:srgbClr val="FF0000"/>
+                        </a:solidFill>
+                      </a:endParaRPr>
+                    </a:p>
+                  </a:txBody>
+                  <a:tcPr/>
+                </a:tc>
+                <a:tc>
+                  <a:txBody>
+                    <a:bodyPr/>
+                    <a:lstStyle/>
+                    <a:p>
+                      <a:pPr algn="ctr"/>
+                      <a:r>
+                        <a:rPr lang="en-GB" dirty="0">
+                          <a:solidFill>
+                            <a:srgbClr val="FF0000"/>
+                          </a:solidFill>
+                        </a:rPr>
+                        <a:t>B</a:t>
+                      </a:r>
+                      <a:endParaRPr lang="en-SE" dirty="0">
+                        <a:solidFill>
+                          <a:srgbClr val="FF0000"/>
+                        </a:solidFill>
+                      </a:endParaRPr>
+                    </a:p>
+                  </a:txBody>
+                  <a:tcPr/>
+                </a:tc>
+                <a:extLst>
+                  <a:ext uri="{0D108BD9-81ED-4DB2-BD59-A6C34878D82A}">
+                    <a16:rowId xmlns:a16="http://schemas.microsoft.com/office/drawing/2014/main" val="2443210191"/>
+                  </a:ext>
+                </a:extLst>
+              </a:tr>
+            </a:tbl>
+          </a:graphicData>
+        </a:graphic>
+      </p:graphicFrame>
+      <p:sp>
+        <p:nvSpPr>
+          <p:cNvPr id="35" name="Arrow: Right 34">
+            <a:extLst>
+              <a:ext uri="{FF2B5EF4-FFF2-40B4-BE49-F238E27FC236}">
+                <a16:creationId xmlns:a16="http://schemas.microsoft.com/office/drawing/2014/main" id="{EF20EE7A-6505-18DE-56D8-DC2F24D25341}"/>
+              </a:ext>
+            </a:extLst>
+          </p:cNvPr>
+          <p:cNvSpPr/>
+          <p:nvPr/>
+        </p:nvSpPr>
+        <p:spPr>
+          <a:xfrm rot="10646415">
+            <a:off x="1690608" y="4493231"/>
+            <a:ext cx="6022679" cy="305423"/>
+          </a:xfrm>
+          <a:prstGeom prst="rightArrow">
+            <a:avLst>
+              <a:gd name="adj1" fmla="val 34165"/>
+              <a:gd name="adj2" fmla="val 50000"/>
+            </a:avLst>
+          </a:prstGeom>
+        </p:spPr>
+        <p:style>
+          <a:lnRef idx="1">
+            <a:schemeClr val="accent1"/>
+          </a:lnRef>
+          <a:fillRef idx="3">
+            <a:schemeClr val="accent1"/>
+          </a:fillRef>
+          <a:effectRef idx="2">
+            <a:schemeClr val="accent1"/>
+          </a:effectRef>
+          <a:fontRef idx="minor">
+            <a:schemeClr val="lt1"/>
+          </a:fontRef>
+        </p:style>
+        <p:txBody>
+          <a:bodyPr rtlCol="0" anchor="ctr"/>
+          <a:lstStyle/>
+          <a:p>
+            <a:pPr algn="ctr"/>
+            <a:endParaRPr lang="en-SE"/>
+          </a:p>
+        </p:txBody>
+      </p:sp>
+      <p:graphicFrame>
+        <p:nvGraphicFramePr>
+          <p:cNvPr id="38" name="Content Placeholder 4">
+            <a:extLst>
+              <a:ext uri="{FF2B5EF4-FFF2-40B4-BE49-F238E27FC236}">
+                <a16:creationId xmlns:a16="http://schemas.microsoft.com/office/drawing/2014/main" id="{26049D1A-CEA3-5C85-41BD-05DCBAB0FE5A}"/>
+              </a:ext>
+            </a:extLst>
+          </p:cNvPr>
+          <p:cNvGraphicFramePr>
+            <a:graphicFrameLocks/>
+          </p:cNvGraphicFramePr>
+          <p:nvPr>
+            <p:extLst>
+              <p:ext uri="{D42A27DB-BD31-4B8C-83A1-F6EECF244321}">
+                <p14:modId xmlns:p14="http://schemas.microsoft.com/office/powerpoint/2010/main" val="1806296626"/>
+              </p:ext>
+            </p:extLst>
+          </p:nvPr>
+        </p:nvGraphicFramePr>
+        <p:xfrm>
+          <a:off x="5077384" y="2629077"/>
+          <a:ext cx="1462045" cy="1854200"/>
+        </p:xfrm>
+        <a:graphic>
+          <a:graphicData uri="http://schemas.openxmlformats.org/drawingml/2006/table">
+            <a:tbl>
+              <a:tblPr firstRow="1" bandRow="1">
+                <a:tableStyleId>{5C22544A-7EE6-4342-B048-85BDC9FD1C3A}</a:tableStyleId>
+              </a:tblPr>
+              <a:tblGrid>
+                <a:gridCol w="479110">
+                  <a:extLst>
+                    <a:ext uri="{9D8B030D-6E8A-4147-A177-3AD203B41FA5}">
+                      <a16:colId xmlns:a16="http://schemas.microsoft.com/office/drawing/2014/main" val="1437393818"/>
+                    </a:ext>
+                  </a:extLst>
+                </a:gridCol>
+                <a:gridCol w="485819">
+                  <a:extLst>
+                    <a:ext uri="{9D8B030D-6E8A-4147-A177-3AD203B41FA5}">
+                      <a16:colId xmlns:a16="http://schemas.microsoft.com/office/drawing/2014/main" val="3865283362"/>
+                    </a:ext>
+                  </a:extLst>
+                </a:gridCol>
+                <a:gridCol w="497116">
+                  <a:extLst>
+                    <a:ext uri="{9D8B030D-6E8A-4147-A177-3AD203B41FA5}">
+                      <a16:colId xmlns:a16="http://schemas.microsoft.com/office/drawing/2014/main" val="2508205066"/>
+                    </a:ext>
+                  </a:extLst>
+                </a:gridCol>
+              </a:tblGrid>
+              <a:tr h="370840">
+                <a:tc>
+                  <a:txBody>
+                    <a:bodyPr/>
+                    <a:lstStyle/>
+                    <a:p>
+                      <a:pPr algn="ctr"/>
+                      <a:r>
+                        <a:rPr lang="en-US" dirty="0"/>
+                        <a:t>N</a:t>
+                      </a:r>
+                      <a:endParaRPr lang="en-SE" dirty="0"/>
+                    </a:p>
+                  </a:txBody>
+                  <a:tcPr/>
+                </a:tc>
+                <a:tc>
+                  <a:txBody>
+                    <a:bodyPr/>
+                    <a:lstStyle/>
+                    <a:p>
+                      <a:pPr algn="ctr"/>
+                      <a:r>
+                        <a:rPr lang="en-US" dirty="0"/>
+                        <a:t>SD</a:t>
+                      </a:r>
+                      <a:endParaRPr lang="en-SE" dirty="0"/>
+                    </a:p>
+                  </a:txBody>
+                  <a:tcPr/>
+                </a:tc>
+                <a:tc>
+                  <a:txBody>
+                    <a:bodyPr/>
+                    <a:lstStyle/>
+                    <a:p>
+                      <a:pPr algn="ctr"/>
+                      <a:r>
+                        <a:rPr lang="en-US" dirty="0"/>
+                        <a:t>PN</a:t>
+                      </a:r>
+                      <a:endParaRPr lang="en-SE" dirty="0"/>
+                    </a:p>
+                  </a:txBody>
+                  <a:tcPr/>
+                </a:tc>
+                <a:extLst>
+                  <a:ext uri="{0D108BD9-81ED-4DB2-BD59-A6C34878D82A}">
+                    <a16:rowId xmlns:a16="http://schemas.microsoft.com/office/drawing/2014/main" val="3515259906"/>
+                  </a:ext>
+                </a:extLst>
+              </a:tr>
+              <a:tr h="370840">
+                <a:tc>
+                  <a:txBody>
+                    <a:bodyPr/>
+                    <a:lstStyle/>
+                    <a:p>
+                      <a:pPr algn="ctr"/>
+                      <a:r>
+                        <a:rPr lang="en-US" altLang="zh-CN" dirty="0"/>
+                        <a:t>A</a:t>
+                      </a:r>
+                      <a:endParaRPr lang="en-SE" dirty="0"/>
+                    </a:p>
+                  </a:txBody>
+                  <a:tcPr/>
+                </a:tc>
+                <a:tc>
+                  <a:txBody>
+                    <a:bodyPr/>
+                    <a:lstStyle/>
+                    <a:p>
+                      <a:pPr algn="ctr"/>
+                      <a:r>
+                        <a:rPr lang="en-US" dirty="0"/>
+                        <a:t>0</a:t>
+                      </a:r>
+                      <a:endParaRPr lang="en-SE" dirty="0"/>
+                    </a:p>
+                  </a:txBody>
+                  <a:tcPr/>
+                </a:tc>
+                <a:tc>
+                  <a:txBody>
+                    <a:bodyPr/>
+                    <a:lstStyle/>
+                    <a:p>
+                      <a:pPr algn="ctr"/>
+                      <a:endParaRPr lang="en-SE" dirty="0"/>
+                    </a:p>
+                  </a:txBody>
+                  <a:tcPr/>
+                </a:tc>
+                <a:extLst>
+                  <a:ext uri="{0D108BD9-81ED-4DB2-BD59-A6C34878D82A}">
+                    <a16:rowId xmlns:a16="http://schemas.microsoft.com/office/drawing/2014/main" val="3762638117"/>
+                  </a:ext>
+                </a:extLst>
+              </a:tr>
+              <a:tr h="370840">
+                <a:tc>
+                  <a:txBody>
+                    <a:bodyPr/>
+                    <a:lstStyle/>
+                    <a:p>
+                      <a:pPr algn="ctr"/>
+                      <a:r>
+                        <a:rPr lang="en-US" dirty="0">
+                          <a:solidFill>
+                            <a:schemeClr val="tx1"/>
+                          </a:solidFill>
+                        </a:rPr>
+                        <a:t>B</a:t>
+                      </a:r>
+                      <a:endParaRPr lang="en-SE" dirty="0">
+                        <a:solidFill>
+                          <a:schemeClr val="tx1"/>
+                        </a:solidFill>
+                      </a:endParaRPr>
+                    </a:p>
+                  </a:txBody>
+                  <a:tcPr/>
+                </a:tc>
+                <a:tc>
+                  <a:txBody>
+                    <a:bodyPr/>
+                    <a:lstStyle/>
+                    <a:p>
+                      <a:pPr algn="ctr"/>
+                      <a:r>
+                        <a:rPr lang="en-GB" dirty="0">
+                          <a:solidFill>
+                            <a:schemeClr val="tx1"/>
+                          </a:solidFill>
+                        </a:rPr>
+                        <a:t>10</a:t>
+                      </a:r>
+                      <a:endParaRPr lang="en-SE" dirty="0">
+                        <a:solidFill>
+                          <a:schemeClr val="tx1"/>
+                        </a:solidFill>
+                      </a:endParaRPr>
+                    </a:p>
+                  </a:txBody>
+                  <a:tcPr/>
+                </a:tc>
+                <a:tc>
+                  <a:txBody>
+                    <a:bodyPr/>
+                    <a:lstStyle/>
+                    <a:p>
+                      <a:pPr algn="ctr"/>
+                      <a:r>
+                        <a:rPr lang="en-GB" dirty="0">
+                          <a:solidFill>
+                            <a:schemeClr val="tx1"/>
+                          </a:solidFill>
+                        </a:rPr>
+                        <a:t>A</a:t>
+                      </a:r>
+                      <a:endParaRPr lang="en-SE" dirty="0">
+                        <a:solidFill>
+                          <a:schemeClr val="tx1"/>
+                        </a:solidFill>
+                      </a:endParaRPr>
+                    </a:p>
+                  </a:txBody>
+                  <a:tcPr/>
+                </a:tc>
+                <a:extLst>
+                  <a:ext uri="{0D108BD9-81ED-4DB2-BD59-A6C34878D82A}">
+                    <a16:rowId xmlns:a16="http://schemas.microsoft.com/office/drawing/2014/main" val="616934466"/>
+                  </a:ext>
+                </a:extLst>
+              </a:tr>
+              <a:tr h="370840">
+                <a:tc>
+                  <a:txBody>
+                    <a:bodyPr/>
+                    <a:lstStyle/>
+                    <a:p>
+                      <a:pPr algn="ctr"/>
+                      <a:r>
+                        <a:rPr lang="en-US" dirty="0">
+                          <a:solidFill>
+                            <a:schemeClr val="tx1"/>
+                          </a:solidFill>
+                        </a:rPr>
+                        <a:t>C</a:t>
+                      </a:r>
+                      <a:endParaRPr lang="en-SE" dirty="0">
+                        <a:solidFill>
+                          <a:schemeClr val="tx1"/>
+                        </a:solidFill>
+                      </a:endParaRPr>
+                    </a:p>
+                  </a:txBody>
+                  <a:tcPr/>
+                </a:tc>
+                <a:tc>
+                  <a:txBody>
+                    <a:bodyPr/>
+                    <a:lstStyle/>
+                    <a:p>
+                      <a:pPr algn="ctr"/>
+                      <a:r>
+                        <a:rPr lang="en-GB" dirty="0">
+                          <a:solidFill>
+                            <a:schemeClr val="tx1"/>
+                          </a:solidFill>
+                        </a:rPr>
+                        <a:t>1</a:t>
+                      </a:r>
+                      <a:endParaRPr lang="en-SE" dirty="0">
+                        <a:solidFill>
+                          <a:schemeClr val="tx1"/>
+                        </a:solidFill>
+                      </a:endParaRPr>
+                    </a:p>
+                  </a:txBody>
+                  <a:tcPr/>
+                </a:tc>
+                <a:tc>
+                  <a:txBody>
+                    <a:bodyPr/>
+                    <a:lstStyle/>
+                    <a:p>
+                      <a:pPr algn="ctr"/>
+                      <a:r>
+                        <a:rPr lang="en-GB" dirty="0">
+                          <a:solidFill>
+                            <a:schemeClr val="tx1"/>
+                          </a:solidFill>
+                        </a:rPr>
+                        <a:t>A</a:t>
+                      </a:r>
+                      <a:endParaRPr lang="en-SE" dirty="0">
+                        <a:solidFill>
+                          <a:schemeClr val="tx1"/>
+                        </a:solidFill>
+                      </a:endParaRPr>
+                    </a:p>
+                  </a:txBody>
+                  <a:tcPr/>
+                </a:tc>
+                <a:extLst>
+                  <a:ext uri="{0D108BD9-81ED-4DB2-BD59-A6C34878D82A}">
+                    <a16:rowId xmlns:a16="http://schemas.microsoft.com/office/drawing/2014/main" val="3586663048"/>
+                  </a:ext>
+                </a:extLst>
+              </a:tr>
+              <a:tr h="370840">
+                <a:tc>
+                  <a:txBody>
+                    <a:bodyPr/>
+                    <a:lstStyle/>
+                    <a:p>
+                      <a:pPr algn="ctr"/>
+                      <a:r>
+                        <a:rPr lang="en-US" dirty="0"/>
+                        <a:t>D</a:t>
+                      </a:r>
+                      <a:endParaRPr lang="en-SE" dirty="0"/>
+                    </a:p>
+                  </a:txBody>
+                  <a:tcPr/>
+                </a:tc>
+                <a:tc>
+                  <a:txBody>
+                    <a:bodyPr/>
+                    <a:lstStyle/>
+                    <a:p>
+                      <a:pPr algn="ctr"/>
+                      <a:r>
+                        <a:rPr lang="en-GB" dirty="0">
+                          <a:solidFill>
+                            <a:schemeClr val="tx1"/>
+                          </a:solidFill>
+                        </a:rPr>
+                        <a:t>-10</a:t>
+                      </a:r>
+                      <a:endParaRPr lang="en-SE" dirty="0">
+                        <a:solidFill>
+                          <a:schemeClr val="tx1"/>
+                        </a:solidFill>
+                      </a:endParaRPr>
+                    </a:p>
+                  </a:txBody>
+                  <a:tcPr/>
+                </a:tc>
+                <a:tc>
+                  <a:txBody>
+                    <a:bodyPr/>
+                    <a:lstStyle/>
+                    <a:p>
+                      <a:pPr algn="ctr"/>
+                      <a:r>
+                        <a:rPr lang="en-GB" dirty="0">
+                          <a:solidFill>
+                            <a:schemeClr val="tx1"/>
+                          </a:solidFill>
+                        </a:rPr>
+                        <a:t>B</a:t>
+                      </a:r>
+                      <a:endParaRPr lang="en-SE" dirty="0">
+                        <a:solidFill>
+                          <a:schemeClr val="tx1"/>
+                        </a:solidFill>
+                      </a:endParaRPr>
+                    </a:p>
+                  </a:txBody>
+                  <a:tcPr/>
+                </a:tc>
+                <a:extLst>
+                  <a:ext uri="{0D108BD9-81ED-4DB2-BD59-A6C34878D82A}">
+                    <a16:rowId xmlns:a16="http://schemas.microsoft.com/office/drawing/2014/main" val="2443210191"/>
+                  </a:ext>
+                </a:extLst>
+              </a:tr>
+            </a:tbl>
+          </a:graphicData>
+        </a:graphic>
+      </p:graphicFrame>
+      <p:sp>
+        <p:nvSpPr>
+          <p:cNvPr id="39" name="TextBox 38">
+            <a:extLst>
+              <a:ext uri="{FF2B5EF4-FFF2-40B4-BE49-F238E27FC236}">
+                <a16:creationId xmlns:a16="http://schemas.microsoft.com/office/drawing/2014/main" id="{F039F82C-32EA-F018-8C02-9556D7A96F08}"/>
+              </a:ext>
+            </a:extLst>
+          </p:cNvPr>
+          <p:cNvSpPr txBox="1"/>
+          <p:nvPr/>
+        </p:nvSpPr>
+        <p:spPr>
+          <a:xfrm>
+            <a:off x="3990347" y="3708674"/>
+            <a:ext cx="1183016" cy="369332"/>
+          </a:xfrm>
+          <a:prstGeom prst="rect">
+            <a:avLst/>
+          </a:prstGeom>
+          <a:noFill/>
+        </p:spPr>
+        <p:txBody>
+          <a:bodyPr wrap="none" rtlCol="0">
+            <a:spAutoFit/>
+          </a:bodyPr>
+          <a:lstStyle/>
+          <a:p>
+            <a:pPr algn="ctr"/>
+            <a:r>
+              <a:rPr lang="en-GB" dirty="0"/>
+              <a:t>No change</a:t>
+            </a:r>
+            <a:endParaRPr lang="en-SE" dirty="0"/>
+          </a:p>
+        </p:txBody>
+      </p:sp>
+      <p:sp>
+        <p:nvSpPr>
+          <p:cNvPr id="43" name="Arrow: Right 42">
+            <a:extLst>
+              <a:ext uri="{FF2B5EF4-FFF2-40B4-BE49-F238E27FC236}">
+                <a16:creationId xmlns:a16="http://schemas.microsoft.com/office/drawing/2014/main" id="{CB39DCB9-037B-C029-5CBC-975418CC16AF}"/>
+              </a:ext>
+            </a:extLst>
+          </p:cNvPr>
+          <p:cNvSpPr/>
+          <p:nvPr/>
+        </p:nvSpPr>
+        <p:spPr>
+          <a:xfrm>
+            <a:off x="6603532" y="3439215"/>
+            <a:ext cx="797013" cy="369332"/>
+          </a:xfrm>
+          <a:prstGeom prst="rightArrow">
+            <a:avLst/>
+          </a:prstGeom>
+        </p:spPr>
+        <p:style>
+          <a:lnRef idx="1">
+            <a:schemeClr val="accent1"/>
+          </a:lnRef>
+          <a:fillRef idx="3">
+            <a:schemeClr val="accent1"/>
+          </a:fillRef>
+          <a:effectRef idx="2">
+            <a:schemeClr val="accent1"/>
+          </a:effectRef>
+          <a:fontRef idx="minor">
+            <a:schemeClr val="lt1"/>
+          </a:fontRef>
+        </p:style>
+        <p:txBody>
+          <a:bodyPr rtlCol="0" anchor="ctr"/>
+          <a:lstStyle/>
+          <a:p>
+            <a:pPr algn="ctr"/>
+            <a:endParaRPr lang="en-SE"/>
+          </a:p>
+        </p:txBody>
+      </p:sp>
+      <p:sp>
+        <p:nvSpPr>
+          <p:cNvPr id="44" name="TextBox 43">
+            <a:extLst>
+              <a:ext uri="{FF2B5EF4-FFF2-40B4-BE49-F238E27FC236}">
+                <a16:creationId xmlns:a16="http://schemas.microsoft.com/office/drawing/2014/main" id="{B5E4160A-6C02-D06A-5829-ABBEA0565C57}"/>
+              </a:ext>
+            </a:extLst>
+          </p:cNvPr>
+          <p:cNvSpPr txBox="1"/>
+          <p:nvPr/>
+        </p:nvSpPr>
+        <p:spPr>
+          <a:xfrm>
+            <a:off x="6648799" y="3137157"/>
+            <a:ext cx="682303" cy="369332"/>
+          </a:xfrm>
+          <a:prstGeom prst="rect">
+            <a:avLst/>
+          </a:prstGeom>
+          <a:noFill/>
+        </p:spPr>
+        <p:txBody>
+          <a:bodyPr wrap="none" rtlCol="0">
+            <a:spAutoFit/>
+          </a:bodyPr>
+          <a:lstStyle/>
+          <a:p>
+            <a:pPr algn="ctr"/>
+            <a:r>
+              <a:rPr lang="en-GB" dirty="0" err="1"/>
+              <a:t>Iter</a:t>
+            </a:r>
+            <a:r>
+              <a:rPr lang="en-GB" dirty="0"/>
+              <a:t> 3</a:t>
+            </a:r>
+            <a:endParaRPr lang="en-SE" dirty="0"/>
+          </a:p>
+        </p:txBody>
+      </p:sp>
+      <p:sp>
+        <p:nvSpPr>
+          <p:cNvPr id="45" name="TextBox 44">
+            <a:extLst>
+              <a:ext uri="{FF2B5EF4-FFF2-40B4-BE49-F238E27FC236}">
+                <a16:creationId xmlns:a16="http://schemas.microsoft.com/office/drawing/2014/main" id="{B796744B-FB63-8F5A-6C47-826655BDD998}"/>
+              </a:ext>
+            </a:extLst>
+          </p:cNvPr>
+          <p:cNvSpPr txBox="1"/>
+          <p:nvPr/>
+        </p:nvSpPr>
+        <p:spPr>
+          <a:xfrm>
+            <a:off x="6420366" y="3784524"/>
+            <a:ext cx="1183016" cy="369332"/>
+          </a:xfrm>
+          <a:prstGeom prst="rect">
+            <a:avLst/>
+          </a:prstGeom>
+          <a:noFill/>
+        </p:spPr>
+        <p:txBody>
+          <a:bodyPr wrap="none" rtlCol="0">
+            <a:spAutoFit/>
+          </a:bodyPr>
+          <a:lstStyle/>
+          <a:p>
+            <a:pPr algn="ctr"/>
+            <a:r>
+              <a:rPr lang="en-GB" dirty="0"/>
+              <a:t>No change</a:t>
+            </a:r>
+            <a:endParaRPr lang="en-SE" dirty="0"/>
+          </a:p>
+        </p:txBody>
+      </p:sp>
+      <p:graphicFrame>
+        <p:nvGraphicFramePr>
+          <p:cNvPr id="46" name="Content Placeholder 4">
+            <a:extLst>
+              <a:ext uri="{FF2B5EF4-FFF2-40B4-BE49-F238E27FC236}">
+                <a16:creationId xmlns:a16="http://schemas.microsoft.com/office/drawing/2014/main" id="{5C6D54FA-CFBA-5BF3-1D12-1AE60887A468}"/>
+              </a:ext>
+            </a:extLst>
+          </p:cNvPr>
+          <p:cNvGraphicFramePr>
+            <a:graphicFrameLocks/>
+          </p:cNvGraphicFramePr>
+          <p:nvPr>
+            <p:extLst>
+              <p:ext uri="{D42A27DB-BD31-4B8C-83A1-F6EECF244321}">
+                <p14:modId xmlns:p14="http://schemas.microsoft.com/office/powerpoint/2010/main" val="1224193472"/>
+              </p:ext>
+            </p:extLst>
+          </p:nvPr>
+        </p:nvGraphicFramePr>
+        <p:xfrm>
+          <a:off x="7503059" y="2629077"/>
+          <a:ext cx="1462045" cy="1854200"/>
+        </p:xfrm>
+        <a:graphic>
+          <a:graphicData uri="http://schemas.openxmlformats.org/drawingml/2006/table">
+            <a:tbl>
+              <a:tblPr firstRow="1" bandRow="1">
+                <a:tableStyleId>{5C22544A-7EE6-4342-B048-85BDC9FD1C3A}</a:tableStyleId>
+              </a:tblPr>
+              <a:tblGrid>
+                <a:gridCol w="479110">
+                  <a:extLst>
+                    <a:ext uri="{9D8B030D-6E8A-4147-A177-3AD203B41FA5}">
+                      <a16:colId xmlns:a16="http://schemas.microsoft.com/office/drawing/2014/main" val="1437393818"/>
+                    </a:ext>
+                  </a:extLst>
+                </a:gridCol>
+                <a:gridCol w="485819">
+                  <a:extLst>
+                    <a:ext uri="{9D8B030D-6E8A-4147-A177-3AD203B41FA5}">
+                      <a16:colId xmlns:a16="http://schemas.microsoft.com/office/drawing/2014/main" val="3865283362"/>
+                    </a:ext>
+                  </a:extLst>
+                </a:gridCol>
+                <a:gridCol w="497116">
+                  <a:extLst>
+                    <a:ext uri="{9D8B030D-6E8A-4147-A177-3AD203B41FA5}">
+                      <a16:colId xmlns:a16="http://schemas.microsoft.com/office/drawing/2014/main" val="2508205066"/>
+                    </a:ext>
+                  </a:extLst>
+                </a:gridCol>
+              </a:tblGrid>
+              <a:tr h="370840">
+                <a:tc>
+                  <a:txBody>
+                    <a:bodyPr/>
+                    <a:lstStyle/>
+                    <a:p>
+                      <a:pPr algn="ctr"/>
+                      <a:r>
+                        <a:rPr lang="en-US" dirty="0"/>
+                        <a:t>N</a:t>
+                      </a:r>
+                      <a:endParaRPr lang="en-SE" dirty="0"/>
+                    </a:p>
+                  </a:txBody>
+                  <a:tcPr/>
+                </a:tc>
+                <a:tc>
+                  <a:txBody>
+                    <a:bodyPr/>
+                    <a:lstStyle/>
+                    <a:p>
+                      <a:pPr algn="ctr"/>
+                      <a:r>
+                        <a:rPr lang="en-US" dirty="0"/>
+                        <a:t>SD</a:t>
+                      </a:r>
+                      <a:endParaRPr lang="en-SE" dirty="0"/>
+                    </a:p>
+                  </a:txBody>
+                  <a:tcPr/>
+                </a:tc>
+                <a:tc>
+                  <a:txBody>
+                    <a:bodyPr/>
+                    <a:lstStyle/>
+                    <a:p>
+                      <a:pPr algn="ctr"/>
+                      <a:r>
+                        <a:rPr lang="en-US" dirty="0"/>
+                        <a:t>PN</a:t>
+                      </a:r>
+                      <a:endParaRPr lang="en-SE" dirty="0"/>
+                    </a:p>
+                  </a:txBody>
+                  <a:tcPr/>
+                </a:tc>
+                <a:extLst>
+                  <a:ext uri="{0D108BD9-81ED-4DB2-BD59-A6C34878D82A}">
+                    <a16:rowId xmlns:a16="http://schemas.microsoft.com/office/drawing/2014/main" val="3515259906"/>
+                  </a:ext>
+                </a:extLst>
+              </a:tr>
+              <a:tr h="370840">
+                <a:tc>
+                  <a:txBody>
+                    <a:bodyPr/>
+                    <a:lstStyle/>
+                    <a:p>
+                      <a:pPr algn="ctr"/>
+                      <a:r>
+                        <a:rPr lang="en-US" altLang="zh-CN" dirty="0"/>
+                        <a:t>A</a:t>
+                      </a:r>
+                      <a:endParaRPr lang="en-SE" dirty="0"/>
+                    </a:p>
+                  </a:txBody>
+                  <a:tcPr/>
+                </a:tc>
+                <a:tc>
+                  <a:txBody>
+                    <a:bodyPr/>
+                    <a:lstStyle/>
+                    <a:p>
+                      <a:pPr algn="ctr"/>
+                      <a:r>
+                        <a:rPr lang="en-US" dirty="0"/>
+                        <a:t>0</a:t>
+                      </a:r>
+                      <a:endParaRPr lang="en-SE" dirty="0"/>
+                    </a:p>
+                  </a:txBody>
+                  <a:tcPr/>
+                </a:tc>
+                <a:tc>
+                  <a:txBody>
+                    <a:bodyPr/>
+                    <a:lstStyle/>
+                    <a:p>
+                      <a:pPr algn="ctr"/>
+                      <a:endParaRPr lang="en-SE" dirty="0"/>
+                    </a:p>
+                  </a:txBody>
+                  <a:tcPr/>
+                </a:tc>
+                <a:extLst>
+                  <a:ext uri="{0D108BD9-81ED-4DB2-BD59-A6C34878D82A}">
+                    <a16:rowId xmlns:a16="http://schemas.microsoft.com/office/drawing/2014/main" val="3762638117"/>
+                  </a:ext>
+                </a:extLst>
+              </a:tr>
+              <a:tr h="370840">
+                <a:tc>
+                  <a:txBody>
+                    <a:bodyPr/>
+                    <a:lstStyle/>
+                    <a:p>
+                      <a:pPr algn="ctr"/>
+                      <a:r>
+                        <a:rPr lang="en-US" dirty="0">
+                          <a:solidFill>
+                            <a:schemeClr val="tx1"/>
+                          </a:solidFill>
+                        </a:rPr>
+                        <a:t>B</a:t>
+                      </a:r>
+                      <a:endParaRPr lang="en-SE" dirty="0">
+                        <a:solidFill>
+                          <a:schemeClr val="tx1"/>
+                        </a:solidFill>
+                      </a:endParaRPr>
+                    </a:p>
+                  </a:txBody>
+                  <a:tcPr/>
+                </a:tc>
+                <a:tc>
+                  <a:txBody>
+                    <a:bodyPr/>
+                    <a:lstStyle/>
+                    <a:p>
+                      <a:pPr algn="ctr"/>
+                      <a:r>
+                        <a:rPr lang="en-GB" dirty="0">
+                          <a:solidFill>
+                            <a:schemeClr val="tx1"/>
+                          </a:solidFill>
+                        </a:rPr>
+                        <a:t>10</a:t>
+                      </a:r>
+                      <a:endParaRPr lang="en-SE" dirty="0">
+                        <a:solidFill>
+                          <a:schemeClr val="tx1"/>
+                        </a:solidFill>
+                      </a:endParaRPr>
+                    </a:p>
+                  </a:txBody>
+                  <a:tcPr/>
+                </a:tc>
+                <a:tc>
+                  <a:txBody>
+                    <a:bodyPr/>
+                    <a:lstStyle/>
+                    <a:p>
+                      <a:pPr algn="ctr"/>
+                      <a:r>
+                        <a:rPr lang="en-GB" dirty="0">
+                          <a:solidFill>
+                            <a:schemeClr val="tx1"/>
+                          </a:solidFill>
+                        </a:rPr>
+                        <a:t>A</a:t>
+                      </a:r>
+                      <a:endParaRPr lang="en-SE" dirty="0">
+                        <a:solidFill>
+                          <a:schemeClr val="tx1"/>
+                        </a:solidFill>
+                      </a:endParaRPr>
+                    </a:p>
+                  </a:txBody>
+                  <a:tcPr/>
+                </a:tc>
+                <a:extLst>
+                  <a:ext uri="{0D108BD9-81ED-4DB2-BD59-A6C34878D82A}">
+                    <a16:rowId xmlns:a16="http://schemas.microsoft.com/office/drawing/2014/main" val="616934466"/>
+                  </a:ext>
+                </a:extLst>
+              </a:tr>
+              <a:tr h="370840">
+                <a:tc>
+                  <a:txBody>
+                    <a:bodyPr/>
+                    <a:lstStyle/>
+                    <a:p>
+                      <a:pPr algn="ctr"/>
+                      <a:r>
+                        <a:rPr lang="en-US" dirty="0">
+                          <a:solidFill>
+                            <a:schemeClr val="tx1"/>
+                          </a:solidFill>
+                        </a:rPr>
+                        <a:t>C</a:t>
+                      </a:r>
+                      <a:endParaRPr lang="en-SE" dirty="0">
+                        <a:solidFill>
+                          <a:schemeClr val="tx1"/>
+                        </a:solidFill>
+                      </a:endParaRPr>
+                    </a:p>
+                  </a:txBody>
+                  <a:tcPr/>
+                </a:tc>
+                <a:tc>
+                  <a:txBody>
+                    <a:bodyPr/>
+                    <a:lstStyle/>
+                    <a:p>
+                      <a:pPr algn="ctr"/>
+                      <a:r>
+                        <a:rPr lang="en-GB" dirty="0">
+                          <a:solidFill>
+                            <a:schemeClr val="tx1"/>
+                          </a:solidFill>
+                        </a:rPr>
+                        <a:t>1</a:t>
+                      </a:r>
+                      <a:endParaRPr lang="en-SE" dirty="0">
+                        <a:solidFill>
+                          <a:schemeClr val="tx1"/>
+                        </a:solidFill>
+                      </a:endParaRPr>
+                    </a:p>
+                  </a:txBody>
+                  <a:tcPr/>
+                </a:tc>
+                <a:tc>
+                  <a:txBody>
+                    <a:bodyPr/>
+                    <a:lstStyle/>
+                    <a:p>
+                      <a:pPr algn="ctr"/>
+                      <a:r>
+                        <a:rPr lang="en-GB" dirty="0">
+                          <a:solidFill>
+                            <a:schemeClr val="tx1"/>
+                          </a:solidFill>
+                        </a:rPr>
+                        <a:t>A</a:t>
+                      </a:r>
+                      <a:endParaRPr lang="en-SE" dirty="0">
+                        <a:solidFill>
+                          <a:schemeClr val="tx1"/>
+                        </a:solidFill>
+                      </a:endParaRPr>
+                    </a:p>
+                  </a:txBody>
+                  <a:tcPr/>
+                </a:tc>
+                <a:extLst>
+                  <a:ext uri="{0D108BD9-81ED-4DB2-BD59-A6C34878D82A}">
+                    <a16:rowId xmlns:a16="http://schemas.microsoft.com/office/drawing/2014/main" val="3586663048"/>
+                  </a:ext>
+                </a:extLst>
+              </a:tr>
+              <a:tr h="370840">
+                <a:tc>
+                  <a:txBody>
+                    <a:bodyPr/>
+                    <a:lstStyle/>
+                    <a:p>
+                      <a:pPr algn="ctr"/>
+                      <a:r>
+                        <a:rPr lang="en-US" dirty="0"/>
+                        <a:t>D</a:t>
+                      </a:r>
+                      <a:endParaRPr lang="en-SE" dirty="0"/>
+                    </a:p>
+                  </a:txBody>
+                  <a:tcPr/>
+                </a:tc>
+                <a:tc>
+                  <a:txBody>
+                    <a:bodyPr/>
+                    <a:lstStyle/>
+                    <a:p>
+                      <a:pPr algn="ctr"/>
+                      <a:r>
+                        <a:rPr lang="en-GB" dirty="0">
+                          <a:solidFill>
+                            <a:schemeClr val="tx1"/>
+                          </a:solidFill>
+                        </a:rPr>
+                        <a:t>-10</a:t>
+                      </a:r>
+                      <a:endParaRPr lang="en-SE" dirty="0">
+                        <a:solidFill>
+                          <a:schemeClr val="tx1"/>
+                        </a:solidFill>
+                      </a:endParaRPr>
+                    </a:p>
+                  </a:txBody>
+                  <a:tcPr/>
+                </a:tc>
+                <a:tc>
+                  <a:txBody>
+                    <a:bodyPr/>
+                    <a:lstStyle/>
+                    <a:p>
+                      <a:pPr algn="ctr"/>
+                      <a:r>
+                        <a:rPr lang="en-GB" dirty="0">
+                          <a:solidFill>
+                            <a:schemeClr val="tx1"/>
+                          </a:solidFill>
+                        </a:rPr>
+                        <a:t>B</a:t>
+                      </a:r>
+                      <a:endParaRPr lang="en-SE" dirty="0">
+                        <a:solidFill>
+                          <a:schemeClr val="tx1"/>
+                        </a:solidFill>
+                      </a:endParaRPr>
+                    </a:p>
+                  </a:txBody>
+                  <a:tcPr/>
+                </a:tc>
+                <a:extLst>
+                  <a:ext uri="{0D108BD9-81ED-4DB2-BD59-A6C34878D82A}">
+                    <a16:rowId xmlns:a16="http://schemas.microsoft.com/office/drawing/2014/main" val="2443210191"/>
+                  </a:ext>
+                </a:extLst>
+              </a:tr>
+            </a:tbl>
+          </a:graphicData>
+        </a:graphic>
+      </p:graphicFrame>
+      <p:sp>
+        <p:nvSpPr>
+          <p:cNvPr id="47" name="TextBox 46">
+            <a:extLst>
+              <a:ext uri="{FF2B5EF4-FFF2-40B4-BE49-F238E27FC236}">
+                <a16:creationId xmlns:a16="http://schemas.microsoft.com/office/drawing/2014/main" id="{602B7517-0EAB-EF21-E99D-05A9D3174E85}"/>
+              </a:ext>
+            </a:extLst>
+          </p:cNvPr>
+          <p:cNvSpPr txBox="1"/>
+          <p:nvPr/>
+        </p:nvSpPr>
+        <p:spPr>
+          <a:xfrm>
+            <a:off x="3965779" y="4269695"/>
+            <a:ext cx="682303" cy="369332"/>
+          </a:xfrm>
+          <a:prstGeom prst="rect">
+            <a:avLst/>
+          </a:prstGeom>
+          <a:noFill/>
+        </p:spPr>
+        <p:txBody>
+          <a:bodyPr wrap="none" rtlCol="0">
+            <a:spAutoFit/>
+          </a:bodyPr>
+          <a:lstStyle/>
+          <a:p>
+            <a:pPr algn="ctr"/>
+            <a:r>
+              <a:rPr lang="en-GB" dirty="0" err="1"/>
+              <a:t>Iter</a:t>
+            </a:r>
+            <a:r>
+              <a:rPr lang="en-GB" dirty="0"/>
+              <a:t> 4</a:t>
+            </a:r>
+            <a:endParaRPr lang="en-SE" dirty="0"/>
+          </a:p>
+        </p:txBody>
+      </p:sp>
+      <p:sp>
+        <p:nvSpPr>
+          <p:cNvPr id="48" name="TextBox 47">
+            <a:extLst>
+              <a:ext uri="{FF2B5EF4-FFF2-40B4-BE49-F238E27FC236}">
+                <a16:creationId xmlns:a16="http://schemas.microsoft.com/office/drawing/2014/main" id="{2667EC8B-2CAB-90F5-D4BB-478B57E2397F}"/>
+              </a:ext>
+            </a:extLst>
+          </p:cNvPr>
+          <p:cNvSpPr txBox="1"/>
+          <p:nvPr/>
+        </p:nvSpPr>
+        <p:spPr>
+          <a:xfrm>
+            <a:off x="3746183" y="4633664"/>
+            <a:ext cx="1183016" cy="369332"/>
+          </a:xfrm>
+          <a:prstGeom prst="rect">
+            <a:avLst/>
+          </a:prstGeom>
+          <a:noFill/>
+        </p:spPr>
+        <p:txBody>
+          <a:bodyPr wrap="none" rtlCol="0">
+            <a:spAutoFit/>
+          </a:bodyPr>
+          <a:lstStyle/>
+          <a:p>
+            <a:pPr algn="ctr"/>
+            <a:r>
+              <a:rPr lang="en-GB" dirty="0"/>
+              <a:t>No change</a:t>
+            </a:r>
+            <a:endParaRPr lang="en-SE" dirty="0"/>
+          </a:p>
+        </p:txBody>
+      </p:sp>
+      <p:graphicFrame>
+        <p:nvGraphicFramePr>
+          <p:cNvPr id="49" name="Content Placeholder 4">
+            <a:extLst>
+              <a:ext uri="{FF2B5EF4-FFF2-40B4-BE49-F238E27FC236}">
+                <a16:creationId xmlns:a16="http://schemas.microsoft.com/office/drawing/2014/main" id="{215F9217-DD78-DC8D-8480-EAE219842A3F}"/>
+              </a:ext>
+            </a:extLst>
+          </p:cNvPr>
+          <p:cNvGraphicFramePr>
+            <a:graphicFrameLocks/>
+          </p:cNvGraphicFramePr>
+          <p:nvPr>
+            <p:extLst>
+              <p:ext uri="{D42A27DB-BD31-4B8C-83A1-F6EECF244321}">
+                <p14:modId xmlns:p14="http://schemas.microsoft.com/office/powerpoint/2010/main" val="1224193472"/>
+              </p:ext>
+            </p:extLst>
+          </p:nvPr>
+        </p:nvGraphicFramePr>
+        <p:xfrm>
+          <a:off x="201101" y="4798669"/>
+          <a:ext cx="1462045" cy="1854200"/>
+        </p:xfrm>
+        <a:graphic>
+          <a:graphicData uri="http://schemas.openxmlformats.org/drawingml/2006/table">
+            <a:tbl>
+              <a:tblPr firstRow="1" bandRow="1">
+                <a:tableStyleId>{5C22544A-7EE6-4342-B048-85BDC9FD1C3A}</a:tableStyleId>
+              </a:tblPr>
+              <a:tblGrid>
+                <a:gridCol w="479110">
+                  <a:extLst>
+                    <a:ext uri="{9D8B030D-6E8A-4147-A177-3AD203B41FA5}">
+                      <a16:colId xmlns:a16="http://schemas.microsoft.com/office/drawing/2014/main" val="1437393818"/>
+                    </a:ext>
+                  </a:extLst>
+                </a:gridCol>
+                <a:gridCol w="485819">
+                  <a:extLst>
+                    <a:ext uri="{9D8B030D-6E8A-4147-A177-3AD203B41FA5}">
+                      <a16:colId xmlns:a16="http://schemas.microsoft.com/office/drawing/2014/main" val="3865283362"/>
+                    </a:ext>
+                  </a:extLst>
+                </a:gridCol>
+                <a:gridCol w="497116">
+                  <a:extLst>
+                    <a:ext uri="{9D8B030D-6E8A-4147-A177-3AD203B41FA5}">
+                      <a16:colId xmlns:a16="http://schemas.microsoft.com/office/drawing/2014/main" val="2508205066"/>
+                    </a:ext>
+                  </a:extLst>
+                </a:gridCol>
+              </a:tblGrid>
+              <a:tr h="370840">
+                <a:tc>
+                  <a:txBody>
+                    <a:bodyPr/>
+                    <a:lstStyle/>
+                    <a:p>
+                      <a:pPr algn="ctr"/>
+                      <a:r>
+                        <a:rPr lang="en-US" dirty="0"/>
+                        <a:t>N</a:t>
+                      </a:r>
+                      <a:endParaRPr lang="en-SE" dirty="0"/>
+                    </a:p>
+                  </a:txBody>
+                  <a:tcPr/>
+                </a:tc>
+                <a:tc>
+                  <a:txBody>
+                    <a:bodyPr/>
+                    <a:lstStyle/>
+                    <a:p>
+                      <a:pPr algn="ctr"/>
+                      <a:r>
+                        <a:rPr lang="en-US" dirty="0"/>
+                        <a:t>SD</a:t>
+                      </a:r>
+                      <a:endParaRPr lang="en-SE" dirty="0"/>
+                    </a:p>
+                  </a:txBody>
+                  <a:tcPr/>
+                </a:tc>
+                <a:tc>
+                  <a:txBody>
+                    <a:bodyPr/>
+                    <a:lstStyle/>
+                    <a:p>
+                      <a:pPr algn="ctr"/>
+                      <a:r>
+                        <a:rPr lang="en-US" dirty="0"/>
+                        <a:t>PN</a:t>
+                      </a:r>
+                      <a:endParaRPr lang="en-SE" dirty="0"/>
+                    </a:p>
+                  </a:txBody>
+                  <a:tcPr/>
+                </a:tc>
+                <a:extLst>
+                  <a:ext uri="{0D108BD9-81ED-4DB2-BD59-A6C34878D82A}">
+                    <a16:rowId xmlns:a16="http://schemas.microsoft.com/office/drawing/2014/main" val="3515259906"/>
+                  </a:ext>
+                </a:extLst>
+              </a:tr>
+              <a:tr h="370840">
+                <a:tc>
+                  <a:txBody>
+                    <a:bodyPr/>
+                    <a:lstStyle/>
+                    <a:p>
+                      <a:pPr algn="ctr"/>
+                      <a:r>
+                        <a:rPr lang="en-US" altLang="zh-CN" dirty="0"/>
+                        <a:t>A</a:t>
+                      </a:r>
+                      <a:endParaRPr lang="en-SE" dirty="0"/>
+                    </a:p>
+                  </a:txBody>
+                  <a:tcPr/>
+                </a:tc>
+                <a:tc>
+                  <a:txBody>
+                    <a:bodyPr/>
+                    <a:lstStyle/>
+                    <a:p>
+                      <a:pPr algn="ctr"/>
+                      <a:r>
+                        <a:rPr lang="en-US" dirty="0"/>
+                        <a:t>0</a:t>
+                      </a:r>
+                      <a:endParaRPr lang="en-SE" dirty="0"/>
+                    </a:p>
+                  </a:txBody>
+                  <a:tcPr/>
+                </a:tc>
+                <a:tc>
+                  <a:txBody>
+                    <a:bodyPr/>
+                    <a:lstStyle/>
+                    <a:p>
+                      <a:pPr algn="ctr"/>
+                      <a:endParaRPr lang="en-SE" dirty="0"/>
+                    </a:p>
+                  </a:txBody>
+                  <a:tcPr/>
+                </a:tc>
+                <a:extLst>
+                  <a:ext uri="{0D108BD9-81ED-4DB2-BD59-A6C34878D82A}">
+                    <a16:rowId xmlns:a16="http://schemas.microsoft.com/office/drawing/2014/main" val="3762638117"/>
+                  </a:ext>
+                </a:extLst>
+              </a:tr>
+              <a:tr h="370840">
+                <a:tc>
+                  <a:txBody>
+                    <a:bodyPr/>
+                    <a:lstStyle/>
+                    <a:p>
+                      <a:pPr algn="ctr"/>
+                      <a:r>
+                        <a:rPr lang="en-US" dirty="0">
+                          <a:solidFill>
+                            <a:schemeClr val="tx1"/>
+                          </a:solidFill>
+                        </a:rPr>
+                        <a:t>B</a:t>
+                      </a:r>
+                      <a:endParaRPr lang="en-SE" dirty="0">
+                        <a:solidFill>
+                          <a:schemeClr val="tx1"/>
+                        </a:solidFill>
+                      </a:endParaRPr>
+                    </a:p>
+                  </a:txBody>
+                  <a:tcPr/>
+                </a:tc>
+                <a:tc>
+                  <a:txBody>
+                    <a:bodyPr/>
+                    <a:lstStyle/>
+                    <a:p>
+                      <a:pPr algn="ctr"/>
+                      <a:r>
+                        <a:rPr lang="en-GB" dirty="0">
+                          <a:solidFill>
+                            <a:schemeClr val="tx1"/>
+                          </a:solidFill>
+                        </a:rPr>
+                        <a:t>10</a:t>
+                      </a:r>
+                      <a:endParaRPr lang="en-SE" dirty="0">
+                        <a:solidFill>
+                          <a:schemeClr val="tx1"/>
+                        </a:solidFill>
+                      </a:endParaRPr>
+                    </a:p>
+                  </a:txBody>
+                  <a:tcPr/>
+                </a:tc>
+                <a:tc>
+                  <a:txBody>
+                    <a:bodyPr/>
+                    <a:lstStyle/>
+                    <a:p>
+                      <a:pPr algn="ctr"/>
+                      <a:r>
+                        <a:rPr lang="en-GB" dirty="0">
+                          <a:solidFill>
+                            <a:schemeClr val="tx1"/>
+                          </a:solidFill>
+                        </a:rPr>
+                        <a:t>A</a:t>
+                      </a:r>
+                      <a:endParaRPr lang="en-SE" dirty="0">
+                        <a:solidFill>
+                          <a:schemeClr val="tx1"/>
+                        </a:solidFill>
+                      </a:endParaRPr>
+                    </a:p>
+                  </a:txBody>
+                  <a:tcPr/>
+                </a:tc>
+                <a:extLst>
+                  <a:ext uri="{0D108BD9-81ED-4DB2-BD59-A6C34878D82A}">
+                    <a16:rowId xmlns:a16="http://schemas.microsoft.com/office/drawing/2014/main" val="616934466"/>
+                  </a:ext>
+                </a:extLst>
+              </a:tr>
+              <a:tr h="370840">
+                <a:tc>
+                  <a:txBody>
+                    <a:bodyPr/>
+                    <a:lstStyle/>
+                    <a:p>
+                      <a:pPr algn="ctr"/>
+                      <a:r>
+                        <a:rPr lang="en-US" dirty="0">
+                          <a:solidFill>
+                            <a:schemeClr val="tx1"/>
+                          </a:solidFill>
+                        </a:rPr>
+                        <a:t>C</a:t>
+                      </a:r>
+                      <a:endParaRPr lang="en-SE" dirty="0">
+                        <a:solidFill>
+                          <a:schemeClr val="tx1"/>
+                        </a:solidFill>
+                      </a:endParaRPr>
+                    </a:p>
+                  </a:txBody>
+                  <a:tcPr/>
+                </a:tc>
+                <a:tc>
+                  <a:txBody>
+                    <a:bodyPr/>
+                    <a:lstStyle/>
+                    <a:p>
+                      <a:pPr algn="ctr"/>
+                      <a:r>
+                        <a:rPr lang="en-GB" dirty="0">
+                          <a:solidFill>
+                            <a:schemeClr val="tx1"/>
+                          </a:solidFill>
+                        </a:rPr>
+                        <a:t>1</a:t>
+                      </a:r>
+                      <a:endParaRPr lang="en-SE" dirty="0">
+                        <a:solidFill>
+                          <a:schemeClr val="tx1"/>
+                        </a:solidFill>
+                      </a:endParaRPr>
+                    </a:p>
+                  </a:txBody>
+                  <a:tcPr/>
+                </a:tc>
+                <a:tc>
+                  <a:txBody>
+                    <a:bodyPr/>
+                    <a:lstStyle/>
+                    <a:p>
+                      <a:pPr algn="ctr"/>
+                      <a:r>
+                        <a:rPr lang="en-GB" dirty="0">
+                          <a:solidFill>
+                            <a:schemeClr val="tx1"/>
+                          </a:solidFill>
+                        </a:rPr>
+                        <a:t>A</a:t>
+                      </a:r>
+                      <a:endParaRPr lang="en-SE" dirty="0">
+                        <a:solidFill>
+                          <a:schemeClr val="tx1"/>
+                        </a:solidFill>
+                      </a:endParaRPr>
+                    </a:p>
+                  </a:txBody>
+                  <a:tcPr/>
+                </a:tc>
+                <a:extLst>
+                  <a:ext uri="{0D108BD9-81ED-4DB2-BD59-A6C34878D82A}">
+                    <a16:rowId xmlns:a16="http://schemas.microsoft.com/office/drawing/2014/main" val="3586663048"/>
+                  </a:ext>
+                </a:extLst>
+              </a:tr>
+              <a:tr h="370840">
+                <a:tc>
+                  <a:txBody>
+                    <a:bodyPr/>
+                    <a:lstStyle/>
+                    <a:p>
+                      <a:pPr algn="ctr"/>
+                      <a:r>
+                        <a:rPr lang="en-US" dirty="0"/>
+                        <a:t>D</a:t>
+                      </a:r>
+                      <a:endParaRPr lang="en-SE" dirty="0"/>
+                    </a:p>
+                  </a:txBody>
+                  <a:tcPr/>
+                </a:tc>
+                <a:tc>
+                  <a:txBody>
+                    <a:bodyPr/>
+                    <a:lstStyle/>
+                    <a:p>
+                      <a:pPr algn="ctr"/>
+                      <a:r>
+                        <a:rPr lang="en-GB" dirty="0">
+                          <a:solidFill>
+                            <a:schemeClr val="tx1"/>
+                          </a:solidFill>
+                        </a:rPr>
+                        <a:t>-10</a:t>
+                      </a:r>
+                      <a:endParaRPr lang="en-SE" dirty="0">
+                        <a:solidFill>
+                          <a:schemeClr val="tx1"/>
+                        </a:solidFill>
+                      </a:endParaRPr>
+                    </a:p>
+                  </a:txBody>
+                  <a:tcPr/>
+                </a:tc>
+                <a:tc>
+                  <a:txBody>
+                    <a:bodyPr/>
+                    <a:lstStyle/>
+                    <a:p>
+                      <a:pPr algn="ctr"/>
+                      <a:r>
+                        <a:rPr lang="en-GB" dirty="0">
+                          <a:solidFill>
+                            <a:schemeClr val="tx1"/>
+                          </a:solidFill>
+                        </a:rPr>
+                        <a:t>B</a:t>
+                      </a:r>
+                      <a:endParaRPr lang="en-SE" dirty="0">
+                        <a:solidFill>
+                          <a:schemeClr val="tx1"/>
+                        </a:solidFill>
+                      </a:endParaRPr>
+                    </a:p>
+                  </a:txBody>
+                  <a:tcPr/>
+                </a:tc>
+                <a:extLst>
+                  <a:ext uri="{0D108BD9-81ED-4DB2-BD59-A6C34878D82A}">
+                    <a16:rowId xmlns:a16="http://schemas.microsoft.com/office/drawing/2014/main" val="2443210191"/>
+                  </a:ext>
+                </a:extLst>
+              </a:tr>
+            </a:tbl>
+          </a:graphicData>
+        </a:graphic>
+      </p:graphicFrame>
+    </p:spTree>
+    <p:extLst>
+      <p:ext uri="{BB962C8B-B14F-4D97-AF65-F5344CB8AC3E}">
+        <p14:creationId xmlns:p14="http://schemas.microsoft.com/office/powerpoint/2010/main" val="3388707201"/>
+      </p:ext>
+    </p:extLst>
+  </p:cSld>
+  <p:clrMapOvr>
+    <a:masterClrMapping/>
+  </p:clrMapOvr>
+</p:sld>
+</file>
+
+<file path=ppt/slides/slide4.xml><?xml version="1.0" encoding="utf-8"?>
+<p:sld xmlns:a="http://schemas.openxmlformats.org/drawingml/2006/main" xmlns:r="http://schemas.openxmlformats.org/officeDocument/2006/relationships" xmlns:p="http://schemas.openxmlformats.org/presentationml/2006/main">
+  <p:cSld>
+    <p:spTree>
+      <p:nvGrpSpPr>
+        <p:cNvPr id="1" name=""/>
+        <p:cNvGrpSpPr/>
+        <p:nvPr/>
+      </p:nvGrpSpPr>
+      <p:grpSpPr>
+        <a:xfrm>
+          <a:off x="0" y="0"/>
+          <a:ext cx="0" cy="0"/>
+          <a:chOff x="0" y="0"/>
+          <a:chExt cx="0" cy="0"/>
+        </a:xfrm>
+      </p:grpSpPr>
+      <p:sp>
+        <p:nvSpPr>
+          <p:cNvPr id="2" name="Title 1">
+            <a:extLst>
+              <a:ext uri="{FF2B5EF4-FFF2-40B4-BE49-F238E27FC236}">
                 <a16:creationId xmlns:a16="http://schemas.microsoft.com/office/drawing/2014/main" id="{B0EC67AD-0142-0BBF-CA49-C11AD41FA40F}"/>
               </a:ext>
             </a:extLst>
@@ -3729,8 +12471,8 @@
           </a:p>
         </p:txBody>
       </p:sp>
-      <mc:AlternateContent xmlns:mc="http://schemas.openxmlformats.org/markup-compatibility/2006">
-        <mc:Choice xmlns:a14="http://schemas.microsoft.com/office/drawing/2010/main" Requires="a14">
+      <mc:AlternateContent xmlns:mc="http://schemas.openxmlformats.org/markup-compatibility/2006" xmlns:a14="http://schemas.microsoft.com/office/drawing/2010/main">
+        <mc:Choice Requires="a14">
           <p:sp>
             <p:nvSpPr>
               <p:cNvPr id="3" name="Content Placeholder 2">
@@ -3953,7 +12695,7 @@
             </p:txBody>
           </p:sp>
         </mc:Choice>
-        <mc:Fallback>
+        <mc:Fallback xmlns="">
           <p:sp>
             <p:nvSpPr>
               <p:cNvPr id="3" name="Content Placeholder 2">
@@ -4374,6 +13116,1085 @@
     </p:tnLst>
     <p:bldLst>
       <p:bldP spid="3" grpId="0" build="p"/>
+    </p:bldLst>
+  </p:timing>
+</p:sld>
+</file>
+
+<file path=ppt/slides/slide5.xml><?xml version="1.0" encoding="utf-8"?>
+<p:sld xmlns:a="http://schemas.openxmlformats.org/drawingml/2006/main" xmlns:r="http://schemas.openxmlformats.org/officeDocument/2006/relationships" xmlns:p="http://schemas.openxmlformats.org/presentationml/2006/main">
+  <p:cSld>
+    <p:spTree>
+      <p:nvGrpSpPr>
+        <p:cNvPr id="1" name=""/>
+        <p:cNvGrpSpPr/>
+        <p:nvPr/>
+      </p:nvGrpSpPr>
+      <p:grpSpPr>
+        <a:xfrm>
+          <a:off x="0" y="0"/>
+          <a:ext cx="0" cy="0"/>
+          <a:chOff x="0" y="0"/>
+          <a:chExt cx="0" cy="0"/>
+        </a:xfrm>
+      </p:grpSpPr>
+      <p:sp>
+        <p:nvSpPr>
+          <p:cNvPr id="2" name="Title 1">
+            <a:extLst>
+              <a:ext uri="{FF2B5EF4-FFF2-40B4-BE49-F238E27FC236}">
+                <a16:creationId xmlns:a16="http://schemas.microsoft.com/office/drawing/2014/main" id="{B58413A1-5142-CD98-1194-6D4A3DD4EE28}"/>
+              </a:ext>
+            </a:extLst>
+          </p:cNvPr>
+          <p:cNvSpPr>
+            <a:spLocks noGrp="1"/>
+          </p:cNvSpPr>
+          <p:nvPr>
+            <p:ph type="title"/>
+          </p:nvPr>
+        </p:nvSpPr>
+        <p:spPr/>
+        <p:txBody>
+          <a:bodyPr/>
+          <a:lstStyle/>
+          <a:p>
+            <a:r>
+              <a:rPr lang="en-GB" dirty="0"/>
+              <a:t>Example 3: Topological Sort</a:t>
+            </a:r>
+            <a:endParaRPr lang="en-SE" dirty="0"/>
+          </a:p>
+        </p:txBody>
+      </p:sp>
+      <p:pic>
+        <p:nvPicPr>
+          <p:cNvPr id="4" name="Picture 2" descr="example">
+            <a:extLst>
+              <a:ext uri="{FF2B5EF4-FFF2-40B4-BE49-F238E27FC236}">
+                <a16:creationId xmlns:a16="http://schemas.microsoft.com/office/drawing/2014/main" id="{859C5486-7E75-39DA-6FB3-4A5E67813284}"/>
+              </a:ext>
+            </a:extLst>
+          </p:cNvPr>
+          <p:cNvPicPr>
+            <a:picLocks noChangeAspect="1" noChangeArrowheads="1"/>
+          </p:cNvPicPr>
+          <p:nvPr/>
+        </p:nvPicPr>
+        <p:blipFill>
+          <a:blip r:embed="rId2">
+            <a:extLst>
+              <a:ext uri="{28A0092B-C50C-407E-A947-70E740481C1C}">
+                <a14:useLocalDpi xmlns:a14="http://schemas.microsoft.com/office/drawing/2010/main" val="0"/>
+              </a:ext>
+            </a:extLst>
+          </a:blip>
+          <a:srcRect/>
+          <a:stretch>
+            <a:fillRect/>
+          </a:stretch>
+        </p:blipFill>
+        <p:spPr bwMode="auto">
+          <a:xfrm>
+            <a:off x="138183" y="1790325"/>
+            <a:ext cx="4243503" cy="3479672"/>
+          </a:xfrm>
+          <a:prstGeom prst="rect">
+            <a:avLst/>
+          </a:prstGeom>
+          <a:noFill/>
+          <a:extLst>
+            <a:ext uri="{909E8E84-426E-40DD-AFC4-6F175D3DCCD1}">
+              <a14:hiddenFill xmlns:a14="http://schemas.microsoft.com/office/drawing/2010/main">
+                <a:solidFill>
+                  <a:srgbClr val="FFFFFF"/>
+                </a:solidFill>
+              </a14:hiddenFill>
+            </a:ext>
+          </a:extLst>
+        </p:spPr>
+      </p:pic>
+      <p:cxnSp>
+        <p:nvCxnSpPr>
+          <p:cNvPr id="6" name="Straight Connector 5">
+            <a:extLst>
+              <a:ext uri="{FF2B5EF4-FFF2-40B4-BE49-F238E27FC236}">
+                <a16:creationId xmlns:a16="http://schemas.microsoft.com/office/drawing/2014/main" id="{228389FD-549E-444A-F467-6290EE49442D}"/>
+              </a:ext>
+            </a:extLst>
+          </p:cNvPr>
+          <p:cNvCxnSpPr>
+            <a:cxnSpLocks/>
+          </p:cNvCxnSpPr>
+          <p:nvPr/>
+        </p:nvCxnSpPr>
+        <p:spPr>
+          <a:xfrm flipH="1">
+            <a:off x="802640" y="2682667"/>
+            <a:ext cx="500319" cy="999713"/>
+          </a:xfrm>
+          <a:prstGeom prst="line">
+            <a:avLst/>
+          </a:prstGeom>
+          <a:ln w="57150">
+            <a:solidFill>
+              <a:schemeClr val="tx1"/>
+            </a:solidFill>
+          </a:ln>
+        </p:spPr>
+        <p:style>
+          <a:lnRef idx="3">
+            <a:schemeClr val="dk1"/>
+          </a:lnRef>
+          <a:fillRef idx="0">
+            <a:schemeClr val="dk1"/>
+          </a:fillRef>
+          <a:effectRef idx="2">
+            <a:schemeClr val="dk1"/>
+          </a:effectRef>
+          <a:fontRef idx="minor">
+            <a:schemeClr val="tx1"/>
+          </a:fontRef>
+        </p:style>
+      </p:cxnSp>
+      <p:cxnSp>
+        <p:nvCxnSpPr>
+          <p:cNvPr id="11" name="Straight Connector 10">
+            <a:extLst>
+              <a:ext uri="{FF2B5EF4-FFF2-40B4-BE49-F238E27FC236}">
+                <a16:creationId xmlns:a16="http://schemas.microsoft.com/office/drawing/2014/main" id="{91A2CE40-3612-CBEA-9822-C04F3E3453E8}"/>
+              </a:ext>
+            </a:extLst>
+          </p:cNvPr>
+          <p:cNvCxnSpPr>
+            <a:cxnSpLocks/>
+          </p:cNvCxnSpPr>
+          <p:nvPr/>
+        </p:nvCxnSpPr>
+        <p:spPr>
+          <a:xfrm>
+            <a:off x="1628079" y="2652124"/>
+            <a:ext cx="440937" cy="602883"/>
+          </a:xfrm>
+          <a:prstGeom prst="line">
+            <a:avLst/>
+          </a:prstGeom>
+          <a:ln w="57150">
+            <a:solidFill>
+              <a:schemeClr val="tx1"/>
+            </a:solidFill>
+          </a:ln>
+        </p:spPr>
+        <p:style>
+          <a:lnRef idx="3">
+            <a:schemeClr val="dk1"/>
+          </a:lnRef>
+          <a:fillRef idx="0">
+            <a:schemeClr val="dk1"/>
+          </a:fillRef>
+          <a:effectRef idx="2">
+            <a:schemeClr val="dk1"/>
+          </a:effectRef>
+          <a:fontRef idx="minor">
+            <a:schemeClr val="tx1"/>
+          </a:fontRef>
+        </p:style>
+      </p:cxnSp>
+      <p:cxnSp>
+        <p:nvCxnSpPr>
+          <p:cNvPr id="14" name="Straight Connector 13">
+            <a:extLst>
+              <a:ext uri="{FF2B5EF4-FFF2-40B4-BE49-F238E27FC236}">
+                <a16:creationId xmlns:a16="http://schemas.microsoft.com/office/drawing/2014/main" id="{6A726A3A-5E38-273D-8654-904460AF14EA}"/>
+              </a:ext>
+            </a:extLst>
+          </p:cNvPr>
+          <p:cNvCxnSpPr>
+            <a:cxnSpLocks/>
+          </p:cNvCxnSpPr>
+          <p:nvPr/>
+        </p:nvCxnSpPr>
+        <p:spPr>
+          <a:xfrm>
+            <a:off x="3178935" y="2692827"/>
+            <a:ext cx="440937" cy="989553"/>
+          </a:xfrm>
+          <a:prstGeom prst="line">
+            <a:avLst/>
+          </a:prstGeom>
+          <a:ln w="57150">
+            <a:solidFill>
+              <a:schemeClr val="tx1"/>
+            </a:solidFill>
+          </a:ln>
+        </p:spPr>
+        <p:style>
+          <a:lnRef idx="3">
+            <a:schemeClr val="dk1"/>
+          </a:lnRef>
+          <a:fillRef idx="0">
+            <a:schemeClr val="dk1"/>
+          </a:fillRef>
+          <a:effectRef idx="2">
+            <a:schemeClr val="dk1"/>
+          </a:effectRef>
+          <a:fontRef idx="minor">
+            <a:schemeClr val="tx1"/>
+          </a:fontRef>
+        </p:style>
+      </p:cxnSp>
+      <p:cxnSp>
+        <p:nvCxnSpPr>
+          <p:cNvPr id="18" name="Straight Connector 17">
+            <a:extLst>
+              <a:ext uri="{FF2B5EF4-FFF2-40B4-BE49-F238E27FC236}">
+                <a16:creationId xmlns:a16="http://schemas.microsoft.com/office/drawing/2014/main" id="{E9B6D145-40D3-1C2C-5FA4-FCAA4CB16F4B}"/>
+              </a:ext>
+            </a:extLst>
+          </p:cNvPr>
+          <p:cNvCxnSpPr>
+            <a:cxnSpLocks/>
+          </p:cNvCxnSpPr>
+          <p:nvPr/>
+        </p:nvCxnSpPr>
+        <p:spPr>
+          <a:xfrm flipH="1">
+            <a:off x="2456569" y="2682667"/>
+            <a:ext cx="440937" cy="567260"/>
+          </a:xfrm>
+          <a:prstGeom prst="line">
+            <a:avLst/>
+          </a:prstGeom>
+          <a:ln w="57150">
+            <a:solidFill>
+              <a:schemeClr val="tx1"/>
+            </a:solidFill>
+          </a:ln>
+        </p:spPr>
+        <p:style>
+          <a:lnRef idx="3">
+            <a:schemeClr val="dk1"/>
+          </a:lnRef>
+          <a:fillRef idx="0">
+            <a:schemeClr val="dk1"/>
+          </a:fillRef>
+          <a:effectRef idx="2">
+            <a:schemeClr val="dk1"/>
+          </a:effectRef>
+          <a:fontRef idx="minor">
+            <a:schemeClr val="tx1"/>
+          </a:fontRef>
+        </p:style>
+      </p:cxnSp>
+      <p:cxnSp>
+        <p:nvCxnSpPr>
+          <p:cNvPr id="22" name="Straight Connector 21">
+            <a:extLst>
+              <a:ext uri="{FF2B5EF4-FFF2-40B4-BE49-F238E27FC236}">
+                <a16:creationId xmlns:a16="http://schemas.microsoft.com/office/drawing/2014/main" id="{5724CD6C-E23B-98DB-24CD-B4253FF75624}"/>
+              </a:ext>
+            </a:extLst>
+          </p:cNvPr>
+          <p:cNvCxnSpPr>
+            <a:cxnSpLocks/>
+          </p:cNvCxnSpPr>
+          <p:nvPr/>
+        </p:nvCxnSpPr>
+        <p:spPr>
+          <a:xfrm>
+            <a:off x="1057757" y="4116806"/>
+            <a:ext cx="892963" cy="599232"/>
+          </a:xfrm>
+          <a:prstGeom prst="line">
+            <a:avLst/>
+          </a:prstGeom>
+          <a:ln w="57150">
+            <a:solidFill>
+              <a:schemeClr val="tx1"/>
+            </a:solidFill>
+          </a:ln>
+        </p:spPr>
+        <p:style>
+          <a:lnRef idx="3">
+            <a:schemeClr val="dk1"/>
+          </a:lnRef>
+          <a:fillRef idx="0">
+            <a:schemeClr val="dk1"/>
+          </a:fillRef>
+          <a:effectRef idx="2">
+            <a:schemeClr val="dk1"/>
+          </a:effectRef>
+          <a:fontRef idx="minor">
+            <a:schemeClr val="tx1"/>
+          </a:fontRef>
+        </p:style>
+      </p:cxnSp>
+      <p:cxnSp>
+        <p:nvCxnSpPr>
+          <p:cNvPr id="27" name="Straight Connector 26">
+            <a:extLst>
+              <a:ext uri="{FF2B5EF4-FFF2-40B4-BE49-F238E27FC236}">
+                <a16:creationId xmlns:a16="http://schemas.microsoft.com/office/drawing/2014/main" id="{2C9940F3-8B39-0A67-F7CD-51C7002F5393}"/>
+              </a:ext>
+            </a:extLst>
+          </p:cNvPr>
+          <p:cNvCxnSpPr>
+            <a:cxnSpLocks/>
+          </p:cNvCxnSpPr>
+          <p:nvPr/>
+        </p:nvCxnSpPr>
+        <p:spPr>
+          <a:xfrm flipH="1">
+            <a:off x="2540000" y="4151252"/>
+            <a:ext cx="859403" cy="530340"/>
+          </a:xfrm>
+          <a:prstGeom prst="line">
+            <a:avLst/>
+          </a:prstGeom>
+          <a:ln w="57150">
+            <a:solidFill>
+              <a:schemeClr val="tx1"/>
+            </a:solidFill>
+          </a:ln>
+        </p:spPr>
+        <p:style>
+          <a:lnRef idx="3">
+            <a:schemeClr val="dk1"/>
+          </a:lnRef>
+          <a:fillRef idx="0">
+            <a:schemeClr val="dk1"/>
+          </a:fillRef>
+          <a:effectRef idx="2">
+            <a:schemeClr val="dk1"/>
+          </a:effectRef>
+          <a:fontRef idx="minor">
+            <a:schemeClr val="tx1"/>
+          </a:fontRef>
+        </p:style>
+      </p:cxnSp>
+      <p:sp>
+        <p:nvSpPr>
+          <p:cNvPr id="37" name="TextBox 36">
+            <a:extLst>
+              <a:ext uri="{FF2B5EF4-FFF2-40B4-BE49-F238E27FC236}">
+                <a16:creationId xmlns:a16="http://schemas.microsoft.com/office/drawing/2014/main" id="{1B8547B7-0B8D-291A-19A0-F73836E2AD2C}"/>
+              </a:ext>
+            </a:extLst>
+          </p:cNvPr>
+          <p:cNvSpPr txBox="1"/>
+          <p:nvPr/>
+        </p:nvSpPr>
+        <p:spPr>
+          <a:xfrm>
+            <a:off x="1057757" y="5313101"/>
+            <a:ext cx="2440861" cy="461665"/>
+          </a:xfrm>
+          <a:prstGeom prst="rect">
+            <a:avLst/>
+          </a:prstGeom>
+          <a:noFill/>
+        </p:spPr>
+        <p:txBody>
+          <a:bodyPr wrap="none" rtlCol="0">
+            <a:spAutoFit/>
+          </a:bodyPr>
+          <a:lstStyle/>
+          <a:p>
+            <a:r>
+              <a:rPr lang="en-GB" sz="2400" dirty="0"/>
+              <a:t>Undirected Graph</a:t>
+            </a:r>
+            <a:endParaRPr lang="en-SE" sz="2400" dirty="0"/>
+          </a:p>
+        </p:txBody>
+      </p:sp>
+      <p:sp>
+        <p:nvSpPr>
+          <p:cNvPr id="38" name="Content Placeholder 2">
+            <a:extLst>
+              <a:ext uri="{FF2B5EF4-FFF2-40B4-BE49-F238E27FC236}">
+                <a16:creationId xmlns:a16="http://schemas.microsoft.com/office/drawing/2014/main" id="{EDE3F7ED-9550-C190-2789-8B001FC82298}"/>
+              </a:ext>
+            </a:extLst>
+          </p:cNvPr>
+          <p:cNvSpPr txBox="1">
+            <a:spLocks/>
+          </p:cNvSpPr>
+          <p:nvPr/>
+        </p:nvSpPr>
+        <p:spPr>
+          <a:xfrm>
+            <a:off x="4259766" y="1600200"/>
+            <a:ext cx="4681034" cy="4525963"/>
+          </a:xfrm>
+          <a:prstGeom prst="rect">
+            <a:avLst/>
+          </a:prstGeom>
+        </p:spPr>
+        <p:txBody>
+          <a:bodyPr vert="horz" lIns="91440" tIns="45720" rIns="91440" bIns="45720" rtlCol="0">
+            <a:normAutofit lnSpcReduction="10000"/>
+          </a:bodyPr>
+          <a:lstStyle>
+            <a:lvl1pPr marL="342900" indent="-342900" algn="l" defTabSz="457200" rtl="0" eaLnBrk="1" latinLnBrk="0" hangingPunct="1">
+              <a:spcBef>
+                <a:spcPct val="20000"/>
+              </a:spcBef>
+              <a:buClr>
+                <a:schemeClr val="accent6"/>
+              </a:buClr>
+              <a:buFont typeface="Wingdings" charset="2"/>
+              <a:buChar char="§"/>
+              <a:defRPr sz="2400" kern="1200">
+                <a:solidFill>
+                  <a:schemeClr val="tx1"/>
+                </a:solidFill>
+                <a:latin typeface="Times New Roman"/>
+                <a:ea typeface="+mn-ea"/>
+                <a:cs typeface="Times New Roman"/>
+              </a:defRPr>
+            </a:lvl1pPr>
+            <a:lvl2pPr marL="742950" indent="-285750" algn="l" defTabSz="457200" rtl="0" eaLnBrk="1" latinLnBrk="0" hangingPunct="1">
+              <a:spcBef>
+                <a:spcPct val="20000"/>
+              </a:spcBef>
+              <a:buClr>
+                <a:schemeClr val="accent6"/>
+              </a:buClr>
+              <a:buFont typeface="Wingdings" charset="2"/>
+              <a:buChar char="§"/>
+              <a:defRPr sz="2000" kern="1200">
+                <a:solidFill>
+                  <a:schemeClr val="tx1"/>
+                </a:solidFill>
+                <a:latin typeface="Times New Roman"/>
+                <a:ea typeface="+mn-ea"/>
+                <a:cs typeface="Times New Roman"/>
+              </a:defRPr>
+            </a:lvl2pPr>
+            <a:lvl3pPr marL="1143000" indent="-228600" algn="l" defTabSz="457200" rtl="0" eaLnBrk="1" latinLnBrk="0" hangingPunct="1">
+              <a:spcBef>
+                <a:spcPct val="20000"/>
+              </a:spcBef>
+              <a:buClr>
+                <a:schemeClr val="accent6"/>
+              </a:buClr>
+              <a:buFont typeface="Wingdings" charset="2"/>
+              <a:buChar char="§"/>
+              <a:defRPr sz="1800" kern="1200">
+                <a:solidFill>
+                  <a:schemeClr val="tx1"/>
+                </a:solidFill>
+                <a:latin typeface="Times New Roman"/>
+                <a:ea typeface="+mn-ea"/>
+                <a:cs typeface="Times New Roman"/>
+              </a:defRPr>
+            </a:lvl3pPr>
+            <a:lvl4pPr marL="1600200" indent="-228600" algn="l" defTabSz="457200" rtl="0" eaLnBrk="1" latinLnBrk="0" hangingPunct="1">
+              <a:spcBef>
+                <a:spcPct val="20000"/>
+              </a:spcBef>
+              <a:buClr>
+                <a:schemeClr val="accent6"/>
+              </a:buClr>
+              <a:buFont typeface="Wingdings" charset="2"/>
+              <a:buChar char="§"/>
+              <a:defRPr sz="1600" kern="1200">
+                <a:solidFill>
+                  <a:schemeClr val="tx1"/>
+                </a:solidFill>
+                <a:latin typeface="Times New Roman"/>
+                <a:ea typeface="+mn-ea"/>
+                <a:cs typeface="Times New Roman"/>
+              </a:defRPr>
+            </a:lvl4pPr>
+            <a:lvl5pPr marL="2057400" indent="-228600" algn="l" defTabSz="457200" rtl="0" eaLnBrk="1" latinLnBrk="0" hangingPunct="1">
+              <a:spcBef>
+                <a:spcPct val="20000"/>
+              </a:spcBef>
+              <a:buClr>
+                <a:schemeClr val="accent6"/>
+              </a:buClr>
+              <a:buFont typeface="Wingdings" charset="2"/>
+              <a:buChar char="§"/>
+              <a:defRPr sz="1600" kern="1200">
+                <a:solidFill>
+                  <a:schemeClr val="tx1"/>
+                </a:solidFill>
+                <a:latin typeface="Times New Roman"/>
+                <a:ea typeface="+mn-ea"/>
+                <a:cs typeface="Times New Roman"/>
+              </a:defRPr>
+            </a:lvl5pPr>
+            <a:lvl6pPr marL="2514600" indent="-228600" algn="l" defTabSz="457200" rtl="0" eaLnBrk="1" latinLnBrk="0" hangingPunct="1">
+              <a:spcBef>
+                <a:spcPct val="20000"/>
+              </a:spcBef>
+              <a:buFont typeface="Arial"/>
+              <a:buChar char="•"/>
+              <a:defRPr sz="2000" kern="1200">
+                <a:solidFill>
+                  <a:schemeClr val="tx1"/>
+                </a:solidFill>
+                <a:latin typeface="+mn-lt"/>
+                <a:ea typeface="+mn-ea"/>
+                <a:cs typeface="+mn-cs"/>
+              </a:defRPr>
+            </a:lvl6pPr>
+            <a:lvl7pPr marL="2971800" indent="-228600" algn="l" defTabSz="457200" rtl="0" eaLnBrk="1" latinLnBrk="0" hangingPunct="1">
+              <a:spcBef>
+                <a:spcPct val="20000"/>
+              </a:spcBef>
+              <a:buFont typeface="Arial"/>
+              <a:buChar char="•"/>
+              <a:defRPr sz="2000" kern="1200">
+                <a:solidFill>
+                  <a:schemeClr val="tx1"/>
+                </a:solidFill>
+                <a:latin typeface="+mn-lt"/>
+                <a:ea typeface="+mn-ea"/>
+                <a:cs typeface="+mn-cs"/>
+              </a:defRPr>
+            </a:lvl7pPr>
+            <a:lvl8pPr marL="3429000" indent="-228600" algn="l" defTabSz="457200" rtl="0" eaLnBrk="1" latinLnBrk="0" hangingPunct="1">
+              <a:spcBef>
+                <a:spcPct val="20000"/>
+              </a:spcBef>
+              <a:buFont typeface="Arial"/>
+              <a:buChar char="•"/>
+              <a:defRPr sz="2000" kern="1200">
+                <a:solidFill>
+                  <a:schemeClr val="tx1"/>
+                </a:solidFill>
+                <a:latin typeface="+mn-lt"/>
+                <a:ea typeface="+mn-ea"/>
+                <a:cs typeface="+mn-cs"/>
+              </a:defRPr>
+            </a:lvl8pPr>
+            <a:lvl9pPr marL="3886200" indent="-228600" algn="l" defTabSz="457200" rtl="0" eaLnBrk="1" latinLnBrk="0" hangingPunct="1">
+              <a:spcBef>
+                <a:spcPct val="20000"/>
+              </a:spcBef>
+              <a:buFont typeface="Arial"/>
+              <a:buChar char="•"/>
+              <a:defRPr sz="2000" kern="1200">
+                <a:solidFill>
+                  <a:schemeClr val="tx1"/>
+                </a:solidFill>
+                <a:latin typeface="+mn-lt"/>
+                <a:ea typeface="+mn-ea"/>
+                <a:cs typeface="+mn-cs"/>
+              </a:defRPr>
+            </a:lvl9pPr>
+          </a:lstStyle>
+          <a:p>
+            <a:r>
+              <a:rPr lang="en-GB" dirty="0"/>
+              <a:t>Starting from </a:t>
+            </a:r>
+            <a:r>
+              <a:rPr lang="en-US" altLang="zh-CN" dirty="0"/>
+              <a:t>node </a:t>
+            </a:r>
+            <a:r>
+              <a:rPr lang="en-GB" dirty="0"/>
+              <a:t>5:</a:t>
+            </a:r>
+          </a:p>
+          <a:p>
+            <a:pPr lvl="1"/>
+            <a:r>
+              <a:rPr lang="en-GB" dirty="0"/>
+              <a:t>Pre-order traversal is “”. </a:t>
+            </a:r>
+          </a:p>
+          <a:p>
+            <a:pPr lvl="1"/>
+            <a:r>
+              <a:rPr lang="en-GB" dirty="0"/>
+              <a:t>Post-order traversal is “”. </a:t>
+            </a:r>
+          </a:p>
+          <a:p>
+            <a:pPr lvl="1"/>
+            <a:r>
+              <a:rPr lang="en-GB" dirty="0"/>
+              <a:t>A topological sort is reverse order of Post-order traversal: “4 5 0 2 3 1”.</a:t>
+            </a:r>
+          </a:p>
+          <a:p>
+            <a:r>
+              <a:rPr lang="en-GB" dirty="0"/>
+              <a:t>Starting from </a:t>
+            </a:r>
+            <a:r>
+              <a:rPr lang="en-US" altLang="zh-CN" dirty="0"/>
+              <a:t>node </a:t>
+            </a:r>
+            <a:r>
+              <a:rPr lang="en-GB" dirty="0"/>
+              <a:t>4:</a:t>
+            </a:r>
+          </a:p>
+          <a:p>
+            <a:pPr lvl="1"/>
+            <a:r>
+              <a:rPr lang="en-GB" dirty="0"/>
+              <a:t>Pre-order traversal is “4 0 1 5 2 3”</a:t>
+            </a:r>
+            <a:endParaRPr lang="en-US" altLang="zh-CN" dirty="0"/>
+          </a:p>
+          <a:p>
+            <a:pPr lvl="1"/>
+            <a:r>
+              <a:rPr lang="en-GB" dirty="0"/>
+              <a:t>Post-order traversal is “0 1 4 3 2 5”. </a:t>
+            </a:r>
+          </a:p>
+          <a:p>
+            <a:pPr lvl="1"/>
+            <a:r>
+              <a:rPr lang="en-GB" dirty="0"/>
+              <a:t>Another topological sort is reverse order of Post-order traversal: “5 2 3 4 1 0”.</a:t>
+            </a:r>
+          </a:p>
+          <a:p>
+            <a:r>
+              <a:rPr lang="en-GB" dirty="0"/>
+              <a:t>Starting from node 0:</a:t>
+            </a:r>
+          </a:p>
+          <a:p>
+            <a:r>
+              <a:rPr lang="en-GB" dirty="0"/>
+              <a:t>Starting from node 3:</a:t>
+            </a:r>
+          </a:p>
+        </p:txBody>
+      </p:sp>
+    </p:spTree>
+    <p:extLst>
+      <p:ext uri="{BB962C8B-B14F-4D97-AF65-F5344CB8AC3E}">
+        <p14:creationId xmlns:p14="http://schemas.microsoft.com/office/powerpoint/2010/main" val="2756432138"/>
+      </p:ext>
+    </p:extLst>
+  </p:cSld>
+  <p:clrMapOvr>
+    <a:masterClrMapping/>
+  </p:clrMapOvr>
+  <p:timing>
+    <p:tnLst>
+      <p:par>
+        <p:cTn id="1" dur="indefinite" restart="never" nodeType="tmRoot">
+          <p:childTnLst>
+            <p:seq concurrent="1" nextAc="seek">
+              <p:cTn id="2" dur="indefinite" nodeType="mainSeq">
+                <p:childTnLst>
+                  <p:par>
+                    <p:cTn id="3" fill="hold">
+                      <p:stCondLst>
+                        <p:cond delay="indefinite"/>
+                      </p:stCondLst>
+                      <p:childTnLst>
+                        <p:par>
+                          <p:cTn id="4" fill="hold">
+                            <p:stCondLst>
+                              <p:cond delay="0"/>
+                            </p:stCondLst>
+                            <p:childTnLst>
+                              <p:par>
+                                <p:cTn id="5" presetID="1" presetClass="entr" presetSubtype="0" fill="hold" grpId="0" nodeType="clickEffect">
+                                  <p:stCondLst>
+                                    <p:cond delay="0"/>
+                                  </p:stCondLst>
+                                  <p:childTnLst>
+                                    <p:set>
+                                      <p:cBhvr>
+                                        <p:cTn id="6" dur="1" fill="hold">
+                                          <p:stCondLst>
+                                            <p:cond delay="0"/>
+                                          </p:stCondLst>
+                                        </p:cTn>
+                                        <p:tgtEl>
+                                          <p:spTgt spid="38">
+                                            <p:txEl>
+                                              <p:pRg st="0" end="0"/>
+                                            </p:txEl>
+                                          </p:spTgt>
+                                        </p:tgtEl>
+                                        <p:attrNameLst>
+                                          <p:attrName>style.visibility</p:attrName>
+                                        </p:attrNameLst>
+                                      </p:cBhvr>
+                                      <p:to>
+                                        <p:strVal val="visible"/>
+                                      </p:to>
+                                    </p:set>
+                                  </p:childTnLst>
+                                </p:cTn>
+                              </p:par>
+                              <p:par>
+                                <p:cTn id="7" presetID="1" presetClass="entr" presetSubtype="0" fill="hold" grpId="0" nodeType="withEffect">
+                                  <p:stCondLst>
+                                    <p:cond delay="0"/>
+                                  </p:stCondLst>
+                                  <p:childTnLst>
+                                    <p:set>
+                                      <p:cBhvr>
+                                        <p:cTn id="8" dur="1" fill="hold">
+                                          <p:stCondLst>
+                                            <p:cond delay="0"/>
+                                          </p:stCondLst>
+                                        </p:cTn>
+                                        <p:tgtEl>
+                                          <p:spTgt spid="38">
+                                            <p:txEl>
+                                              <p:pRg st="1" end="1"/>
+                                            </p:txEl>
+                                          </p:spTgt>
+                                        </p:tgtEl>
+                                        <p:attrNameLst>
+                                          <p:attrName>style.visibility</p:attrName>
+                                        </p:attrNameLst>
+                                      </p:cBhvr>
+                                      <p:to>
+                                        <p:strVal val="visible"/>
+                                      </p:to>
+                                    </p:set>
+                                  </p:childTnLst>
+                                </p:cTn>
+                              </p:par>
+                              <p:par>
+                                <p:cTn id="9" presetID="1" presetClass="entr" presetSubtype="0" fill="hold" grpId="0" nodeType="withEffect">
+                                  <p:stCondLst>
+                                    <p:cond delay="0"/>
+                                  </p:stCondLst>
+                                  <p:childTnLst>
+                                    <p:set>
+                                      <p:cBhvr>
+                                        <p:cTn id="10" dur="1" fill="hold">
+                                          <p:stCondLst>
+                                            <p:cond delay="0"/>
+                                          </p:stCondLst>
+                                        </p:cTn>
+                                        <p:tgtEl>
+                                          <p:spTgt spid="38">
+                                            <p:txEl>
+                                              <p:pRg st="2" end="2"/>
+                                            </p:txEl>
+                                          </p:spTgt>
+                                        </p:tgtEl>
+                                        <p:attrNameLst>
+                                          <p:attrName>style.visibility</p:attrName>
+                                        </p:attrNameLst>
+                                      </p:cBhvr>
+                                      <p:to>
+                                        <p:strVal val="visible"/>
+                                      </p:to>
+                                    </p:set>
+                                  </p:childTnLst>
+                                </p:cTn>
+                              </p:par>
+                              <p:par>
+                                <p:cTn id="11" presetID="1" presetClass="entr" presetSubtype="0" fill="hold" grpId="0" nodeType="withEffect">
+                                  <p:stCondLst>
+                                    <p:cond delay="0"/>
+                                  </p:stCondLst>
+                                  <p:childTnLst>
+                                    <p:set>
+                                      <p:cBhvr>
+                                        <p:cTn id="12" dur="1" fill="hold">
+                                          <p:stCondLst>
+                                            <p:cond delay="0"/>
+                                          </p:stCondLst>
+                                        </p:cTn>
+                                        <p:tgtEl>
+                                          <p:spTgt spid="38">
+                                            <p:txEl>
+                                              <p:pRg st="3" end="3"/>
+                                            </p:txEl>
+                                          </p:spTgt>
+                                        </p:tgtEl>
+                                        <p:attrNameLst>
+                                          <p:attrName>style.visibility</p:attrName>
+                                        </p:attrNameLst>
+                                      </p:cBhvr>
+                                      <p:to>
+                                        <p:strVal val="visible"/>
+                                      </p:to>
+                                    </p:set>
+                                  </p:childTnLst>
+                                </p:cTn>
+                              </p:par>
+                            </p:childTnLst>
+                          </p:cTn>
+                        </p:par>
+                      </p:childTnLst>
+                    </p:cTn>
+                  </p:par>
+                  <p:par>
+                    <p:cTn id="13" fill="hold">
+                      <p:stCondLst>
+                        <p:cond delay="indefinite"/>
+                      </p:stCondLst>
+                      <p:childTnLst>
+                        <p:par>
+                          <p:cTn id="14" fill="hold">
+                            <p:stCondLst>
+                              <p:cond delay="0"/>
+                            </p:stCondLst>
+                            <p:childTnLst>
+                              <p:par>
+                                <p:cTn id="15" presetID="1" presetClass="entr" presetSubtype="0" fill="hold" grpId="0" nodeType="clickEffect">
+                                  <p:stCondLst>
+                                    <p:cond delay="0"/>
+                                  </p:stCondLst>
+                                  <p:childTnLst>
+                                    <p:set>
+                                      <p:cBhvr>
+                                        <p:cTn id="16" dur="1" fill="hold">
+                                          <p:stCondLst>
+                                            <p:cond delay="0"/>
+                                          </p:stCondLst>
+                                        </p:cTn>
+                                        <p:tgtEl>
+                                          <p:spTgt spid="38">
+                                            <p:txEl>
+                                              <p:pRg st="4" end="4"/>
+                                            </p:txEl>
+                                          </p:spTgt>
+                                        </p:tgtEl>
+                                        <p:attrNameLst>
+                                          <p:attrName>style.visibility</p:attrName>
+                                        </p:attrNameLst>
+                                      </p:cBhvr>
+                                      <p:to>
+                                        <p:strVal val="visible"/>
+                                      </p:to>
+                                    </p:set>
+                                  </p:childTnLst>
+                                </p:cTn>
+                              </p:par>
+                              <p:par>
+                                <p:cTn id="17" presetID="1" presetClass="entr" presetSubtype="0" fill="hold" grpId="0" nodeType="withEffect">
+                                  <p:stCondLst>
+                                    <p:cond delay="0"/>
+                                  </p:stCondLst>
+                                  <p:childTnLst>
+                                    <p:set>
+                                      <p:cBhvr>
+                                        <p:cTn id="18" dur="1" fill="hold">
+                                          <p:stCondLst>
+                                            <p:cond delay="0"/>
+                                          </p:stCondLst>
+                                        </p:cTn>
+                                        <p:tgtEl>
+                                          <p:spTgt spid="38">
+                                            <p:txEl>
+                                              <p:pRg st="5" end="5"/>
+                                            </p:txEl>
+                                          </p:spTgt>
+                                        </p:tgtEl>
+                                        <p:attrNameLst>
+                                          <p:attrName>style.visibility</p:attrName>
+                                        </p:attrNameLst>
+                                      </p:cBhvr>
+                                      <p:to>
+                                        <p:strVal val="visible"/>
+                                      </p:to>
+                                    </p:set>
+                                  </p:childTnLst>
+                                </p:cTn>
+                              </p:par>
+                              <p:par>
+                                <p:cTn id="19" presetID="1" presetClass="entr" presetSubtype="0" fill="hold" grpId="0" nodeType="withEffect">
+                                  <p:stCondLst>
+                                    <p:cond delay="0"/>
+                                  </p:stCondLst>
+                                  <p:childTnLst>
+                                    <p:set>
+                                      <p:cBhvr>
+                                        <p:cTn id="20" dur="1" fill="hold">
+                                          <p:stCondLst>
+                                            <p:cond delay="0"/>
+                                          </p:stCondLst>
+                                        </p:cTn>
+                                        <p:tgtEl>
+                                          <p:spTgt spid="38">
+                                            <p:txEl>
+                                              <p:pRg st="6" end="6"/>
+                                            </p:txEl>
+                                          </p:spTgt>
+                                        </p:tgtEl>
+                                        <p:attrNameLst>
+                                          <p:attrName>style.visibility</p:attrName>
+                                        </p:attrNameLst>
+                                      </p:cBhvr>
+                                      <p:to>
+                                        <p:strVal val="visible"/>
+                                      </p:to>
+                                    </p:set>
+                                  </p:childTnLst>
+                                </p:cTn>
+                              </p:par>
+                              <p:par>
+                                <p:cTn id="21" presetID="1" presetClass="entr" presetSubtype="0" fill="hold" grpId="0" nodeType="withEffect">
+                                  <p:stCondLst>
+                                    <p:cond delay="0"/>
+                                  </p:stCondLst>
+                                  <p:childTnLst>
+                                    <p:set>
+                                      <p:cBhvr>
+                                        <p:cTn id="22" dur="1" fill="hold">
+                                          <p:stCondLst>
+                                            <p:cond delay="0"/>
+                                          </p:stCondLst>
+                                        </p:cTn>
+                                        <p:tgtEl>
+                                          <p:spTgt spid="38">
+                                            <p:txEl>
+                                              <p:pRg st="7" end="7"/>
+                                            </p:txEl>
+                                          </p:spTgt>
+                                        </p:tgtEl>
+                                        <p:attrNameLst>
+                                          <p:attrName>style.visibility</p:attrName>
+                                        </p:attrNameLst>
+                                      </p:cBhvr>
+                                      <p:to>
+                                        <p:strVal val="visible"/>
+                                      </p:to>
+                                    </p:set>
+                                  </p:childTnLst>
+                                </p:cTn>
+                              </p:par>
+                            </p:childTnLst>
+                          </p:cTn>
+                        </p:par>
+                      </p:childTnLst>
+                    </p:cTn>
+                  </p:par>
+                  <p:par>
+                    <p:cTn id="23" fill="hold">
+                      <p:stCondLst>
+                        <p:cond delay="indefinite"/>
+                      </p:stCondLst>
+                      <p:childTnLst>
+                        <p:par>
+                          <p:cTn id="24" fill="hold">
+                            <p:stCondLst>
+                              <p:cond delay="0"/>
+                            </p:stCondLst>
+                            <p:childTnLst>
+                              <p:par>
+                                <p:cTn id="25" presetID="1" presetClass="entr" presetSubtype="0" fill="hold" grpId="0" nodeType="clickEffect">
+                                  <p:stCondLst>
+                                    <p:cond delay="0"/>
+                                  </p:stCondLst>
+                                  <p:childTnLst>
+                                    <p:set>
+                                      <p:cBhvr>
+                                        <p:cTn id="26" dur="1" fill="hold">
+                                          <p:stCondLst>
+                                            <p:cond delay="0"/>
+                                          </p:stCondLst>
+                                        </p:cTn>
+                                        <p:tgtEl>
+                                          <p:spTgt spid="38">
+                                            <p:txEl>
+                                              <p:pRg st="8" end="8"/>
+                                            </p:txEl>
+                                          </p:spTgt>
+                                        </p:tgtEl>
+                                        <p:attrNameLst>
+                                          <p:attrName>style.visibility</p:attrName>
+                                        </p:attrNameLst>
+                                      </p:cBhvr>
+                                      <p:to>
+                                        <p:strVal val="visible"/>
+                                      </p:to>
+                                    </p:set>
+                                  </p:childTnLst>
+                                </p:cTn>
+                              </p:par>
+                            </p:childTnLst>
+                          </p:cTn>
+                        </p:par>
+                      </p:childTnLst>
+                    </p:cTn>
+                  </p:par>
+                  <p:par>
+                    <p:cTn id="27" fill="hold">
+                      <p:stCondLst>
+                        <p:cond delay="indefinite"/>
+                      </p:stCondLst>
+                      <p:childTnLst>
+                        <p:par>
+                          <p:cTn id="28" fill="hold">
+                            <p:stCondLst>
+                              <p:cond delay="0"/>
+                            </p:stCondLst>
+                            <p:childTnLst>
+                              <p:par>
+                                <p:cTn id="29" presetID="1" presetClass="entr" presetSubtype="0" fill="hold" grpId="0" nodeType="clickEffect">
+                                  <p:stCondLst>
+                                    <p:cond delay="0"/>
+                                  </p:stCondLst>
+                                  <p:childTnLst>
+                                    <p:set>
+                                      <p:cBhvr>
+                                        <p:cTn id="30" dur="1" fill="hold">
+                                          <p:stCondLst>
+                                            <p:cond delay="0"/>
+                                          </p:stCondLst>
+                                        </p:cTn>
+                                        <p:tgtEl>
+                                          <p:spTgt spid="38">
+                                            <p:txEl>
+                                              <p:pRg st="9" end="9"/>
+                                            </p:txEl>
+                                          </p:spTgt>
+                                        </p:tgtEl>
+                                        <p:attrNameLst>
+                                          <p:attrName>style.visibility</p:attrName>
+                                        </p:attrNameLst>
+                                      </p:cBhvr>
+                                      <p:to>
+                                        <p:strVal val="visible"/>
+                                      </p:to>
+                                    </p:set>
+                                  </p:childTnLst>
+                                </p:cTn>
+                              </p:par>
+                            </p:childTnLst>
+                          </p:cTn>
+                        </p:par>
+                      </p:childTnLst>
+                    </p:cTn>
+                  </p:par>
+                </p:childTnLst>
+              </p:cTn>
+              <p:prevCondLst>
+                <p:cond evt="onPrev" delay="0">
+                  <p:tgtEl>
+                    <p:sldTgt/>
+                  </p:tgtEl>
+                </p:cond>
+              </p:prevCondLst>
+              <p:nextCondLst>
+                <p:cond evt="onNext" delay="0">
+                  <p:tgtEl>
+                    <p:sldTgt/>
+                  </p:tgtEl>
+                </p:cond>
+              </p:nextCondLst>
+            </p:seq>
+          </p:childTnLst>
+        </p:cTn>
+      </p:par>
+    </p:tnLst>
+    <p:bldLst>
+      <p:bldP spid="38" grpId="0" build="p"/>
     </p:bldLst>
   </p:timing>
 </p:sld>
